--- a/system/build/images.pptx
+++ b/system/build/images.pptx
@@ -5,7 +5,7 @@
     <p:sldMasterId id="2147483648" r:id="rId1"/>
   </p:sldMasterIdLst>
   <p:notesMasterIdLst>
-    <p:notesMasterId r:id="rId15"/>
+    <p:notesMasterId r:id="rId17"/>
   </p:notesMasterIdLst>
   <p:sldIdLst>
     <p:sldId id="289" r:id="rId2"/>
@@ -21,6 +21,8 @@
     <p:sldId id="273" r:id="rId12"/>
     <p:sldId id="279" r:id="rId13"/>
     <p:sldId id="269" r:id="rId14"/>
+    <p:sldId id="290" r:id="rId15"/>
+    <p:sldId id="291" r:id="rId16"/>
   </p:sldIdLst>
   <p:sldSz cx="12192000" cy="6858000"/>
   <p:notesSz cx="6858000" cy="9144000"/>
@@ -274,6 +276,8 @@
             <p14:sldId id="273"/>
             <p14:sldId id="279"/>
             <p14:sldId id="269"/>
+            <p14:sldId id="290"/>
+            <p14:sldId id="291"/>
           </p14:sldIdLst>
         </p14:section>
       </p14:sectionLst>
@@ -282,7 +286,7 @@
       <p15:sldGuideLst xmlns:p15="http://schemas.microsoft.com/office/powerpoint/2012/main"/>
     </p:ext>
     <p:ext uri="http://customooxmlschemas.google.com/">
-      <go:slidesCustomData xmlns="" xmlns:mc="http://schemas.openxmlformats.org/markup-compatibility/2006" xmlns:mv="urn:schemas-microsoft-com:mac:vml" xmlns:c="http://schemas.openxmlformats.org/drawingml/2006/chart" xmlns:dgm="http://schemas.openxmlformats.org/drawingml/2006/diagram" xmlns:o="urn:schemas-microsoft-com:office:office" xmlns:v="urn:schemas-microsoft-com:vml" xmlns:pvml="urn:schemas-microsoft-com:office:powerpoint" xmlns:com="http://schemas.openxmlformats.org/drawingml/2006/compatibility" xmlns:p14="http://schemas.microsoft.com/office/powerpoint/2010/main" xmlns:p15="http://schemas.microsoft.com/office/powerpoint/2012/main" xmlns:ahyp="http://schemas.microsoft.com/office/drawing/2018/hyperlinkcolor" xmlns:go="http://customooxmlschemas.google.com/" r:id="rId24" roundtripDataSignature="AMtx7mhowPSfcWJXUc7sabtdkDTIO6Ozfw=="/>
+      <go:slidesCustomData xmlns:go="http://customooxmlschemas.google.com/" xmlns:ahyp="http://schemas.microsoft.com/office/drawing/2018/hyperlinkcolor" xmlns:p15="http://schemas.microsoft.com/office/powerpoint/2012/main" xmlns:p14="http://schemas.microsoft.com/office/powerpoint/2010/main" xmlns:com="http://schemas.openxmlformats.org/drawingml/2006/compatibility" xmlns:pvml="urn:schemas-microsoft-com:office:powerpoint" xmlns:v="urn:schemas-microsoft-com:vml" xmlns:o="urn:schemas-microsoft-com:office:office" xmlns:dgm="http://schemas.openxmlformats.org/drawingml/2006/diagram" xmlns:c="http://schemas.openxmlformats.org/drawingml/2006/chart" xmlns:mv="urn:schemas-microsoft-com:mac:vml" xmlns:mc="http://schemas.openxmlformats.org/markup-compatibility/2006" xmlns="" r:id="rId24" roundtripDataSignature="AMtx7mhowPSfcWJXUc7sabtdkDTIO6Ozfw=="/>
     </p:ext>
   </p:extLst>
 </p:presentation>
@@ -1706,7 +1710,7 @@
 </file>
 
 <file path=ppt/slideLayouts/slideLayout1.xml><?xml version="1.0" encoding="utf-8"?>
-<p:sldLayout xmlns:a="http://schemas.openxmlformats.org/drawingml/2006/main" xmlns:r="http://schemas.openxmlformats.org/officeDocument/2006/relationships" xmlns:p="http://schemas.openxmlformats.org/presentationml/2006/main" matchingName="Title and Content" type="obj">
+<p:sldLayout xmlns:a="http://schemas.openxmlformats.org/drawingml/2006/main" xmlns:r="http://schemas.openxmlformats.org/officeDocument/2006/relationships" xmlns:p="http://schemas.openxmlformats.org/presentationml/2006/main" showMasterSp="0" matchingName="Title and Content" type="obj">
   <p:cSld name="OBJECT">
     <p:spTree>
       <p:nvGrpSpPr>
@@ -2346,7 +2350,7 @@
 </file>
 
 <file path=ppt/slideLayouts/slideLayout10.xml><?xml version="1.0" encoding="utf-8"?>
-<p:sldLayout xmlns:a="http://schemas.openxmlformats.org/drawingml/2006/main" xmlns:r="http://schemas.openxmlformats.org/officeDocument/2006/relationships" xmlns:p="http://schemas.openxmlformats.org/presentationml/2006/main" preserve="1" userDrawn="1">
+<p:sldLayout xmlns:a="http://schemas.openxmlformats.org/drawingml/2006/main" xmlns:r="http://schemas.openxmlformats.org/officeDocument/2006/relationships" xmlns:p="http://schemas.openxmlformats.org/presentationml/2006/main" showMasterSp="0" preserve="1" userDrawn="1">
   <p:cSld name="Custom Layout">
     <p:spTree>
       <p:nvGrpSpPr>
@@ -2376,7 +2380,7 @@
 </file>
 
 <file path=ppt/slideLayouts/slideLayout11.xml><?xml version="1.0" encoding="utf-8"?>
-<p:sldLayout xmlns:a="http://schemas.openxmlformats.org/drawingml/2006/main" xmlns:r="http://schemas.openxmlformats.org/officeDocument/2006/relationships" xmlns:p="http://schemas.openxmlformats.org/presentationml/2006/main" matchingName="Vertical Title and Text" type="vertTitleAndTx">
+<p:sldLayout xmlns:a="http://schemas.openxmlformats.org/drawingml/2006/main" xmlns:r="http://schemas.openxmlformats.org/officeDocument/2006/relationships" xmlns:p="http://schemas.openxmlformats.org/presentationml/2006/main" showMasterSp="0" matchingName="Vertical Title and Text" type="vertTitleAndTx">
   <p:cSld name="VERTICAL_TITLE_AND_VERTICAL_TEXT">
     <p:spTree>
       <p:nvGrpSpPr>
@@ -3392,7 +3396,7 @@
 </file>
 
 <file path=ppt/slideLayouts/slideLayout2.xml><?xml version="1.0" encoding="utf-8"?>
-<p:sldLayout xmlns:a="http://schemas.openxmlformats.org/drawingml/2006/main" xmlns:r="http://schemas.openxmlformats.org/officeDocument/2006/relationships" xmlns:p="http://schemas.openxmlformats.org/presentationml/2006/main" matchingName="Title Slide" type="title">
+<p:sldLayout xmlns:a="http://schemas.openxmlformats.org/drawingml/2006/main" xmlns:r="http://schemas.openxmlformats.org/officeDocument/2006/relationships" xmlns:p="http://schemas.openxmlformats.org/presentationml/2006/main" showMasterSp="0" matchingName="Title Slide" type="title">
   <p:cSld name="TITLE">
     <p:spTree>
       <p:nvGrpSpPr>
@@ -4024,7 +4028,7 @@
 </file>
 
 <file path=ppt/slideLayouts/slideLayout3.xml><?xml version="1.0" encoding="utf-8"?>
-<p:sldLayout xmlns:a="http://schemas.openxmlformats.org/drawingml/2006/main" xmlns:r="http://schemas.openxmlformats.org/officeDocument/2006/relationships" xmlns:p="http://schemas.openxmlformats.org/presentationml/2006/main" matchingName="Two Content" type="twoObj">
+<p:sldLayout xmlns:a="http://schemas.openxmlformats.org/drawingml/2006/main" xmlns:r="http://schemas.openxmlformats.org/officeDocument/2006/relationships" xmlns:p="http://schemas.openxmlformats.org/presentationml/2006/main" showMasterSp="0" matchingName="Two Content" type="twoObj">
   <p:cSld name="TWO_OBJECTS">
     <p:spTree>
       <p:nvGrpSpPr>
@@ -5227,7 +5231,7 @@
 </file>
 
 <file path=ppt/slideLayouts/slideLayout4.xml><?xml version="1.0" encoding="utf-8"?>
-<p:sldLayout xmlns:a="http://schemas.openxmlformats.org/drawingml/2006/main" xmlns:r="http://schemas.openxmlformats.org/officeDocument/2006/relationships" xmlns:p="http://schemas.openxmlformats.org/presentationml/2006/main" matchingName="Comparison" type="twoTxTwoObj">
+<p:sldLayout xmlns:a="http://schemas.openxmlformats.org/drawingml/2006/main" xmlns:r="http://schemas.openxmlformats.org/officeDocument/2006/relationships" xmlns:p="http://schemas.openxmlformats.org/presentationml/2006/main" showMasterSp="0" matchingName="Comparison" type="twoTxTwoObj">
   <p:cSld name="TWO_OBJECTS_WITH_TEXT">
     <p:spTree>
       <p:nvGrpSpPr>
@@ -6804,7 +6808,7 @@
 </file>
 
 <file path=ppt/slideLayouts/slideLayout5.xml><?xml version="1.0" encoding="utf-8"?>
-<p:sldLayout xmlns:a="http://schemas.openxmlformats.org/drawingml/2006/main" xmlns:r="http://schemas.openxmlformats.org/officeDocument/2006/relationships" xmlns:p="http://schemas.openxmlformats.org/presentationml/2006/main" matchingName="Title Only" type="titleOnly">
+<p:sldLayout xmlns:a="http://schemas.openxmlformats.org/drawingml/2006/main" xmlns:r="http://schemas.openxmlformats.org/officeDocument/2006/relationships" xmlns:p="http://schemas.openxmlformats.org/presentationml/2006/main" showMasterSp="0" matchingName="Title Only" type="titleOnly">
   <p:cSld name="TITLE_ONLY">
     <p:spTree>
       <p:nvGrpSpPr>
@@ -7633,7 +7637,7 @@
 </file>
 
 <file path=ppt/slideLayouts/slideLayout6.xml><?xml version="1.0" encoding="utf-8"?>
-<p:sldLayout xmlns:a="http://schemas.openxmlformats.org/drawingml/2006/main" xmlns:r="http://schemas.openxmlformats.org/officeDocument/2006/relationships" xmlns:p="http://schemas.openxmlformats.org/presentationml/2006/main" matchingName="Blank" type="blank">
+<p:sldLayout xmlns:a="http://schemas.openxmlformats.org/drawingml/2006/main" xmlns:r="http://schemas.openxmlformats.org/officeDocument/2006/relationships" xmlns:p="http://schemas.openxmlformats.org/presentationml/2006/main" showMasterSp="0" matchingName="Blank" type="blank">
   <p:cSld name="BLANK">
     <p:spTree>
       <p:nvGrpSpPr>
@@ -8314,7 +8318,7 @@
 </file>
 
 <file path=ppt/slideLayouts/slideLayout7.xml><?xml version="1.0" encoding="utf-8"?>
-<p:sldLayout xmlns:a="http://schemas.openxmlformats.org/drawingml/2006/main" xmlns:r="http://schemas.openxmlformats.org/officeDocument/2006/relationships" xmlns:p="http://schemas.openxmlformats.org/presentationml/2006/main" matchingName="Content with Caption" type="objTx">
+<p:sldLayout xmlns:a="http://schemas.openxmlformats.org/drawingml/2006/main" xmlns:r="http://schemas.openxmlformats.org/officeDocument/2006/relationships" xmlns:p="http://schemas.openxmlformats.org/presentationml/2006/main" showMasterSp="0" matchingName="Content with Caption" type="objTx">
   <p:cSld name="OBJECT_WITH_CAPTION_TEXT">
     <p:spTree>
       <p:nvGrpSpPr>
@@ -9517,7 +9521,7 @@
 </file>
 
 <file path=ppt/slideLayouts/slideLayout8.xml><?xml version="1.0" encoding="utf-8"?>
-<p:sldLayout xmlns:a="http://schemas.openxmlformats.org/drawingml/2006/main" xmlns:r="http://schemas.openxmlformats.org/officeDocument/2006/relationships" xmlns:p="http://schemas.openxmlformats.org/presentationml/2006/main" matchingName="Picture with Caption" type="picTx">
+<p:sldLayout xmlns:a="http://schemas.openxmlformats.org/drawingml/2006/main" xmlns:r="http://schemas.openxmlformats.org/officeDocument/2006/relationships" xmlns:p="http://schemas.openxmlformats.org/presentationml/2006/main" showMasterSp="0" matchingName="Picture with Caption" type="picTx">
   <p:cSld name="PICTURE_WITH_CAPTION_TEXT">
     <p:spTree>
       <p:nvGrpSpPr>
@@ -10557,7 +10561,7 @@
 </file>
 
 <file path=ppt/slideLayouts/slideLayout9.xml><?xml version="1.0" encoding="utf-8"?>
-<p:sldLayout xmlns:a="http://schemas.openxmlformats.org/drawingml/2006/main" xmlns:r="http://schemas.openxmlformats.org/officeDocument/2006/relationships" xmlns:p="http://schemas.openxmlformats.org/presentationml/2006/main" matchingName="Title and Vertical Text" type="vertTx">
+<p:sldLayout xmlns:a="http://schemas.openxmlformats.org/drawingml/2006/main" xmlns:r="http://schemas.openxmlformats.org/officeDocument/2006/relationships" xmlns:p="http://schemas.openxmlformats.org/presentationml/2006/main" showMasterSp="0" matchingName="Title and Vertical Text" type="vertTx">
   <p:cSld name="VERTICAL_TEXT">
     <p:spTree>
       <p:nvGrpSpPr>
@@ -13326,7 +13330,7 @@
 </file>
 
 <file path=ppt/slides/slide1.xml><?xml version="1.0" encoding="utf-8"?>
-<p:sld xmlns:a="http://schemas.openxmlformats.org/drawingml/2006/main" xmlns:r="http://schemas.openxmlformats.org/officeDocument/2006/relationships" xmlns:p="http://schemas.openxmlformats.org/presentationml/2006/main">
+<p:sld xmlns:a="http://schemas.openxmlformats.org/drawingml/2006/main" xmlns:r="http://schemas.openxmlformats.org/officeDocument/2006/relationships" xmlns:p="http://schemas.openxmlformats.org/presentationml/2006/main" showMasterSp="0">
   <p:cSld>
     <p:spTree>
       <p:nvGrpSpPr>
@@ -14087,8 +14091,8 @@
         </p:nvSpPr>
         <p:spPr>
           <a:xfrm>
-            <a:off x="8922613" y="2432759"/>
-            <a:ext cx="2986523" cy="599733"/>
+            <a:off x="8773287" y="2432759"/>
+            <a:ext cx="3285175" cy="599733"/>
           </a:xfrm>
           <a:prstGeom prst="round2DiagRect">
             <a:avLst>
@@ -14417,7 +14421,7 @@
         <p:spPr>
           <a:xfrm flipV="1">
             <a:off x="8325428" y="2732626"/>
-            <a:ext cx="597185" cy="422935"/>
+            <a:ext cx="447859" cy="422935"/>
           </a:xfrm>
           <a:prstGeom prst="bentConnector3">
             <a:avLst>
@@ -14999,7 +15003,7 @@
 </file>
 
 <file path=ppt/slides/slide10.xml><?xml version="1.0" encoding="utf-8"?>
-<p:sld xmlns:a="http://schemas.openxmlformats.org/drawingml/2006/main" xmlns:r="http://schemas.openxmlformats.org/officeDocument/2006/relationships" xmlns:p="http://schemas.openxmlformats.org/presentationml/2006/main">
+<p:sld xmlns:a="http://schemas.openxmlformats.org/drawingml/2006/main" xmlns:r="http://schemas.openxmlformats.org/officeDocument/2006/relationships" xmlns:p="http://schemas.openxmlformats.org/presentationml/2006/main" showMasterSp="0">
   <p:cSld>
     <p:spTree>
       <p:nvGrpSpPr>
@@ -16771,7 +16775,7 @@
 </file>
 
 <file path=ppt/slides/slide11.xml><?xml version="1.0" encoding="utf-8"?>
-<p:sld xmlns:a="http://schemas.openxmlformats.org/drawingml/2006/main" xmlns:r="http://schemas.openxmlformats.org/officeDocument/2006/relationships" xmlns:p="http://schemas.openxmlformats.org/presentationml/2006/main">
+<p:sld xmlns:a="http://schemas.openxmlformats.org/drawingml/2006/main" xmlns:r="http://schemas.openxmlformats.org/officeDocument/2006/relationships" xmlns:p="http://schemas.openxmlformats.org/presentationml/2006/main" showMasterSp="0">
   <p:cSld>
     <p:spTree>
       <p:nvGrpSpPr>
@@ -18595,7 +18599,7 @@
 </file>
 
 <file path=ppt/slides/slide12.xml><?xml version="1.0" encoding="utf-8"?>
-<p:sld xmlns:a="http://schemas.openxmlformats.org/drawingml/2006/main" xmlns:r="http://schemas.openxmlformats.org/officeDocument/2006/relationships" xmlns:p="http://schemas.openxmlformats.org/presentationml/2006/main">
+<p:sld xmlns:a="http://schemas.openxmlformats.org/drawingml/2006/main" xmlns:r="http://schemas.openxmlformats.org/officeDocument/2006/relationships" xmlns:p="http://schemas.openxmlformats.org/presentationml/2006/main" showMasterSp="0">
   <p:cSld>
     <p:spTree>
       <p:nvGrpSpPr>
@@ -20489,7 +20493,7 @@
 </file>
 
 <file path=ppt/slides/slide13.xml><?xml version="1.0" encoding="utf-8"?>
-<p:sld xmlns:a="http://schemas.openxmlformats.org/drawingml/2006/main" xmlns:r="http://schemas.openxmlformats.org/officeDocument/2006/relationships" xmlns:p="http://schemas.openxmlformats.org/presentationml/2006/main">
+<p:sld xmlns:a="http://schemas.openxmlformats.org/drawingml/2006/main" xmlns:r="http://schemas.openxmlformats.org/officeDocument/2006/relationships" xmlns:p="http://schemas.openxmlformats.org/presentationml/2006/main" showMasterSp="0">
   <p:cSld>
     <p:spTree>
       <p:nvGrpSpPr>
@@ -23496,8 +23500,2670 @@
 </p:sld>
 </file>
 
+<file path=ppt/slides/slide14.xml><?xml version="1.0" encoding="utf-8"?>
+<p:sld xmlns:a="http://schemas.openxmlformats.org/drawingml/2006/main" xmlns:r="http://schemas.openxmlformats.org/officeDocument/2006/relationships" xmlns:p="http://schemas.openxmlformats.org/presentationml/2006/main">
+  <p:cSld>
+    <p:spTree>
+      <p:nvGrpSpPr>
+        <p:cNvPr id="1" name=""/>
+        <p:cNvGrpSpPr/>
+        <p:nvPr/>
+      </p:nvGrpSpPr>
+      <p:grpSpPr>
+        <a:xfrm>
+          <a:off x="0" y="0"/>
+          <a:ext cx="0" cy="0"/>
+          <a:chOff x="0" y="0"/>
+          <a:chExt cx="0" cy="0"/>
+        </a:xfrm>
+      </p:grpSpPr>
+      <p:sp>
+        <p:nvSpPr>
+          <p:cNvPr id="2" name="Rounded Rectangle 1">
+            <a:extLst>
+              <a:ext uri="{FF2B5EF4-FFF2-40B4-BE49-F238E27FC236}">
+                <a16:creationId xmlns:a16="http://schemas.microsoft.com/office/drawing/2014/main" id="{828D29FD-AF25-1844-B70A-BDAACB83B661}"/>
+              </a:ext>
+            </a:extLst>
+          </p:cNvPr>
+          <p:cNvSpPr/>
+          <p:nvPr/>
+        </p:nvSpPr>
+        <p:spPr>
+          <a:xfrm>
+            <a:off x="2989680" y="5861613"/>
+            <a:ext cx="1916238" cy="327286"/>
+          </a:xfrm>
+          <a:prstGeom prst="roundRect">
+            <a:avLst/>
+          </a:prstGeom>
+          <a:ln>
+            <a:solidFill>
+              <a:schemeClr val="accent1">
+                <a:lumMod val="20000"/>
+                <a:lumOff val="80000"/>
+              </a:schemeClr>
+            </a:solidFill>
+          </a:ln>
+        </p:spPr>
+        <p:style>
+          <a:lnRef idx="1">
+            <a:schemeClr val="accent1"/>
+          </a:lnRef>
+          <a:fillRef idx="2">
+            <a:schemeClr val="accent1"/>
+          </a:fillRef>
+          <a:effectRef idx="1">
+            <a:schemeClr val="accent1"/>
+          </a:effectRef>
+          <a:fontRef idx="minor">
+            <a:schemeClr val="dk1"/>
+          </a:fontRef>
+        </p:style>
+        <p:txBody>
+          <a:bodyPr rtlCol="0" anchor="ctr"/>
+          <a:lstStyle/>
+          <a:p>
+            <a:pPr algn="ctr"/>
+            <a:r>
+              <a:rPr lang="en-US" sz="1050" dirty="0"/>
+              <a:t>target/sonic-</a:t>
+            </a:r>
+            <a:r>
+              <a:rPr lang="en-US" sz="1050" dirty="0" err="1"/>
+              <a:t>broadcom.bin</a:t>
+            </a:r>
+            <a:endParaRPr lang="en-US" sz="1050" dirty="0"/>
+          </a:p>
+        </p:txBody>
+      </p:sp>
+      <p:grpSp>
+        <p:nvGrpSpPr>
+          <p:cNvPr id="3" name="Group 2">
+            <a:extLst>
+              <a:ext uri="{FF2B5EF4-FFF2-40B4-BE49-F238E27FC236}">
+                <a16:creationId xmlns:a16="http://schemas.microsoft.com/office/drawing/2014/main" id="{B16BC10D-DB47-6046-830C-5E0D31202E78}"/>
+              </a:ext>
+            </a:extLst>
+          </p:cNvPr>
+          <p:cNvGrpSpPr/>
+          <p:nvPr/>
+        </p:nvGrpSpPr>
+        <p:grpSpPr>
+          <a:xfrm>
+            <a:off x="1693574" y="1052166"/>
+            <a:ext cx="7947706" cy="4240082"/>
+            <a:chOff x="3309431" y="2818336"/>
+            <a:chExt cx="7947706" cy="4240082"/>
+          </a:xfrm>
+        </p:grpSpPr>
+        <p:grpSp>
+          <p:nvGrpSpPr>
+            <p:cNvPr id="4" name="Group 3">
+              <a:extLst>
+                <a:ext uri="{FF2B5EF4-FFF2-40B4-BE49-F238E27FC236}">
+                  <a16:creationId xmlns:a16="http://schemas.microsoft.com/office/drawing/2014/main" id="{C62B5F0D-34A7-FE4C-866F-F2020CD3E9A2}"/>
+                </a:ext>
+              </a:extLst>
+            </p:cNvPr>
+            <p:cNvGrpSpPr/>
+            <p:nvPr/>
+          </p:nvGrpSpPr>
+          <p:grpSpPr>
+            <a:xfrm>
+              <a:off x="3309431" y="2818336"/>
+              <a:ext cx="7947706" cy="4240082"/>
+              <a:chOff x="7111581" y="1214773"/>
+              <a:chExt cx="7835732" cy="4141541"/>
+            </a:xfrm>
+          </p:grpSpPr>
+          <p:sp>
+            <p:nvSpPr>
+              <p:cNvPr id="22" name="Rounded Rectangle 21">
+                <a:extLst>
+                  <a:ext uri="{FF2B5EF4-FFF2-40B4-BE49-F238E27FC236}">
+                    <a16:creationId xmlns:a16="http://schemas.microsoft.com/office/drawing/2014/main" id="{AF398A33-055E-C648-9290-BFDB54F8DB08}"/>
+                  </a:ext>
+                </a:extLst>
+              </p:cNvPr>
+              <p:cNvSpPr/>
+              <p:nvPr/>
+            </p:nvSpPr>
+            <p:spPr>
+              <a:xfrm>
+                <a:off x="7111581" y="1214773"/>
+                <a:ext cx="7835732" cy="4141541"/>
+              </a:xfrm>
+              <a:prstGeom prst="roundRect">
+                <a:avLst>
+                  <a:gd name="adj" fmla="val 10759"/>
+                </a:avLst>
+              </a:prstGeom>
+              <a:ln/>
+            </p:spPr>
+            <p:style>
+              <a:lnRef idx="1">
+                <a:schemeClr val="accent3"/>
+              </a:lnRef>
+              <a:fillRef idx="2">
+                <a:schemeClr val="accent3"/>
+              </a:fillRef>
+              <a:effectRef idx="1">
+                <a:schemeClr val="accent3"/>
+              </a:effectRef>
+              <a:fontRef idx="minor">
+                <a:schemeClr val="dk1"/>
+              </a:fontRef>
+            </p:style>
+            <p:txBody>
+              <a:bodyPr rtlCol="0" anchor="ctr"/>
+              <a:lstStyle/>
+              <a:p>
+                <a:pPr algn="ctr"/>
+                <a:endParaRPr lang="en-US" sz="1050" dirty="0" err="1"/>
+              </a:p>
+            </p:txBody>
+          </p:sp>
+          <p:sp>
+            <p:nvSpPr>
+              <p:cNvPr id="23" name="Rounded Rectangle 22">
+                <a:extLst>
+                  <a:ext uri="{FF2B5EF4-FFF2-40B4-BE49-F238E27FC236}">
+                    <a16:creationId xmlns:a16="http://schemas.microsoft.com/office/drawing/2014/main" id="{F7E9130C-A393-9545-B1CD-60344958C988}"/>
+                  </a:ext>
+                </a:extLst>
+              </p:cNvPr>
+              <p:cNvSpPr/>
+              <p:nvPr/>
+            </p:nvSpPr>
+            <p:spPr>
+              <a:xfrm>
+                <a:off x="7554497" y="1816174"/>
+                <a:ext cx="3317016" cy="1746782"/>
+              </a:xfrm>
+              <a:prstGeom prst="roundRect">
+                <a:avLst/>
+              </a:prstGeom>
+              <a:ln>
+                <a:solidFill>
+                  <a:schemeClr val="accent1">
+                    <a:lumMod val="20000"/>
+                    <a:lumOff val="80000"/>
+                  </a:schemeClr>
+                </a:solidFill>
+              </a:ln>
+            </p:spPr>
+            <p:style>
+              <a:lnRef idx="1">
+                <a:schemeClr val="accent1"/>
+              </a:lnRef>
+              <a:fillRef idx="2">
+                <a:schemeClr val="accent1"/>
+              </a:fillRef>
+              <a:effectRef idx="1">
+                <a:schemeClr val="accent1"/>
+              </a:effectRef>
+              <a:fontRef idx="minor">
+                <a:schemeClr val="dk1"/>
+              </a:fontRef>
+            </p:style>
+            <p:txBody>
+              <a:bodyPr rtlCol="0" anchor="ctr"/>
+              <a:lstStyle/>
+              <a:p>
+                <a:pPr algn="ctr"/>
+                <a:endParaRPr lang="en-US" sz="1050" dirty="0"/>
+              </a:p>
+            </p:txBody>
+          </p:sp>
+          <p:sp>
+            <p:nvSpPr>
+              <p:cNvPr id="24" name="Rounded Rectangle 23">
+                <a:extLst>
+                  <a:ext uri="{FF2B5EF4-FFF2-40B4-BE49-F238E27FC236}">
+                    <a16:creationId xmlns:a16="http://schemas.microsoft.com/office/drawing/2014/main" id="{BBA6A05D-19E4-5643-A0DE-94C974981EE0}"/>
+                  </a:ext>
+                </a:extLst>
+              </p:cNvPr>
+              <p:cNvSpPr/>
+              <p:nvPr/>
+            </p:nvSpPr>
+            <p:spPr>
+              <a:xfrm>
+                <a:off x="11157788" y="3129961"/>
+                <a:ext cx="985906" cy="465658"/>
+              </a:xfrm>
+              <a:prstGeom prst="roundRect">
+                <a:avLst/>
+              </a:prstGeom>
+              <a:ln>
+                <a:solidFill>
+                  <a:schemeClr val="accent1">
+                    <a:lumMod val="20000"/>
+                    <a:lumOff val="80000"/>
+                  </a:schemeClr>
+                </a:solidFill>
+              </a:ln>
+            </p:spPr>
+            <p:style>
+              <a:lnRef idx="1">
+                <a:schemeClr val="accent1"/>
+              </a:lnRef>
+              <a:fillRef idx="2">
+                <a:schemeClr val="accent1"/>
+              </a:fillRef>
+              <a:effectRef idx="1">
+                <a:schemeClr val="accent1"/>
+              </a:effectRef>
+              <a:fontRef idx="minor">
+                <a:schemeClr val="dk1"/>
+              </a:fontRef>
+            </p:style>
+            <p:txBody>
+              <a:bodyPr rtlCol="0" anchor="ctr"/>
+              <a:lstStyle/>
+              <a:p>
+                <a:pPr algn="ctr"/>
+                <a:r>
+                  <a:rPr lang="en-US" sz="1050" dirty="0"/>
+                  <a:t>docker filesystem</a:t>
+                </a:r>
+              </a:p>
+            </p:txBody>
+          </p:sp>
+          <p:sp>
+            <p:nvSpPr>
+              <p:cNvPr id="25" name="Rounded Rectangle 24">
+                <a:extLst>
+                  <a:ext uri="{FF2B5EF4-FFF2-40B4-BE49-F238E27FC236}">
+                    <a16:creationId xmlns:a16="http://schemas.microsoft.com/office/drawing/2014/main" id="{1E40AC0D-AA67-094E-8CC9-02FE984DC7F2}"/>
+                  </a:ext>
+                </a:extLst>
+              </p:cNvPr>
+              <p:cNvSpPr/>
+              <p:nvPr/>
+            </p:nvSpPr>
+            <p:spPr>
+              <a:xfrm>
+                <a:off x="7688943" y="1966931"/>
+                <a:ext cx="2816239" cy="1297211"/>
+              </a:xfrm>
+              <a:prstGeom prst="roundRect">
+                <a:avLst/>
+              </a:prstGeom>
+              <a:ln/>
+            </p:spPr>
+            <p:style>
+              <a:lnRef idx="1">
+                <a:schemeClr val="accent2"/>
+              </a:lnRef>
+              <a:fillRef idx="2">
+                <a:schemeClr val="accent2"/>
+              </a:fillRef>
+              <a:effectRef idx="1">
+                <a:schemeClr val="accent2"/>
+              </a:effectRef>
+              <a:fontRef idx="minor">
+                <a:schemeClr val="dk1"/>
+              </a:fontRef>
+            </p:style>
+            <p:txBody>
+              <a:bodyPr rtlCol="0" anchor="t" anchorCtr="0"/>
+              <a:lstStyle/>
+              <a:p>
+                <a:pPr algn="ctr"/>
+                <a:r>
+                  <a:rPr lang="en-US" sz="1050" dirty="0" err="1"/>
+                  <a:t>RootFS</a:t>
+                </a:r>
+                <a:endParaRPr lang="en-US" sz="1050" dirty="0"/>
+              </a:p>
+            </p:txBody>
+          </p:sp>
+          <p:sp>
+            <p:nvSpPr>
+              <p:cNvPr id="26" name="Rounded Rectangle 25">
+                <a:extLst>
+                  <a:ext uri="{FF2B5EF4-FFF2-40B4-BE49-F238E27FC236}">
+                    <a16:creationId xmlns:a16="http://schemas.microsoft.com/office/drawing/2014/main" id="{043736FD-1007-0F40-8BD8-DAF92D0754EB}"/>
+                  </a:ext>
+                </a:extLst>
+              </p:cNvPr>
+              <p:cNvSpPr/>
+              <p:nvPr/>
+            </p:nvSpPr>
+            <p:spPr>
+              <a:xfrm>
+                <a:off x="7550759" y="4760627"/>
+                <a:ext cx="3742651" cy="267325"/>
+              </a:xfrm>
+              <a:prstGeom prst="roundRect">
+                <a:avLst/>
+              </a:prstGeom>
+              <a:ln>
+                <a:solidFill>
+                  <a:schemeClr val="accent1">
+                    <a:lumMod val="20000"/>
+                    <a:lumOff val="80000"/>
+                  </a:schemeClr>
+                </a:solidFill>
+              </a:ln>
+            </p:spPr>
+            <p:style>
+              <a:lnRef idx="1">
+                <a:schemeClr val="accent1"/>
+              </a:lnRef>
+              <a:fillRef idx="2">
+                <a:schemeClr val="accent1"/>
+              </a:fillRef>
+              <a:effectRef idx="1">
+                <a:schemeClr val="accent1"/>
+              </a:effectRef>
+              <a:fontRef idx="minor">
+                <a:schemeClr val="dk1"/>
+              </a:fontRef>
+            </p:style>
+            <p:txBody>
+              <a:bodyPr rtlCol="0" anchor="ctr"/>
+              <a:lstStyle/>
+              <a:p>
+                <a:pPr algn="ctr"/>
+                <a:r>
+                  <a:rPr lang="en-US" sz="1050" dirty="0"/>
+                  <a:t>Installer payload</a:t>
+                </a:r>
+              </a:p>
+            </p:txBody>
+          </p:sp>
+          <p:sp>
+            <p:nvSpPr>
+              <p:cNvPr id="102" name="Rounded Rectangle 101">
+                <a:extLst>
+                  <a:ext uri="{FF2B5EF4-FFF2-40B4-BE49-F238E27FC236}">
+                    <a16:creationId xmlns:a16="http://schemas.microsoft.com/office/drawing/2014/main" id="{46C5F36C-AF91-0E4D-8FDC-F87B8C123064}"/>
+                  </a:ext>
+                </a:extLst>
+              </p:cNvPr>
+              <p:cNvSpPr/>
+              <p:nvPr/>
+            </p:nvSpPr>
+            <p:spPr>
+              <a:xfrm>
+                <a:off x="8395030" y="2305329"/>
+                <a:ext cx="1735404" cy="727111"/>
+              </a:xfrm>
+              <a:prstGeom prst="roundRect">
+                <a:avLst/>
+              </a:prstGeom>
+              <a:gradFill flip="none" rotWithShape="1">
+                <a:gsLst>
+                  <a:gs pos="0">
+                    <a:schemeClr val="accent5">
+                      <a:lumMod val="67000"/>
+                    </a:schemeClr>
+                  </a:gs>
+                  <a:gs pos="48000">
+                    <a:schemeClr val="accent5">
+                      <a:lumMod val="97000"/>
+                      <a:lumOff val="3000"/>
+                    </a:schemeClr>
+                  </a:gs>
+                  <a:gs pos="100000">
+                    <a:schemeClr val="accent5">
+                      <a:lumMod val="60000"/>
+                      <a:lumOff val="40000"/>
+                    </a:schemeClr>
+                  </a:gs>
+                </a:gsLst>
+                <a:lin ang="16200000" scaled="1"/>
+                <a:tileRect/>
+              </a:gradFill>
+              <a:ln>
+                <a:noFill/>
+              </a:ln>
+            </p:spPr>
+            <p:style>
+              <a:lnRef idx="0">
+                <a:scrgbClr r="0" g="0" b="0"/>
+              </a:lnRef>
+              <a:fillRef idx="0">
+                <a:scrgbClr r="0" g="0" b="0"/>
+              </a:fillRef>
+              <a:effectRef idx="0">
+                <a:scrgbClr r="0" g="0" b="0"/>
+              </a:effectRef>
+              <a:fontRef idx="minor">
+                <a:schemeClr val="lt1"/>
+              </a:fontRef>
+            </p:style>
+            <p:txBody>
+              <a:bodyPr rtlCol="0" anchor="ctr"/>
+              <a:lstStyle/>
+              <a:p>
+                <a:r>
+                  <a:rPr lang="en-US" sz="1050" dirty="0"/>
+                  <a:t>/</a:t>
+                </a:r>
+              </a:p>
+              <a:p>
+                <a:r>
+                  <a:rPr lang="en-US" sz="1050" dirty="0"/>
+                  <a:t>/</a:t>
+                </a:r>
+                <a:r>
+                  <a:rPr lang="en-US" sz="1050" dirty="0" err="1"/>
+                  <a:t>usr</a:t>
+                </a:r>
+                <a:endParaRPr lang="en-US" sz="1050" dirty="0"/>
+              </a:p>
+              <a:p>
+                <a:r>
+                  <a:rPr lang="en-US" sz="1050" dirty="0"/>
+                  <a:t>/home</a:t>
+                </a:r>
+              </a:p>
+              <a:p>
+                <a:r>
+                  <a:rPr lang="en-US" sz="1050" dirty="0"/>
+                  <a:t>/var/lib/docker</a:t>
+                </a:r>
+              </a:p>
+            </p:txBody>
+          </p:sp>
+        </p:grpSp>
+        <p:cxnSp>
+          <p:nvCxnSpPr>
+            <p:cNvPr id="5" name="Elbow Connector 4">
+              <a:extLst>
+                <a:ext uri="{FF2B5EF4-FFF2-40B4-BE49-F238E27FC236}">
+                  <a16:creationId xmlns:a16="http://schemas.microsoft.com/office/drawing/2014/main" id="{73C92059-D203-9E43-BF84-5535B6B8D22D}"/>
+                </a:ext>
+              </a:extLst>
+            </p:cNvPr>
+            <p:cNvCxnSpPr>
+              <a:cxnSpLocks/>
+              <a:stCxn id="24" idx="1"/>
+              <a:endCxn id="102" idx="2"/>
+            </p:cNvCxnSpPr>
+            <p:nvPr/>
+          </p:nvCxnSpPr>
+          <p:spPr>
+            <a:xfrm rot="10800000">
+              <a:off x="5491323" y="4679252"/>
+              <a:ext cx="1922136" cy="338211"/>
+            </a:xfrm>
+            <a:prstGeom prst="bentConnector2">
+              <a:avLst/>
+            </a:prstGeom>
+            <a:ln>
+              <a:headEnd type="triangle"/>
+              <a:tailEnd type="triangle"/>
+            </a:ln>
+          </p:spPr>
+          <p:style>
+            <a:lnRef idx="1">
+              <a:schemeClr val="accent1"/>
+            </a:lnRef>
+            <a:fillRef idx="0">
+              <a:schemeClr val="accent1"/>
+            </a:fillRef>
+            <a:effectRef idx="0">
+              <a:schemeClr val="accent1"/>
+            </a:effectRef>
+            <a:fontRef idx="minor">
+              <a:schemeClr val="tx1"/>
+            </a:fontRef>
+          </p:style>
+        </p:cxnSp>
+        <p:sp>
+          <p:nvSpPr>
+            <p:cNvPr id="6" name="Rounded Rectangle 5">
+              <a:extLst>
+                <a:ext uri="{FF2B5EF4-FFF2-40B4-BE49-F238E27FC236}">
+                  <a16:creationId xmlns:a16="http://schemas.microsoft.com/office/drawing/2014/main" id="{523CCB74-A9AD-8247-9771-BE1F3F1BDF31}"/>
+                </a:ext>
+              </a:extLst>
+            </p:cNvPr>
+            <p:cNvSpPr/>
+            <p:nvPr/>
+          </p:nvSpPr>
+          <p:spPr>
+            <a:xfrm>
+              <a:off x="3754885" y="5532680"/>
+              <a:ext cx="3368209" cy="476739"/>
+            </a:xfrm>
+            <a:prstGeom prst="roundRect">
+              <a:avLst/>
+            </a:prstGeom>
+            <a:ln>
+              <a:solidFill>
+                <a:schemeClr val="accent1">
+                  <a:lumMod val="20000"/>
+                  <a:lumOff val="80000"/>
+                </a:schemeClr>
+              </a:solidFill>
+            </a:ln>
+          </p:spPr>
+          <p:style>
+            <a:lnRef idx="1">
+              <a:schemeClr val="accent1"/>
+            </a:lnRef>
+            <a:fillRef idx="2">
+              <a:schemeClr val="accent1"/>
+            </a:fillRef>
+            <a:effectRef idx="1">
+              <a:schemeClr val="accent1"/>
+            </a:effectRef>
+            <a:fontRef idx="minor">
+              <a:schemeClr val="dk1"/>
+            </a:fontRef>
+          </p:style>
+          <p:txBody>
+            <a:bodyPr rtlCol="0" anchor="ctr"/>
+            <a:lstStyle/>
+            <a:p>
+              <a:pPr algn="ctr"/>
+              <a:endParaRPr lang="en-US" sz="1050" dirty="0"/>
+            </a:p>
+          </p:txBody>
+        </p:sp>
+        <p:sp>
+          <p:nvSpPr>
+            <p:cNvPr id="7" name="Rounded Rectangle 6">
+              <a:extLst>
+                <a:ext uri="{FF2B5EF4-FFF2-40B4-BE49-F238E27FC236}">
+                  <a16:creationId xmlns:a16="http://schemas.microsoft.com/office/drawing/2014/main" id="{AAB7402C-2167-8C41-B34B-472BFA1A3036}"/>
+                </a:ext>
+              </a:extLst>
+            </p:cNvPr>
+            <p:cNvSpPr/>
+            <p:nvPr/>
+          </p:nvSpPr>
+          <p:spPr>
+            <a:xfrm>
+              <a:off x="4043836" y="5639070"/>
+              <a:ext cx="1133105" cy="270507"/>
+            </a:xfrm>
+            <a:prstGeom prst="roundRect">
+              <a:avLst/>
+            </a:prstGeom>
+            <a:ln/>
+          </p:spPr>
+          <p:style>
+            <a:lnRef idx="1">
+              <a:schemeClr val="accent2"/>
+            </a:lnRef>
+            <a:fillRef idx="2">
+              <a:schemeClr val="accent2"/>
+            </a:fillRef>
+            <a:effectRef idx="1">
+              <a:schemeClr val="accent2"/>
+            </a:effectRef>
+            <a:fontRef idx="minor">
+              <a:schemeClr val="dk1"/>
+            </a:fontRef>
+          </p:style>
+          <p:txBody>
+            <a:bodyPr rtlCol="0" anchor="ctr"/>
+            <a:lstStyle/>
+            <a:p>
+              <a:pPr algn="ctr"/>
+              <a:r>
+                <a:rPr lang="en-US" sz="1050" dirty="0" err="1"/>
+                <a:t>squashfs</a:t>
+              </a:r>
+              <a:endParaRPr lang="en-US" sz="1050" dirty="0"/>
+            </a:p>
+          </p:txBody>
+        </p:sp>
+        <p:sp>
+          <p:nvSpPr>
+            <p:cNvPr id="8" name="Rounded Rectangle 7">
+              <a:extLst>
+                <a:ext uri="{FF2B5EF4-FFF2-40B4-BE49-F238E27FC236}">
+                  <a16:creationId xmlns:a16="http://schemas.microsoft.com/office/drawing/2014/main" id="{D68096F0-2109-5041-A193-580BB82B8098}"/>
+                </a:ext>
+              </a:extLst>
+            </p:cNvPr>
+            <p:cNvSpPr/>
+            <p:nvPr/>
+          </p:nvSpPr>
+          <p:spPr>
+            <a:xfrm>
+              <a:off x="5563477" y="5604413"/>
+              <a:ext cx="1133103" cy="270507"/>
+            </a:xfrm>
+            <a:prstGeom prst="roundRect">
+              <a:avLst/>
+            </a:prstGeom>
+            <a:ln/>
+          </p:spPr>
+          <p:style>
+            <a:lnRef idx="1">
+              <a:schemeClr val="accent2"/>
+            </a:lnRef>
+            <a:fillRef idx="2">
+              <a:schemeClr val="accent2"/>
+            </a:fillRef>
+            <a:effectRef idx="1">
+              <a:schemeClr val="accent2"/>
+            </a:effectRef>
+            <a:fontRef idx="minor">
+              <a:schemeClr val="dk1"/>
+            </a:fontRef>
+          </p:style>
+          <p:txBody>
+            <a:bodyPr rtlCol="0" anchor="ctr"/>
+            <a:lstStyle/>
+            <a:p>
+              <a:pPr algn="ctr"/>
+              <a:r>
+                <a:rPr lang="en-US" sz="1050" dirty="0" err="1"/>
+                <a:t>dockerfs.gz</a:t>
+              </a:r>
+              <a:endParaRPr lang="en-US" sz="1050" dirty="0"/>
+            </a:p>
+          </p:txBody>
+        </p:sp>
+        <p:cxnSp>
+          <p:nvCxnSpPr>
+            <p:cNvPr id="9" name="Elbow Connector 8">
+              <a:extLst>
+                <a:ext uri="{FF2B5EF4-FFF2-40B4-BE49-F238E27FC236}">
+                  <a16:creationId xmlns:a16="http://schemas.microsoft.com/office/drawing/2014/main" id="{0501BE3D-7A8D-7B48-AB8F-65BA936DC934}"/>
+                </a:ext>
+              </a:extLst>
+            </p:cNvPr>
+            <p:cNvCxnSpPr>
+              <a:cxnSpLocks/>
+              <a:stCxn id="25" idx="2"/>
+              <a:endCxn id="7" idx="0"/>
+            </p:cNvCxnSpPr>
+            <p:nvPr/>
+          </p:nvCxnSpPr>
+          <p:spPr>
+            <a:xfrm rot="5400000">
+              <a:off x="4605536" y="4921320"/>
+              <a:ext cx="722604" cy="712897"/>
+            </a:xfrm>
+            <a:prstGeom prst="bentConnector3">
+              <a:avLst>
+                <a:gd name="adj1" fmla="val 50000"/>
+              </a:avLst>
+            </a:prstGeom>
+            <a:ln>
+              <a:headEnd type="triangle"/>
+              <a:tailEnd type="triangle"/>
+            </a:ln>
+          </p:spPr>
+          <p:style>
+            <a:lnRef idx="1">
+              <a:schemeClr val="accent1"/>
+            </a:lnRef>
+            <a:fillRef idx="0">
+              <a:schemeClr val="accent1"/>
+            </a:fillRef>
+            <a:effectRef idx="0">
+              <a:schemeClr val="accent1"/>
+            </a:effectRef>
+            <a:fontRef idx="minor">
+              <a:schemeClr val="tx1"/>
+            </a:fontRef>
+          </p:style>
+        </p:cxnSp>
+        <p:cxnSp>
+          <p:nvCxnSpPr>
+            <p:cNvPr id="10" name="Elbow Connector 9">
+              <a:extLst>
+                <a:ext uri="{FF2B5EF4-FFF2-40B4-BE49-F238E27FC236}">
+                  <a16:creationId xmlns:a16="http://schemas.microsoft.com/office/drawing/2014/main" id="{FAECA00F-2544-4E47-8033-06C5F7E19A54}"/>
+                </a:ext>
+              </a:extLst>
+            </p:cNvPr>
+            <p:cNvCxnSpPr>
+              <a:cxnSpLocks/>
+              <a:stCxn id="102" idx="2"/>
+              <a:endCxn id="8" idx="0"/>
+            </p:cNvCxnSpPr>
+            <p:nvPr/>
+          </p:nvCxnSpPr>
+          <p:spPr>
+            <a:xfrm rot="16200000" flipH="1">
+              <a:off x="5348095" y="4822479"/>
+              <a:ext cx="925162" cy="638706"/>
+            </a:xfrm>
+            <a:prstGeom prst="bentConnector3">
+              <a:avLst>
+                <a:gd name="adj1" fmla="val 50000"/>
+              </a:avLst>
+            </a:prstGeom>
+            <a:ln>
+              <a:headEnd type="triangle"/>
+              <a:tailEnd type="triangle"/>
+            </a:ln>
+          </p:spPr>
+          <p:style>
+            <a:lnRef idx="1">
+              <a:schemeClr val="accent1"/>
+            </a:lnRef>
+            <a:fillRef idx="0">
+              <a:schemeClr val="accent1"/>
+            </a:fillRef>
+            <a:effectRef idx="0">
+              <a:schemeClr val="accent1"/>
+            </a:effectRef>
+            <a:fontRef idx="minor">
+              <a:schemeClr val="tx1"/>
+            </a:fontRef>
+          </p:style>
+        </p:cxnSp>
+        <p:cxnSp>
+          <p:nvCxnSpPr>
+            <p:cNvPr id="11" name="Elbow Connector 10">
+              <a:extLst>
+                <a:ext uri="{FF2B5EF4-FFF2-40B4-BE49-F238E27FC236}">
+                  <a16:creationId xmlns:a16="http://schemas.microsoft.com/office/drawing/2014/main" id="{6BFE138C-BC17-194A-9186-88054897C223}"/>
+                </a:ext>
+              </a:extLst>
+            </p:cNvPr>
+            <p:cNvCxnSpPr>
+              <a:cxnSpLocks/>
+              <a:stCxn id="7" idx="2"/>
+              <a:endCxn id="26" idx="0"/>
+            </p:cNvCxnSpPr>
+            <p:nvPr/>
+          </p:nvCxnSpPr>
+          <p:spPr>
+            <a:xfrm rot="16200000" flipH="1">
+              <a:off x="4862180" y="5657785"/>
+              <a:ext cx="538981" cy="1042563"/>
+            </a:xfrm>
+            <a:prstGeom prst="bentConnector3">
+              <a:avLst>
+                <a:gd name="adj1" fmla="val 50000"/>
+              </a:avLst>
+            </a:prstGeom>
+            <a:ln>
+              <a:headEnd type="triangle"/>
+              <a:tailEnd type="triangle"/>
+            </a:ln>
+          </p:spPr>
+          <p:style>
+            <a:lnRef idx="1">
+              <a:schemeClr val="accent1"/>
+            </a:lnRef>
+            <a:fillRef idx="0">
+              <a:schemeClr val="accent1"/>
+            </a:fillRef>
+            <a:effectRef idx="0">
+              <a:schemeClr val="accent1"/>
+            </a:effectRef>
+            <a:fontRef idx="minor">
+              <a:schemeClr val="tx1"/>
+            </a:fontRef>
+          </p:style>
+        </p:cxnSp>
+        <p:cxnSp>
+          <p:nvCxnSpPr>
+            <p:cNvPr id="12" name="Elbow Connector 11">
+              <a:extLst>
+                <a:ext uri="{FF2B5EF4-FFF2-40B4-BE49-F238E27FC236}">
+                  <a16:creationId xmlns:a16="http://schemas.microsoft.com/office/drawing/2014/main" id="{4762E0E4-AF1C-8B4D-8E21-286ED1590AB2}"/>
+                </a:ext>
+              </a:extLst>
+            </p:cNvPr>
+            <p:cNvCxnSpPr>
+              <a:cxnSpLocks/>
+              <a:stCxn id="8" idx="2"/>
+              <a:endCxn id="26" idx="0"/>
+            </p:cNvCxnSpPr>
+            <p:nvPr/>
+          </p:nvCxnSpPr>
+          <p:spPr>
+            <a:xfrm rot="5400000">
+              <a:off x="5604672" y="5923201"/>
+              <a:ext cx="573638" cy="477077"/>
+            </a:xfrm>
+            <a:prstGeom prst="bentConnector3">
+              <a:avLst>
+                <a:gd name="adj1" fmla="val 50000"/>
+              </a:avLst>
+            </a:prstGeom>
+            <a:ln>
+              <a:headEnd type="triangle"/>
+              <a:tailEnd type="triangle"/>
+            </a:ln>
+          </p:spPr>
+          <p:style>
+            <a:lnRef idx="1">
+              <a:schemeClr val="accent1"/>
+            </a:lnRef>
+            <a:fillRef idx="0">
+              <a:schemeClr val="accent1"/>
+            </a:fillRef>
+            <a:effectRef idx="0">
+              <a:schemeClr val="accent1"/>
+            </a:effectRef>
+            <a:fontRef idx="minor">
+              <a:schemeClr val="tx1"/>
+            </a:fontRef>
+          </p:style>
+        </p:cxnSp>
+        <p:sp>
+          <p:nvSpPr>
+            <p:cNvPr id="13" name="Rounded Rectangle 12">
+              <a:extLst>
+                <a:ext uri="{FF2B5EF4-FFF2-40B4-BE49-F238E27FC236}">
+                  <a16:creationId xmlns:a16="http://schemas.microsoft.com/office/drawing/2014/main" id="{3404BBF0-41A4-F94A-9033-A04FFCD6FFDC}"/>
+                </a:ext>
+              </a:extLst>
+            </p:cNvPr>
+            <p:cNvSpPr/>
+            <p:nvPr/>
+          </p:nvSpPr>
+          <p:spPr>
+            <a:xfrm>
+              <a:off x="8867173" y="3095454"/>
+              <a:ext cx="2105280" cy="267325"/>
+            </a:xfrm>
+            <a:prstGeom prst="roundRect">
+              <a:avLst/>
+            </a:prstGeom>
+            <a:ln>
+              <a:solidFill>
+                <a:schemeClr val="accent1">
+                  <a:lumMod val="20000"/>
+                  <a:lumOff val="80000"/>
+                </a:schemeClr>
+              </a:solidFill>
+            </a:ln>
+          </p:spPr>
+          <p:style>
+            <a:lnRef idx="1">
+              <a:schemeClr val="accent1"/>
+            </a:lnRef>
+            <a:fillRef idx="2">
+              <a:schemeClr val="accent1"/>
+            </a:fillRef>
+            <a:effectRef idx="1">
+              <a:schemeClr val="accent1"/>
+            </a:effectRef>
+            <a:fontRef idx="minor">
+              <a:schemeClr val="dk1"/>
+            </a:fontRef>
+          </p:style>
+          <p:txBody>
+            <a:bodyPr rtlCol="0" anchor="ctr"/>
+            <a:lstStyle/>
+            <a:p>
+              <a:pPr algn="ctr"/>
+              <a:r>
+                <a:rPr lang="en-US" sz="1050" dirty="0"/>
+                <a:t>target/docker-</a:t>
+              </a:r>
+              <a:r>
+                <a:rPr lang="en-US" sz="1050" dirty="0" err="1"/>
+                <a:t>database.gz</a:t>
+              </a:r>
+              <a:endParaRPr lang="en-US" sz="1050" dirty="0"/>
+            </a:p>
+          </p:txBody>
+        </p:sp>
+        <p:sp>
+          <p:nvSpPr>
+            <p:cNvPr id="14" name="Rounded Rectangle 13">
+              <a:extLst>
+                <a:ext uri="{FF2B5EF4-FFF2-40B4-BE49-F238E27FC236}">
+                  <a16:creationId xmlns:a16="http://schemas.microsoft.com/office/drawing/2014/main" id="{14C6121B-975F-3A45-9568-3C9F29F06C2B}"/>
+                </a:ext>
+              </a:extLst>
+            </p:cNvPr>
+            <p:cNvSpPr/>
+            <p:nvPr/>
+          </p:nvSpPr>
+          <p:spPr>
+            <a:xfrm>
+              <a:off x="8853844" y="3541009"/>
+              <a:ext cx="2105280" cy="267325"/>
+            </a:xfrm>
+            <a:prstGeom prst="roundRect">
+              <a:avLst/>
+            </a:prstGeom>
+            <a:ln>
+              <a:solidFill>
+                <a:schemeClr val="accent1">
+                  <a:lumMod val="20000"/>
+                  <a:lumOff val="80000"/>
+                </a:schemeClr>
+              </a:solidFill>
+            </a:ln>
+          </p:spPr>
+          <p:style>
+            <a:lnRef idx="1">
+              <a:schemeClr val="accent1"/>
+            </a:lnRef>
+            <a:fillRef idx="2">
+              <a:schemeClr val="accent1"/>
+            </a:fillRef>
+            <a:effectRef idx="1">
+              <a:schemeClr val="accent1"/>
+            </a:effectRef>
+            <a:fontRef idx="minor">
+              <a:schemeClr val="dk1"/>
+            </a:fontRef>
+          </p:style>
+          <p:txBody>
+            <a:bodyPr rtlCol="0" anchor="ctr"/>
+            <a:lstStyle/>
+            <a:p>
+              <a:pPr algn="ctr"/>
+              <a:r>
+                <a:rPr lang="en-US" sz="1050" dirty="0"/>
+                <a:t>target/docker-</a:t>
+              </a:r>
+              <a:r>
+                <a:rPr lang="en-US" sz="1050" dirty="0" err="1"/>
+                <a:t>bgp.gz</a:t>
+              </a:r>
+              <a:endParaRPr lang="en-US" sz="1050" dirty="0"/>
+            </a:p>
+          </p:txBody>
+        </p:sp>
+        <p:sp>
+          <p:nvSpPr>
+            <p:cNvPr id="15" name="Rounded Rectangle 14">
+              <a:extLst>
+                <a:ext uri="{FF2B5EF4-FFF2-40B4-BE49-F238E27FC236}">
+                  <a16:creationId xmlns:a16="http://schemas.microsoft.com/office/drawing/2014/main" id="{F58B27E6-033F-984A-BA4E-62E5EA53DA36}"/>
+                </a:ext>
+              </a:extLst>
+            </p:cNvPr>
+            <p:cNvSpPr/>
+            <p:nvPr/>
+          </p:nvSpPr>
+          <p:spPr>
+            <a:xfrm>
+              <a:off x="8867173" y="4069150"/>
+              <a:ext cx="2105280" cy="267325"/>
+            </a:xfrm>
+            <a:prstGeom prst="roundRect">
+              <a:avLst/>
+            </a:prstGeom>
+            <a:ln>
+              <a:solidFill>
+                <a:schemeClr val="accent1">
+                  <a:lumMod val="20000"/>
+                  <a:lumOff val="80000"/>
+                </a:schemeClr>
+              </a:solidFill>
+            </a:ln>
+          </p:spPr>
+          <p:style>
+            <a:lnRef idx="1">
+              <a:schemeClr val="accent1"/>
+            </a:lnRef>
+            <a:fillRef idx="2">
+              <a:schemeClr val="accent1"/>
+            </a:fillRef>
+            <a:effectRef idx="1">
+              <a:schemeClr val="accent1"/>
+            </a:effectRef>
+            <a:fontRef idx="minor">
+              <a:schemeClr val="dk1"/>
+            </a:fontRef>
+          </p:style>
+          <p:txBody>
+            <a:bodyPr rtlCol="0" anchor="ctr"/>
+            <a:lstStyle/>
+            <a:p>
+              <a:pPr algn="ctr"/>
+              <a:r>
+                <a:rPr lang="en-US" sz="1050" dirty="0"/>
+                <a:t>target/docker-</a:t>
+              </a:r>
+              <a:r>
+                <a:rPr lang="en-US" sz="1050" dirty="0" err="1"/>
+                <a:t>pmon.gz</a:t>
+              </a:r>
+              <a:endParaRPr lang="en-US" sz="1050" dirty="0"/>
+            </a:p>
+          </p:txBody>
+        </p:sp>
+        <p:cxnSp>
+          <p:nvCxnSpPr>
+            <p:cNvPr id="16" name="Elbow Connector 15">
+              <a:extLst>
+                <a:ext uri="{FF2B5EF4-FFF2-40B4-BE49-F238E27FC236}">
+                  <a16:creationId xmlns:a16="http://schemas.microsoft.com/office/drawing/2014/main" id="{D4001CFF-14AD-D144-8535-362830A7B2A9}"/>
+                </a:ext>
+              </a:extLst>
+            </p:cNvPr>
+            <p:cNvCxnSpPr>
+              <a:cxnSpLocks/>
+              <a:stCxn id="13" idx="1"/>
+              <a:endCxn id="24" idx="3"/>
+            </p:cNvCxnSpPr>
+            <p:nvPr/>
+          </p:nvCxnSpPr>
+          <p:spPr>
+            <a:xfrm rot="10800000" flipV="1">
+              <a:off x="8413455" y="3229116"/>
+              <a:ext cx="453719" cy="1788345"/>
+            </a:xfrm>
+            <a:prstGeom prst="bentConnector3">
+              <a:avLst>
+                <a:gd name="adj1" fmla="val 50000"/>
+              </a:avLst>
+            </a:prstGeom>
+            <a:ln>
+              <a:headEnd type="triangle"/>
+              <a:tailEnd type="triangle"/>
+            </a:ln>
+          </p:spPr>
+          <p:style>
+            <a:lnRef idx="1">
+              <a:schemeClr val="accent1"/>
+            </a:lnRef>
+            <a:fillRef idx="0">
+              <a:schemeClr val="accent1"/>
+            </a:fillRef>
+            <a:effectRef idx="0">
+              <a:schemeClr val="accent1"/>
+            </a:effectRef>
+            <a:fontRef idx="minor">
+              <a:schemeClr val="tx1"/>
+            </a:fontRef>
+          </p:style>
+        </p:cxnSp>
+        <p:cxnSp>
+          <p:nvCxnSpPr>
+            <p:cNvPr id="17" name="Elbow Connector 16">
+              <a:extLst>
+                <a:ext uri="{FF2B5EF4-FFF2-40B4-BE49-F238E27FC236}">
+                  <a16:creationId xmlns:a16="http://schemas.microsoft.com/office/drawing/2014/main" id="{3779C8D6-D9BF-F348-BBC4-E073C0671F3A}"/>
+                </a:ext>
+              </a:extLst>
+            </p:cNvPr>
+            <p:cNvCxnSpPr>
+              <a:cxnSpLocks/>
+              <a:stCxn id="14" idx="1"/>
+              <a:endCxn id="24" idx="3"/>
+            </p:cNvCxnSpPr>
+            <p:nvPr/>
+          </p:nvCxnSpPr>
+          <p:spPr>
+            <a:xfrm rot="10800000" flipV="1">
+              <a:off x="8413454" y="3674672"/>
+              <a:ext cx="440390" cy="1342790"/>
+            </a:xfrm>
+            <a:prstGeom prst="bentConnector3">
+              <a:avLst>
+                <a:gd name="adj1" fmla="val 50000"/>
+              </a:avLst>
+            </a:prstGeom>
+            <a:ln>
+              <a:headEnd type="triangle"/>
+              <a:tailEnd type="triangle"/>
+            </a:ln>
+          </p:spPr>
+          <p:style>
+            <a:lnRef idx="1">
+              <a:schemeClr val="accent1"/>
+            </a:lnRef>
+            <a:fillRef idx="0">
+              <a:schemeClr val="accent1"/>
+            </a:fillRef>
+            <a:effectRef idx="0">
+              <a:schemeClr val="accent1"/>
+            </a:effectRef>
+            <a:fontRef idx="minor">
+              <a:schemeClr val="tx1"/>
+            </a:fontRef>
+          </p:style>
+        </p:cxnSp>
+        <p:cxnSp>
+          <p:nvCxnSpPr>
+            <p:cNvPr id="18" name="Elbow Connector 17">
+              <a:extLst>
+                <a:ext uri="{FF2B5EF4-FFF2-40B4-BE49-F238E27FC236}">
+                  <a16:creationId xmlns:a16="http://schemas.microsoft.com/office/drawing/2014/main" id="{D08F9C4C-40DB-8C4D-9C46-7DD5762F49C1}"/>
+                </a:ext>
+              </a:extLst>
+            </p:cNvPr>
+            <p:cNvCxnSpPr>
+              <a:cxnSpLocks/>
+              <a:stCxn id="15" idx="1"/>
+              <a:endCxn id="24" idx="3"/>
+            </p:cNvCxnSpPr>
+            <p:nvPr/>
+          </p:nvCxnSpPr>
+          <p:spPr>
+            <a:xfrm rot="10800000" flipV="1">
+              <a:off x="8413455" y="4202812"/>
+              <a:ext cx="453719" cy="814649"/>
+            </a:xfrm>
+            <a:prstGeom prst="bentConnector3">
+              <a:avLst>
+                <a:gd name="adj1" fmla="val 50000"/>
+              </a:avLst>
+            </a:prstGeom>
+            <a:ln>
+              <a:headEnd type="triangle"/>
+              <a:tailEnd type="triangle"/>
+            </a:ln>
+          </p:spPr>
+          <p:style>
+            <a:lnRef idx="1">
+              <a:schemeClr val="accent1"/>
+            </a:lnRef>
+            <a:fillRef idx="0">
+              <a:schemeClr val="accent1"/>
+            </a:fillRef>
+            <a:effectRef idx="0">
+              <a:schemeClr val="accent1"/>
+            </a:effectRef>
+            <a:fontRef idx="minor">
+              <a:schemeClr val="tx1"/>
+            </a:fontRef>
+          </p:style>
+        </p:cxnSp>
+        <p:sp>
+          <p:nvSpPr>
+            <p:cNvPr id="19" name="TextBox 18">
+              <a:extLst>
+                <a:ext uri="{FF2B5EF4-FFF2-40B4-BE49-F238E27FC236}">
+                  <a16:creationId xmlns:a16="http://schemas.microsoft.com/office/drawing/2014/main" id="{3A7D841A-0090-5B42-9353-360BA6207276}"/>
+                </a:ext>
+              </a:extLst>
+            </p:cNvPr>
+            <p:cNvSpPr txBox="1"/>
+            <p:nvPr/>
+          </p:nvSpPr>
+          <p:spPr>
+            <a:xfrm>
+              <a:off x="3835530" y="3095265"/>
+              <a:ext cx="1362771" cy="253916"/>
+            </a:xfrm>
+            <a:prstGeom prst="rect">
+              <a:avLst/>
+            </a:prstGeom>
+            <a:noFill/>
+          </p:spPr>
+          <p:txBody>
+            <a:bodyPr wrap="square" rtlCol="0">
+              <a:spAutoFit/>
+            </a:bodyPr>
+            <a:lstStyle/>
+            <a:p>
+              <a:r>
+                <a:rPr lang="en-US" sz="1050" dirty="0">
+                  <a:solidFill>
+                    <a:srgbClr val="C00000"/>
+                  </a:solidFill>
+                </a:rPr>
+                <a:t>/sonic/build/</a:t>
+              </a:r>
+              <a:r>
+                <a:rPr lang="en-US" sz="1050" dirty="0" err="1">
+                  <a:solidFill>
+                    <a:srgbClr val="C00000"/>
+                  </a:solidFill>
+                </a:rPr>
+                <a:t>rootfs</a:t>
+              </a:r>
+              <a:endParaRPr lang="en-US" sz="1050" dirty="0">
+                <a:solidFill>
+                  <a:srgbClr val="C00000"/>
+                </a:solidFill>
+              </a:endParaRPr>
+            </a:p>
+          </p:txBody>
+        </p:sp>
+        <p:sp>
+          <p:nvSpPr>
+            <p:cNvPr id="21" name="TextBox 20">
+              <a:extLst>
+                <a:ext uri="{FF2B5EF4-FFF2-40B4-BE49-F238E27FC236}">
+                  <a16:creationId xmlns:a16="http://schemas.microsoft.com/office/drawing/2014/main" id="{6820AE02-09A7-A34B-B0F0-DF40977BACB6}"/>
+                </a:ext>
+              </a:extLst>
+            </p:cNvPr>
+            <p:cNvSpPr txBox="1"/>
+            <p:nvPr/>
+          </p:nvSpPr>
+          <p:spPr>
+            <a:xfrm>
+              <a:off x="8318262" y="2829679"/>
+              <a:ext cx="1356724" cy="253916"/>
+            </a:xfrm>
+            <a:prstGeom prst="rect">
+              <a:avLst/>
+            </a:prstGeom>
+            <a:noFill/>
+          </p:spPr>
+          <p:txBody>
+            <a:bodyPr wrap="square" rtlCol="0">
+              <a:spAutoFit/>
+            </a:bodyPr>
+            <a:lstStyle/>
+            <a:p>
+              <a:r>
+                <a:rPr lang="en-US" sz="1050" dirty="0">
+                  <a:solidFill>
+                    <a:srgbClr val="C00000"/>
+                  </a:solidFill>
+                </a:rPr>
+                <a:t>docker load</a:t>
+              </a:r>
+            </a:p>
+          </p:txBody>
+        </p:sp>
+      </p:grpSp>
+      <p:sp>
+        <p:nvSpPr>
+          <p:cNvPr id="28" name="TextBox 27">
+            <a:extLst>
+              <a:ext uri="{FF2B5EF4-FFF2-40B4-BE49-F238E27FC236}">
+                <a16:creationId xmlns:a16="http://schemas.microsoft.com/office/drawing/2014/main" id="{21DC7698-34F3-CE44-AADA-94AF964B5CDB}"/>
+              </a:ext>
+            </a:extLst>
+          </p:cNvPr>
+          <p:cNvSpPr txBox="1"/>
+          <p:nvPr/>
+        </p:nvSpPr>
+        <p:spPr>
+          <a:xfrm>
+            <a:off x="3983497" y="6402049"/>
+            <a:ext cx="3450341" cy="307777"/>
+          </a:xfrm>
+          <a:prstGeom prst="rect">
+            <a:avLst/>
+          </a:prstGeom>
+          <a:noFill/>
+        </p:spPr>
+        <p:txBody>
+          <a:bodyPr wrap="square" rtlCol="0">
+            <a:spAutoFit/>
+          </a:bodyPr>
+          <a:lstStyle/>
+          <a:p>
+            <a:r>
+              <a:rPr lang="en-US" dirty="0">
+                <a:solidFill>
+                  <a:srgbClr val="C00000"/>
+                </a:solidFill>
+              </a:rPr>
+              <a:t>Binary Image Generation</a:t>
+            </a:r>
+          </a:p>
+        </p:txBody>
+      </p:sp>
+      <p:cxnSp>
+        <p:nvCxnSpPr>
+          <p:cNvPr id="29" name="Elbow Connector 28">
+            <a:extLst>
+              <a:ext uri="{FF2B5EF4-FFF2-40B4-BE49-F238E27FC236}">
+                <a16:creationId xmlns:a16="http://schemas.microsoft.com/office/drawing/2014/main" id="{51F4357A-CF99-CE47-A804-AA09C0683434}"/>
+              </a:ext>
+            </a:extLst>
+          </p:cNvPr>
+          <p:cNvCxnSpPr>
+            <a:cxnSpLocks/>
+            <a:stCxn id="26" idx="2"/>
+            <a:endCxn id="2" idx="0"/>
+          </p:cNvCxnSpPr>
+          <p:nvPr/>
+        </p:nvCxnSpPr>
+        <p:spPr>
+          <a:xfrm rot="5400000">
+            <a:off x="3539678" y="5364195"/>
+            <a:ext cx="905539" cy="89296"/>
+          </a:xfrm>
+          <a:prstGeom prst="bentConnector3">
+            <a:avLst>
+              <a:gd name="adj1" fmla="val 50000"/>
+            </a:avLst>
+          </a:prstGeom>
+          <a:ln>
+            <a:headEnd type="triangle"/>
+            <a:tailEnd type="triangle"/>
+          </a:ln>
+        </p:spPr>
+        <p:style>
+          <a:lnRef idx="1">
+            <a:schemeClr val="accent1"/>
+          </a:lnRef>
+          <a:fillRef idx="0">
+            <a:schemeClr val="accent1"/>
+          </a:fillRef>
+          <a:effectRef idx="0">
+            <a:schemeClr val="accent1"/>
+          </a:effectRef>
+          <a:fontRef idx="minor">
+            <a:schemeClr val="tx1"/>
+          </a:fontRef>
+        </p:style>
+      </p:cxnSp>
+      <p:sp>
+        <p:nvSpPr>
+          <p:cNvPr id="124" name="Rounded Rectangle 123">
+            <a:extLst>
+              <a:ext uri="{FF2B5EF4-FFF2-40B4-BE49-F238E27FC236}">
+                <a16:creationId xmlns:a16="http://schemas.microsoft.com/office/drawing/2014/main" id="{514AE885-76DA-7B4A-BA39-7F6677B93DA7}"/>
+              </a:ext>
+            </a:extLst>
+          </p:cNvPr>
+          <p:cNvSpPr/>
+          <p:nvPr/>
+        </p:nvSpPr>
+        <p:spPr>
+          <a:xfrm>
+            <a:off x="5708887" y="1940833"/>
+            <a:ext cx="999995" cy="476738"/>
+          </a:xfrm>
+          <a:prstGeom prst="roundRect">
+            <a:avLst/>
+          </a:prstGeom>
+          <a:ln>
+            <a:solidFill>
+              <a:schemeClr val="accent1">
+                <a:lumMod val="20000"/>
+                <a:lumOff val="80000"/>
+              </a:schemeClr>
+            </a:solidFill>
+          </a:ln>
+        </p:spPr>
+        <p:style>
+          <a:lnRef idx="1">
+            <a:schemeClr val="accent1"/>
+          </a:lnRef>
+          <a:fillRef idx="2">
+            <a:schemeClr val="accent1"/>
+          </a:fillRef>
+          <a:effectRef idx="1">
+            <a:schemeClr val="accent1"/>
+          </a:effectRef>
+          <a:fontRef idx="minor">
+            <a:schemeClr val="dk1"/>
+          </a:fontRef>
+        </p:style>
+        <p:txBody>
+          <a:bodyPr rtlCol="0" anchor="ctr"/>
+          <a:lstStyle/>
+          <a:p>
+            <a:pPr algn="ctr"/>
+            <a:r>
+              <a:rPr lang="en-US" sz="1050" dirty="0"/>
+              <a:t>Apt-get, Pip </a:t>
+            </a:r>
+            <a:r>
+              <a:rPr lang="en-US" sz="1050" dirty="0" err="1"/>
+              <a:t>etc</a:t>
+            </a:r>
+            <a:endParaRPr lang="en-US" sz="1050" dirty="0"/>
+          </a:p>
+        </p:txBody>
+      </p:sp>
+      <p:cxnSp>
+        <p:nvCxnSpPr>
+          <p:cNvPr id="125" name="Elbow Connector 124">
+            <a:extLst>
+              <a:ext uri="{FF2B5EF4-FFF2-40B4-BE49-F238E27FC236}">
+                <a16:creationId xmlns:a16="http://schemas.microsoft.com/office/drawing/2014/main" id="{CC3A5819-35A6-A64A-B097-B4F191AF94F9}"/>
+              </a:ext>
+            </a:extLst>
+          </p:cNvPr>
+          <p:cNvCxnSpPr>
+            <a:cxnSpLocks/>
+            <a:stCxn id="124" idx="1"/>
+            <a:endCxn id="102" idx="3"/>
+          </p:cNvCxnSpPr>
+          <p:nvPr/>
+        </p:nvCxnSpPr>
+        <p:spPr>
+          <a:xfrm rot="10800000" flipV="1">
+            <a:off x="4755567" y="2179202"/>
+            <a:ext cx="953320" cy="361674"/>
+          </a:xfrm>
+          <a:prstGeom prst="bentConnector3">
+            <a:avLst>
+              <a:gd name="adj1" fmla="val 50000"/>
+            </a:avLst>
+          </a:prstGeom>
+          <a:ln>
+            <a:headEnd type="triangle"/>
+            <a:tailEnd type="triangle"/>
+          </a:ln>
+        </p:spPr>
+        <p:style>
+          <a:lnRef idx="1">
+            <a:schemeClr val="accent1"/>
+          </a:lnRef>
+          <a:fillRef idx="0">
+            <a:schemeClr val="accent1"/>
+          </a:fillRef>
+          <a:effectRef idx="0">
+            <a:schemeClr val="accent1"/>
+          </a:effectRef>
+          <a:fontRef idx="minor">
+            <a:schemeClr val="tx1"/>
+          </a:fontRef>
+        </p:style>
+      </p:cxnSp>
+    </p:spTree>
+    <p:extLst>
+      <p:ext uri="{BB962C8B-B14F-4D97-AF65-F5344CB8AC3E}">
+        <p14:creationId xmlns:p14="http://schemas.microsoft.com/office/powerpoint/2010/main" val="2819408989"/>
+      </p:ext>
+    </p:extLst>
+  </p:cSld>
+  <p:clrMapOvr>
+    <a:masterClrMapping/>
+  </p:clrMapOvr>
+</p:sld>
+</file>
+
+<file path=ppt/slides/slide15.xml><?xml version="1.0" encoding="utf-8"?>
+<p:sld xmlns:a="http://schemas.openxmlformats.org/drawingml/2006/main" xmlns:r="http://schemas.openxmlformats.org/officeDocument/2006/relationships" xmlns:p="http://schemas.openxmlformats.org/presentationml/2006/main">
+  <p:cSld>
+    <p:spTree>
+      <p:nvGrpSpPr>
+        <p:cNvPr id="1" name=""/>
+        <p:cNvGrpSpPr/>
+        <p:nvPr/>
+      </p:nvGrpSpPr>
+      <p:grpSpPr>
+        <a:xfrm>
+          <a:off x="0" y="0"/>
+          <a:ext cx="0" cy="0"/>
+          <a:chOff x="0" y="0"/>
+          <a:chExt cx="0" cy="0"/>
+        </a:xfrm>
+      </p:grpSpPr>
+      <p:sp>
+        <p:nvSpPr>
+          <p:cNvPr id="21" name="Rounded Rectangle 20">
+            <a:extLst>
+              <a:ext uri="{FF2B5EF4-FFF2-40B4-BE49-F238E27FC236}">
+                <a16:creationId xmlns:a16="http://schemas.microsoft.com/office/drawing/2014/main" id="{6598D24D-DA58-DD47-953B-DFC168B88D84}"/>
+              </a:ext>
+            </a:extLst>
+          </p:cNvPr>
+          <p:cNvSpPr/>
+          <p:nvPr/>
+        </p:nvSpPr>
+        <p:spPr>
+          <a:xfrm>
+            <a:off x="2373641" y="977030"/>
+            <a:ext cx="7947706" cy="4392232"/>
+          </a:xfrm>
+          <a:prstGeom prst="roundRect">
+            <a:avLst>
+              <a:gd name="adj" fmla="val 10759"/>
+            </a:avLst>
+          </a:prstGeom>
+          <a:ln/>
+        </p:spPr>
+        <p:style>
+          <a:lnRef idx="1">
+            <a:schemeClr val="accent3"/>
+          </a:lnRef>
+          <a:fillRef idx="2">
+            <a:schemeClr val="accent3"/>
+          </a:fillRef>
+          <a:effectRef idx="1">
+            <a:schemeClr val="accent3"/>
+          </a:effectRef>
+          <a:fontRef idx="minor">
+            <a:schemeClr val="dk1"/>
+          </a:fontRef>
+        </p:style>
+        <p:txBody>
+          <a:bodyPr rtlCol="0" anchor="ctr"/>
+          <a:lstStyle/>
+          <a:p>
+            <a:pPr algn="ctr"/>
+            <a:endParaRPr lang="en-US" sz="1050" dirty="0" err="1"/>
+          </a:p>
+        </p:txBody>
+      </p:sp>
+      <p:sp>
+        <p:nvSpPr>
+          <p:cNvPr id="22" name="Rounded Rectangle 21">
+            <a:extLst>
+              <a:ext uri="{FF2B5EF4-FFF2-40B4-BE49-F238E27FC236}">
+                <a16:creationId xmlns:a16="http://schemas.microsoft.com/office/drawing/2014/main" id="{3129AA1A-226F-E843-8348-2790142B191B}"/>
+              </a:ext>
+            </a:extLst>
+          </p:cNvPr>
+          <p:cNvSpPr/>
+          <p:nvPr/>
+        </p:nvSpPr>
+        <p:spPr>
+          <a:xfrm>
+            <a:off x="2999983" y="1661612"/>
+            <a:ext cx="2218251" cy="1255657"/>
+          </a:xfrm>
+          <a:prstGeom prst="roundRect">
+            <a:avLst/>
+          </a:prstGeom>
+          <a:ln>
+            <a:solidFill>
+              <a:schemeClr val="accent1">
+                <a:lumMod val="20000"/>
+                <a:lumOff val="80000"/>
+              </a:schemeClr>
+            </a:solidFill>
+          </a:ln>
+        </p:spPr>
+        <p:style>
+          <a:lnRef idx="1">
+            <a:schemeClr val="accent1"/>
+          </a:lnRef>
+          <a:fillRef idx="2">
+            <a:schemeClr val="accent1"/>
+          </a:fillRef>
+          <a:effectRef idx="1">
+            <a:schemeClr val="accent1"/>
+          </a:effectRef>
+          <a:fontRef idx="minor">
+            <a:schemeClr val="dk1"/>
+          </a:fontRef>
+        </p:style>
+        <p:txBody>
+          <a:bodyPr rtlCol="0" anchor="ctr"/>
+          <a:lstStyle/>
+          <a:p>
+            <a:r>
+              <a:rPr lang="en-US" sz="1050" dirty="0"/>
+              <a:t>/</a:t>
+            </a:r>
+          </a:p>
+          <a:p>
+            <a:r>
+              <a:rPr lang="en-US" sz="1050" dirty="0"/>
+              <a:t>/</a:t>
+            </a:r>
+            <a:r>
+              <a:rPr lang="en-US" sz="1050" dirty="0" err="1"/>
+              <a:t>usr</a:t>
+            </a:r>
+            <a:endParaRPr lang="en-US" sz="1050" dirty="0"/>
+          </a:p>
+          <a:p>
+            <a:r>
+              <a:rPr lang="en-US" sz="1050" dirty="0"/>
+              <a:t>/home</a:t>
+            </a:r>
+          </a:p>
+          <a:p>
+            <a:r>
+              <a:rPr lang="en-US" sz="1050" dirty="0"/>
+              <a:t>/var/</a:t>
+            </a:r>
+          </a:p>
+          <a:p>
+            <a:r>
+              <a:rPr lang="en-US" sz="1050" dirty="0"/>
+              <a:t>/</a:t>
+            </a:r>
+            <a:r>
+              <a:rPr lang="en-US" sz="1050" dirty="0" err="1"/>
+              <a:t>etc</a:t>
+            </a:r>
+            <a:endParaRPr lang="en-US" sz="1050" dirty="0"/>
+          </a:p>
+        </p:txBody>
+      </p:sp>
+      <p:sp>
+        <p:nvSpPr>
+          <p:cNvPr id="24" name="Rounded Rectangle 23">
+            <a:extLst>
+              <a:ext uri="{FF2B5EF4-FFF2-40B4-BE49-F238E27FC236}">
+                <a16:creationId xmlns:a16="http://schemas.microsoft.com/office/drawing/2014/main" id="{282C904F-0110-D24A-8E3F-FD34562261BE}"/>
+              </a:ext>
+            </a:extLst>
+          </p:cNvPr>
+          <p:cNvSpPr/>
+          <p:nvPr/>
+        </p:nvSpPr>
+        <p:spPr>
+          <a:xfrm>
+            <a:off x="2999983" y="3599089"/>
+            <a:ext cx="2229633" cy="870592"/>
+          </a:xfrm>
+          <a:prstGeom prst="roundRect">
+            <a:avLst/>
+          </a:prstGeom>
+          <a:ln/>
+        </p:spPr>
+        <p:style>
+          <a:lnRef idx="1">
+            <a:schemeClr val="accent2"/>
+          </a:lnRef>
+          <a:fillRef idx="2">
+            <a:schemeClr val="accent2"/>
+          </a:fillRef>
+          <a:effectRef idx="1">
+            <a:schemeClr val="accent2"/>
+          </a:effectRef>
+          <a:fontRef idx="minor">
+            <a:schemeClr val="dk1"/>
+          </a:fontRef>
+        </p:style>
+        <p:txBody>
+          <a:bodyPr rtlCol="0" anchor="t" anchorCtr="0"/>
+          <a:lstStyle/>
+          <a:p>
+            <a:pPr algn="ctr"/>
+            <a:r>
+              <a:rPr lang="en-US" sz="1050" dirty="0"/>
+              <a:t>Mount Points</a:t>
+            </a:r>
+          </a:p>
+        </p:txBody>
+      </p:sp>
+      <p:sp>
+        <p:nvSpPr>
+          <p:cNvPr id="26" name="Rounded Rectangle 25">
+            <a:extLst>
+              <a:ext uri="{FF2B5EF4-FFF2-40B4-BE49-F238E27FC236}">
+                <a16:creationId xmlns:a16="http://schemas.microsoft.com/office/drawing/2014/main" id="{46261265-FEBF-1346-8386-341EC250CB33}"/>
+              </a:ext>
+            </a:extLst>
+          </p:cNvPr>
+          <p:cNvSpPr/>
+          <p:nvPr/>
+        </p:nvSpPr>
+        <p:spPr>
+          <a:xfrm>
+            <a:off x="3402460" y="3941103"/>
+            <a:ext cx="1470165" cy="401635"/>
+          </a:xfrm>
+          <a:prstGeom prst="roundRect">
+            <a:avLst/>
+          </a:prstGeom>
+          <a:gradFill flip="none" rotWithShape="1">
+            <a:gsLst>
+              <a:gs pos="0">
+                <a:schemeClr val="accent5">
+                  <a:lumMod val="67000"/>
+                </a:schemeClr>
+              </a:gs>
+              <a:gs pos="48000">
+                <a:schemeClr val="accent5">
+                  <a:lumMod val="97000"/>
+                  <a:lumOff val="3000"/>
+                </a:schemeClr>
+              </a:gs>
+              <a:gs pos="100000">
+                <a:schemeClr val="accent5">
+                  <a:lumMod val="60000"/>
+                  <a:lumOff val="40000"/>
+                </a:schemeClr>
+              </a:gs>
+            </a:gsLst>
+            <a:lin ang="16200000" scaled="1"/>
+            <a:tileRect/>
+          </a:gradFill>
+          <a:ln>
+            <a:noFill/>
+          </a:ln>
+        </p:spPr>
+        <p:style>
+          <a:lnRef idx="0">
+            <a:scrgbClr r="0" g="0" b="0"/>
+          </a:lnRef>
+          <a:fillRef idx="0">
+            <a:scrgbClr r="0" g="0" b="0"/>
+          </a:fillRef>
+          <a:effectRef idx="0">
+            <a:scrgbClr r="0" g="0" b="0"/>
+          </a:effectRef>
+          <a:fontRef idx="minor">
+            <a:schemeClr val="lt1"/>
+          </a:fontRef>
+        </p:style>
+        <p:txBody>
+          <a:bodyPr rtlCol="0" anchor="ctr"/>
+          <a:lstStyle/>
+          <a:p>
+            <a:r>
+              <a:rPr lang="en-US" sz="1050" dirty="0"/>
+              <a:t>/sonic</a:t>
+            </a:r>
+          </a:p>
+        </p:txBody>
+      </p:sp>
+      <p:sp>
+        <p:nvSpPr>
+          <p:cNvPr id="19" name="TextBox 18">
+            <a:extLst>
+              <a:ext uri="{FF2B5EF4-FFF2-40B4-BE49-F238E27FC236}">
+                <a16:creationId xmlns:a16="http://schemas.microsoft.com/office/drawing/2014/main" id="{4D90516D-EAC5-0045-A95E-33FE548F7FEF}"/>
+              </a:ext>
+            </a:extLst>
+          </p:cNvPr>
+          <p:cNvSpPr txBox="1"/>
+          <p:nvPr/>
+        </p:nvSpPr>
+        <p:spPr>
+          <a:xfrm>
+            <a:off x="2739543" y="1302068"/>
+            <a:ext cx="1625818" cy="253916"/>
+          </a:xfrm>
+          <a:prstGeom prst="rect">
+            <a:avLst/>
+          </a:prstGeom>
+          <a:noFill/>
+        </p:spPr>
+        <p:txBody>
+          <a:bodyPr wrap="square" rtlCol="0">
+            <a:spAutoFit/>
+          </a:bodyPr>
+          <a:lstStyle/>
+          <a:p>
+            <a:r>
+              <a:rPr lang="en-US" sz="1050" dirty="0">
+                <a:solidFill>
+                  <a:srgbClr val="C00000"/>
+                </a:solidFill>
+              </a:rPr>
+              <a:t>Sonic Build Container</a:t>
+            </a:r>
+          </a:p>
+        </p:txBody>
+      </p:sp>
+      <p:sp>
+        <p:nvSpPr>
+          <p:cNvPr id="20" name="TextBox 19">
+            <a:extLst>
+              <a:ext uri="{FF2B5EF4-FFF2-40B4-BE49-F238E27FC236}">
+                <a16:creationId xmlns:a16="http://schemas.microsoft.com/office/drawing/2014/main" id="{D492DA13-9749-4847-AAE6-1B7AB37D9F68}"/>
+              </a:ext>
+            </a:extLst>
+          </p:cNvPr>
+          <p:cNvSpPr txBox="1"/>
+          <p:nvPr/>
+        </p:nvSpPr>
+        <p:spPr>
+          <a:xfrm>
+            <a:off x="4881841" y="1158241"/>
+            <a:ext cx="4364339" cy="577081"/>
+          </a:xfrm>
+          <a:prstGeom prst="rect">
+            <a:avLst/>
+          </a:prstGeom>
+          <a:noFill/>
+        </p:spPr>
+        <p:txBody>
+          <a:bodyPr wrap="square" rtlCol="0">
+            <a:spAutoFit/>
+          </a:bodyPr>
+          <a:lstStyle/>
+          <a:p>
+            <a:r>
+              <a:rPr lang="en-US" sz="1050" dirty="0">
+                <a:solidFill>
+                  <a:srgbClr val="C00000"/>
+                </a:solidFill>
+              </a:rPr>
+              <a:t># mount -t overlay –o </a:t>
+            </a:r>
+            <a:r>
+              <a:rPr lang="en-US" sz="1050" dirty="0" err="1">
+                <a:solidFill>
+                  <a:srgbClr val="C00000"/>
+                </a:solidFill>
+              </a:rPr>
+              <a:t>lowerdir</a:t>
+            </a:r>
+            <a:r>
+              <a:rPr lang="en-US" sz="1050" dirty="0">
+                <a:solidFill>
+                  <a:srgbClr val="C00000"/>
+                </a:solidFill>
+              </a:rPr>
+              <a:t>=/,</a:t>
+            </a:r>
+            <a:r>
+              <a:rPr lang="en-US" sz="1050" dirty="0" err="1">
+                <a:solidFill>
+                  <a:srgbClr val="C00000"/>
+                </a:solidFill>
+              </a:rPr>
+              <a:t>upperdir</a:t>
+            </a:r>
+            <a:r>
+              <a:rPr lang="en-US" sz="1050" dirty="0">
+                <a:solidFill>
+                  <a:srgbClr val="C00000"/>
+                </a:solidFill>
+              </a:rPr>
+              <a:t>=/sonic   /VROOT1</a:t>
+            </a:r>
+          </a:p>
+          <a:p>
+            <a:r>
+              <a:rPr lang="en-US" sz="1050" dirty="0">
+                <a:solidFill>
+                  <a:srgbClr val="C00000"/>
+                </a:solidFill>
+              </a:rPr>
+              <a:t># chroot /VROOT1 /bin/bash</a:t>
+            </a:r>
+          </a:p>
+          <a:p>
+            <a:endParaRPr lang="en-US" sz="1050" dirty="0">
+              <a:solidFill>
+                <a:srgbClr val="C00000"/>
+              </a:solidFill>
+            </a:endParaRPr>
+          </a:p>
+        </p:txBody>
+      </p:sp>
+      <p:sp>
+        <p:nvSpPr>
+          <p:cNvPr id="27" name="TextBox 26">
+            <a:extLst>
+              <a:ext uri="{FF2B5EF4-FFF2-40B4-BE49-F238E27FC236}">
+                <a16:creationId xmlns:a16="http://schemas.microsoft.com/office/drawing/2014/main" id="{5904DBD5-D25E-AE48-96C6-D6B49F43C3A5}"/>
+              </a:ext>
+            </a:extLst>
+          </p:cNvPr>
+          <p:cNvSpPr txBox="1"/>
+          <p:nvPr/>
+        </p:nvSpPr>
+        <p:spPr>
+          <a:xfrm>
+            <a:off x="4365361" y="5683963"/>
+            <a:ext cx="2166962" cy="307777"/>
+          </a:xfrm>
+          <a:prstGeom prst="rect">
+            <a:avLst/>
+          </a:prstGeom>
+          <a:noFill/>
+        </p:spPr>
+        <p:txBody>
+          <a:bodyPr wrap="square" rtlCol="0">
+            <a:spAutoFit/>
+          </a:bodyPr>
+          <a:lstStyle/>
+          <a:p>
+            <a:r>
+              <a:rPr lang="en-US" dirty="0">
+                <a:solidFill>
+                  <a:srgbClr val="C00000"/>
+                </a:solidFill>
+              </a:rPr>
+              <a:t>Virtual Build Root</a:t>
+            </a:r>
+          </a:p>
+        </p:txBody>
+      </p:sp>
+      <p:sp>
+        <p:nvSpPr>
+          <p:cNvPr id="37" name="Rounded Rectangle 36">
+            <a:extLst>
+              <a:ext uri="{FF2B5EF4-FFF2-40B4-BE49-F238E27FC236}">
+                <a16:creationId xmlns:a16="http://schemas.microsoft.com/office/drawing/2014/main" id="{9320307F-C1F0-D74D-8808-5619B09C0911}"/>
+              </a:ext>
+            </a:extLst>
+          </p:cNvPr>
+          <p:cNvSpPr/>
+          <p:nvPr/>
+        </p:nvSpPr>
+        <p:spPr>
+          <a:xfrm>
+            <a:off x="376525" y="2602704"/>
+            <a:ext cx="1470165" cy="401635"/>
+          </a:xfrm>
+          <a:prstGeom prst="roundRect">
+            <a:avLst/>
+          </a:prstGeom>
+          <a:gradFill flip="none" rotWithShape="1">
+            <a:gsLst>
+              <a:gs pos="0">
+                <a:schemeClr val="accent5">
+                  <a:lumMod val="67000"/>
+                </a:schemeClr>
+              </a:gs>
+              <a:gs pos="48000">
+                <a:schemeClr val="accent5">
+                  <a:lumMod val="97000"/>
+                  <a:lumOff val="3000"/>
+                </a:schemeClr>
+              </a:gs>
+              <a:gs pos="100000">
+                <a:schemeClr val="accent5">
+                  <a:lumMod val="60000"/>
+                  <a:lumOff val="40000"/>
+                </a:schemeClr>
+              </a:gs>
+            </a:gsLst>
+            <a:lin ang="16200000" scaled="1"/>
+            <a:tileRect/>
+          </a:gradFill>
+          <a:ln>
+            <a:noFill/>
+          </a:ln>
+        </p:spPr>
+        <p:style>
+          <a:lnRef idx="0">
+            <a:scrgbClr r="0" g="0" b="0"/>
+          </a:lnRef>
+          <a:fillRef idx="0">
+            <a:scrgbClr r="0" g="0" b="0"/>
+          </a:fillRef>
+          <a:effectRef idx="0">
+            <a:scrgbClr r="0" g="0" b="0"/>
+          </a:effectRef>
+          <a:fontRef idx="minor">
+            <a:schemeClr val="lt1"/>
+          </a:fontRef>
+        </p:style>
+        <p:txBody>
+          <a:bodyPr rtlCol="0" anchor="ctr"/>
+          <a:lstStyle/>
+          <a:p>
+            <a:r>
+              <a:rPr lang="en-US" sz="1050" dirty="0"/>
+              <a:t>sonic-</a:t>
+            </a:r>
+            <a:r>
+              <a:rPr lang="en-US" sz="1050" dirty="0" err="1"/>
+              <a:t>buildimage</a:t>
+            </a:r>
+            <a:endParaRPr lang="en-US" sz="1050" dirty="0"/>
+          </a:p>
+        </p:txBody>
+      </p:sp>
+      <p:cxnSp>
+        <p:nvCxnSpPr>
+          <p:cNvPr id="38" name="Elbow Connector 37">
+            <a:extLst>
+              <a:ext uri="{FF2B5EF4-FFF2-40B4-BE49-F238E27FC236}">
+                <a16:creationId xmlns:a16="http://schemas.microsoft.com/office/drawing/2014/main" id="{AAEDECA1-E226-CF43-9FF2-F6852619637C}"/>
+              </a:ext>
+            </a:extLst>
+          </p:cNvPr>
+          <p:cNvCxnSpPr>
+            <a:cxnSpLocks/>
+            <a:stCxn id="26" idx="1"/>
+            <a:endCxn id="37" idx="3"/>
+          </p:cNvCxnSpPr>
+          <p:nvPr/>
+        </p:nvCxnSpPr>
+        <p:spPr>
+          <a:xfrm rot="10800000">
+            <a:off x="1846690" y="2803523"/>
+            <a:ext cx="1555770" cy="1338399"/>
+          </a:xfrm>
+          <a:prstGeom prst="bentConnector3">
+            <a:avLst>
+              <a:gd name="adj1" fmla="val 50000"/>
+            </a:avLst>
+          </a:prstGeom>
+          <a:ln>
+            <a:headEnd type="triangle"/>
+            <a:tailEnd type="triangle"/>
+          </a:ln>
+        </p:spPr>
+        <p:style>
+          <a:lnRef idx="1">
+            <a:schemeClr val="accent1"/>
+          </a:lnRef>
+          <a:fillRef idx="0">
+            <a:schemeClr val="accent1"/>
+          </a:fillRef>
+          <a:effectRef idx="0">
+            <a:schemeClr val="accent1"/>
+          </a:effectRef>
+          <a:fontRef idx="minor">
+            <a:schemeClr val="tx1"/>
+          </a:fontRef>
+        </p:style>
+      </p:cxnSp>
+      <p:grpSp>
+        <p:nvGrpSpPr>
+          <p:cNvPr id="58" name="Group 57">
+            <a:extLst>
+              <a:ext uri="{FF2B5EF4-FFF2-40B4-BE49-F238E27FC236}">
+                <a16:creationId xmlns:a16="http://schemas.microsoft.com/office/drawing/2014/main" id="{C39026D0-1DE3-614D-BA04-A3145E2CCBA7}"/>
+              </a:ext>
+            </a:extLst>
+          </p:cNvPr>
+          <p:cNvGrpSpPr/>
+          <p:nvPr/>
+        </p:nvGrpSpPr>
+        <p:grpSpPr>
+          <a:xfrm>
+            <a:off x="6823622" y="3599089"/>
+            <a:ext cx="2510627" cy="1025956"/>
+            <a:chOff x="6169910" y="3840406"/>
+            <a:chExt cx="2510627" cy="1025956"/>
+          </a:xfrm>
+        </p:grpSpPr>
+        <p:sp>
+          <p:nvSpPr>
+            <p:cNvPr id="51" name="Rounded Rectangle 50">
+              <a:extLst>
+                <a:ext uri="{FF2B5EF4-FFF2-40B4-BE49-F238E27FC236}">
+                  <a16:creationId xmlns:a16="http://schemas.microsoft.com/office/drawing/2014/main" id="{4C36BAEF-653A-E740-8F10-E14313B1FD6F}"/>
+                </a:ext>
+              </a:extLst>
+            </p:cNvPr>
+            <p:cNvSpPr/>
+            <p:nvPr/>
+          </p:nvSpPr>
+          <p:spPr>
+            <a:xfrm>
+              <a:off x="6169910" y="3840406"/>
+              <a:ext cx="2510627" cy="1025956"/>
+            </a:xfrm>
+            <a:prstGeom prst="roundRect">
+              <a:avLst/>
+            </a:prstGeom>
+            <a:ln/>
+          </p:spPr>
+          <p:style>
+            <a:lnRef idx="1">
+              <a:schemeClr val="accent2"/>
+            </a:lnRef>
+            <a:fillRef idx="2">
+              <a:schemeClr val="accent2"/>
+            </a:fillRef>
+            <a:effectRef idx="1">
+              <a:schemeClr val="accent2"/>
+            </a:effectRef>
+            <a:fontRef idx="minor">
+              <a:schemeClr val="dk1"/>
+            </a:fontRef>
+          </p:style>
+          <p:txBody>
+            <a:bodyPr rtlCol="0" anchor="t" anchorCtr="0"/>
+            <a:lstStyle/>
+            <a:p>
+              <a:pPr algn="ctr"/>
+              <a:r>
+                <a:rPr lang="en-US" sz="1050" dirty="0"/>
+                <a:t>/VROOT2/</a:t>
+              </a:r>
+            </a:p>
+          </p:txBody>
+        </p:sp>
+        <p:sp>
+          <p:nvSpPr>
+            <p:cNvPr id="52" name="Rounded Rectangle 51">
+              <a:extLst>
+                <a:ext uri="{FF2B5EF4-FFF2-40B4-BE49-F238E27FC236}">
+                  <a16:creationId xmlns:a16="http://schemas.microsoft.com/office/drawing/2014/main" id="{EF2DF50B-B45C-6948-9F0B-67FC8C9C169B}"/>
+                </a:ext>
+              </a:extLst>
+            </p:cNvPr>
+            <p:cNvSpPr/>
+            <p:nvPr/>
+          </p:nvSpPr>
+          <p:spPr>
+            <a:xfrm>
+              <a:off x="7497668" y="4202403"/>
+              <a:ext cx="999995" cy="402966"/>
+            </a:xfrm>
+            <a:prstGeom prst="roundRect">
+              <a:avLst/>
+            </a:prstGeom>
+            <a:ln>
+              <a:solidFill>
+                <a:schemeClr val="accent1">
+                  <a:lumMod val="20000"/>
+                  <a:lumOff val="80000"/>
+                </a:schemeClr>
+              </a:solidFill>
+            </a:ln>
+          </p:spPr>
+          <p:style>
+            <a:lnRef idx="1">
+              <a:schemeClr val="accent1"/>
+            </a:lnRef>
+            <a:fillRef idx="2">
+              <a:schemeClr val="accent1"/>
+            </a:fillRef>
+            <a:effectRef idx="1">
+              <a:schemeClr val="accent1"/>
+            </a:effectRef>
+            <a:fontRef idx="minor">
+              <a:schemeClr val="dk1"/>
+            </a:fontRef>
+          </p:style>
+          <p:txBody>
+            <a:bodyPr rtlCol="0" anchor="ctr"/>
+            <a:lstStyle/>
+            <a:p>
+              <a:pPr algn="ctr"/>
+              <a:r>
+                <a:rPr lang="en-US" sz="1050" dirty="0"/>
+                <a:t>sonic</a:t>
+              </a:r>
+            </a:p>
+          </p:txBody>
+        </p:sp>
+        <p:sp>
+          <p:nvSpPr>
+            <p:cNvPr id="53" name="Rounded Rectangle 52">
+              <a:extLst>
+                <a:ext uri="{FF2B5EF4-FFF2-40B4-BE49-F238E27FC236}">
+                  <a16:creationId xmlns:a16="http://schemas.microsoft.com/office/drawing/2014/main" id="{C17AEDD7-6A35-684D-ABC1-15F54A6FBBF5}"/>
+                </a:ext>
+              </a:extLst>
+            </p:cNvPr>
+            <p:cNvSpPr/>
+            <p:nvPr/>
+          </p:nvSpPr>
+          <p:spPr>
+            <a:xfrm>
+              <a:off x="6380772" y="4202403"/>
+              <a:ext cx="999995" cy="402966"/>
+            </a:xfrm>
+            <a:prstGeom prst="roundRect">
+              <a:avLst/>
+            </a:prstGeom>
+            <a:ln>
+              <a:solidFill>
+                <a:schemeClr val="accent1">
+                  <a:lumMod val="20000"/>
+                  <a:lumOff val="80000"/>
+                </a:schemeClr>
+              </a:solidFill>
+            </a:ln>
+          </p:spPr>
+          <p:style>
+            <a:lnRef idx="1">
+              <a:schemeClr val="accent1"/>
+            </a:lnRef>
+            <a:fillRef idx="2">
+              <a:schemeClr val="accent1"/>
+            </a:fillRef>
+            <a:effectRef idx="1">
+              <a:schemeClr val="accent1"/>
+            </a:effectRef>
+            <a:fontRef idx="minor">
+              <a:schemeClr val="dk1"/>
+            </a:fontRef>
+          </p:style>
+          <p:txBody>
+            <a:bodyPr rtlCol="0" anchor="ctr"/>
+            <a:lstStyle/>
+            <a:p>
+              <a:pPr algn="ctr"/>
+              <a:r>
+                <a:rPr lang="en-US" sz="1050" dirty="0" err="1"/>
+                <a:t>rootfs</a:t>
+              </a:r>
+              <a:endParaRPr lang="en-US" sz="1050" dirty="0"/>
+            </a:p>
+          </p:txBody>
+        </p:sp>
+      </p:grpSp>
+      <p:cxnSp>
+        <p:nvCxnSpPr>
+          <p:cNvPr id="55" name="Elbow Connector 54">
+            <a:extLst>
+              <a:ext uri="{FF2B5EF4-FFF2-40B4-BE49-F238E27FC236}">
+                <a16:creationId xmlns:a16="http://schemas.microsoft.com/office/drawing/2014/main" id="{CEBC9EFB-80C4-EE4C-870F-30EFD6357F31}"/>
+              </a:ext>
+            </a:extLst>
+          </p:cNvPr>
+          <p:cNvCxnSpPr>
+            <a:cxnSpLocks/>
+            <a:stCxn id="53" idx="1"/>
+            <a:endCxn id="22" idx="3"/>
+          </p:cNvCxnSpPr>
+          <p:nvPr/>
+        </p:nvCxnSpPr>
+        <p:spPr>
+          <a:xfrm rot="10800000">
+            <a:off x="5218234" y="2289441"/>
+            <a:ext cx="1816250" cy="1873128"/>
+          </a:xfrm>
+          <a:prstGeom prst="bentConnector3">
+            <a:avLst>
+              <a:gd name="adj1" fmla="val 50000"/>
+            </a:avLst>
+          </a:prstGeom>
+          <a:ln>
+            <a:headEnd type="triangle"/>
+            <a:tailEnd type="triangle"/>
+          </a:ln>
+        </p:spPr>
+        <p:style>
+          <a:lnRef idx="1">
+            <a:schemeClr val="accent1"/>
+          </a:lnRef>
+          <a:fillRef idx="0">
+            <a:schemeClr val="accent1"/>
+          </a:fillRef>
+          <a:effectRef idx="0">
+            <a:schemeClr val="accent1"/>
+          </a:effectRef>
+          <a:fontRef idx="minor">
+            <a:schemeClr val="tx1"/>
+          </a:fontRef>
+        </p:style>
+      </p:cxnSp>
+      <p:cxnSp>
+        <p:nvCxnSpPr>
+          <p:cNvPr id="5" name="Elbow Connector 4">
+            <a:extLst>
+              <a:ext uri="{FF2B5EF4-FFF2-40B4-BE49-F238E27FC236}">
+                <a16:creationId xmlns:a16="http://schemas.microsoft.com/office/drawing/2014/main" id="{763DA5AC-6089-5048-935D-F651F0708E28}"/>
+              </a:ext>
+            </a:extLst>
+          </p:cNvPr>
+          <p:cNvCxnSpPr>
+            <a:cxnSpLocks/>
+            <a:stCxn id="52" idx="2"/>
+            <a:endCxn id="26" idx="2"/>
+          </p:cNvCxnSpPr>
+          <p:nvPr/>
+        </p:nvCxnSpPr>
+        <p:spPr>
+          <a:xfrm rot="5400000" flipH="1">
+            <a:off x="6383804" y="2096478"/>
+            <a:ext cx="21314" cy="4513835"/>
+          </a:xfrm>
+          <a:prstGeom prst="bentConnector3">
+            <a:avLst>
+              <a:gd name="adj1" fmla="val -1072534"/>
+            </a:avLst>
+          </a:prstGeom>
+          <a:ln>
+            <a:headEnd type="triangle"/>
+            <a:tailEnd type="triangle"/>
+          </a:ln>
+        </p:spPr>
+        <p:style>
+          <a:lnRef idx="1">
+            <a:schemeClr val="accent1"/>
+          </a:lnRef>
+          <a:fillRef idx="0">
+            <a:schemeClr val="accent1"/>
+          </a:fillRef>
+          <a:effectRef idx="0">
+            <a:schemeClr val="accent1"/>
+          </a:effectRef>
+          <a:fontRef idx="minor">
+            <a:schemeClr val="tx1"/>
+          </a:fontRef>
+        </p:style>
+      </p:cxnSp>
+      <p:grpSp>
+        <p:nvGrpSpPr>
+          <p:cNvPr id="59" name="Group 58">
+            <a:extLst>
+              <a:ext uri="{FF2B5EF4-FFF2-40B4-BE49-F238E27FC236}">
+                <a16:creationId xmlns:a16="http://schemas.microsoft.com/office/drawing/2014/main" id="{FA48E424-9D84-5849-8C21-30B2E61735D2}"/>
+              </a:ext>
+            </a:extLst>
+          </p:cNvPr>
+          <p:cNvGrpSpPr/>
+          <p:nvPr/>
+        </p:nvGrpSpPr>
+        <p:grpSpPr>
+          <a:xfrm>
+            <a:off x="6868079" y="1576748"/>
+            <a:ext cx="2510627" cy="1025956"/>
+            <a:chOff x="6169910" y="3840406"/>
+            <a:chExt cx="2510627" cy="1025956"/>
+          </a:xfrm>
+        </p:grpSpPr>
+        <p:sp>
+          <p:nvSpPr>
+            <p:cNvPr id="60" name="Rounded Rectangle 59">
+              <a:extLst>
+                <a:ext uri="{FF2B5EF4-FFF2-40B4-BE49-F238E27FC236}">
+                  <a16:creationId xmlns:a16="http://schemas.microsoft.com/office/drawing/2014/main" id="{2E31B801-BD5C-B441-B6EA-F24A8AA506AD}"/>
+                </a:ext>
+              </a:extLst>
+            </p:cNvPr>
+            <p:cNvSpPr/>
+            <p:nvPr/>
+          </p:nvSpPr>
+          <p:spPr>
+            <a:xfrm>
+              <a:off x="6169910" y="3840406"/>
+              <a:ext cx="2510627" cy="1025956"/>
+            </a:xfrm>
+            <a:prstGeom prst="roundRect">
+              <a:avLst/>
+            </a:prstGeom>
+            <a:ln/>
+          </p:spPr>
+          <p:style>
+            <a:lnRef idx="1">
+              <a:schemeClr val="accent2"/>
+            </a:lnRef>
+            <a:fillRef idx="2">
+              <a:schemeClr val="accent2"/>
+            </a:fillRef>
+            <a:effectRef idx="1">
+              <a:schemeClr val="accent2"/>
+            </a:effectRef>
+            <a:fontRef idx="minor">
+              <a:schemeClr val="dk1"/>
+            </a:fontRef>
+          </p:style>
+          <p:txBody>
+            <a:bodyPr rtlCol="0" anchor="t" anchorCtr="0"/>
+            <a:lstStyle/>
+            <a:p>
+              <a:pPr algn="ctr"/>
+              <a:r>
+                <a:rPr lang="en-US" sz="1050" dirty="0"/>
+                <a:t>/VROOT1/</a:t>
+              </a:r>
+            </a:p>
+          </p:txBody>
+        </p:sp>
+        <p:sp>
+          <p:nvSpPr>
+            <p:cNvPr id="61" name="Rounded Rectangle 60">
+              <a:extLst>
+                <a:ext uri="{FF2B5EF4-FFF2-40B4-BE49-F238E27FC236}">
+                  <a16:creationId xmlns:a16="http://schemas.microsoft.com/office/drawing/2014/main" id="{D2BF8EB0-0010-C545-AB6D-7497865383A1}"/>
+                </a:ext>
+              </a:extLst>
+            </p:cNvPr>
+            <p:cNvSpPr/>
+            <p:nvPr/>
+          </p:nvSpPr>
+          <p:spPr>
+            <a:xfrm>
+              <a:off x="7497668" y="4202403"/>
+              <a:ext cx="999995" cy="402966"/>
+            </a:xfrm>
+            <a:prstGeom prst="roundRect">
+              <a:avLst/>
+            </a:prstGeom>
+            <a:ln>
+              <a:solidFill>
+                <a:schemeClr val="accent1">
+                  <a:lumMod val="20000"/>
+                  <a:lumOff val="80000"/>
+                </a:schemeClr>
+              </a:solidFill>
+            </a:ln>
+          </p:spPr>
+          <p:style>
+            <a:lnRef idx="1">
+              <a:schemeClr val="accent1"/>
+            </a:lnRef>
+            <a:fillRef idx="2">
+              <a:schemeClr val="accent1"/>
+            </a:fillRef>
+            <a:effectRef idx="1">
+              <a:schemeClr val="accent1"/>
+            </a:effectRef>
+            <a:fontRef idx="minor">
+              <a:schemeClr val="dk1"/>
+            </a:fontRef>
+          </p:style>
+          <p:txBody>
+            <a:bodyPr rtlCol="0" anchor="ctr"/>
+            <a:lstStyle/>
+            <a:p>
+              <a:pPr algn="ctr"/>
+              <a:r>
+                <a:rPr lang="en-US" sz="1050" dirty="0"/>
+                <a:t>sonic</a:t>
+              </a:r>
+            </a:p>
+          </p:txBody>
+        </p:sp>
+        <p:sp>
+          <p:nvSpPr>
+            <p:cNvPr id="62" name="Rounded Rectangle 61">
+              <a:extLst>
+                <a:ext uri="{FF2B5EF4-FFF2-40B4-BE49-F238E27FC236}">
+                  <a16:creationId xmlns:a16="http://schemas.microsoft.com/office/drawing/2014/main" id="{7991F712-FB0D-9A42-AC7F-0E760B1D500E}"/>
+                </a:ext>
+              </a:extLst>
+            </p:cNvPr>
+            <p:cNvSpPr/>
+            <p:nvPr/>
+          </p:nvSpPr>
+          <p:spPr>
+            <a:xfrm>
+              <a:off x="6380772" y="4202403"/>
+              <a:ext cx="999995" cy="402966"/>
+            </a:xfrm>
+            <a:prstGeom prst="roundRect">
+              <a:avLst/>
+            </a:prstGeom>
+            <a:ln>
+              <a:solidFill>
+                <a:schemeClr val="accent1">
+                  <a:lumMod val="20000"/>
+                  <a:lumOff val="80000"/>
+                </a:schemeClr>
+              </a:solidFill>
+            </a:ln>
+          </p:spPr>
+          <p:style>
+            <a:lnRef idx="1">
+              <a:schemeClr val="accent1"/>
+            </a:lnRef>
+            <a:fillRef idx="2">
+              <a:schemeClr val="accent1"/>
+            </a:fillRef>
+            <a:effectRef idx="1">
+              <a:schemeClr val="accent1"/>
+            </a:effectRef>
+            <a:fontRef idx="minor">
+              <a:schemeClr val="dk1"/>
+            </a:fontRef>
+          </p:style>
+          <p:txBody>
+            <a:bodyPr rtlCol="0" anchor="ctr"/>
+            <a:lstStyle/>
+            <a:p>
+              <a:pPr algn="ctr"/>
+              <a:r>
+                <a:rPr lang="en-US" sz="1050" dirty="0" err="1"/>
+                <a:t>rootfs</a:t>
+              </a:r>
+              <a:endParaRPr lang="en-US" sz="1050" dirty="0"/>
+            </a:p>
+          </p:txBody>
+        </p:sp>
+      </p:grpSp>
+      <p:cxnSp>
+        <p:nvCxnSpPr>
+          <p:cNvPr id="68" name="Elbow Connector 67">
+            <a:extLst>
+              <a:ext uri="{FF2B5EF4-FFF2-40B4-BE49-F238E27FC236}">
+                <a16:creationId xmlns:a16="http://schemas.microsoft.com/office/drawing/2014/main" id="{6A1F1F98-82B1-5545-BA52-A2BA3688E814}"/>
+              </a:ext>
+            </a:extLst>
+          </p:cNvPr>
+          <p:cNvCxnSpPr>
+            <a:cxnSpLocks/>
+            <a:stCxn id="62" idx="1"/>
+            <a:endCxn id="22" idx="3"/>
+          </p:cNvCxnSpPr>
+          <p:nvPr/>
+        </p:nvCxnSpPr>
+        <p:spPr>
+          <a:xfrm rot="10800000" flipV="1">
+            <a:off x="5218235" y="2140227"/>
+            <a:ext cx="1860707" cy="149213"/>
+          </a:xfrm>
+          <a:prstGeom prst="bentConnector3">
+            <a:avLst>
+              <a:gd name="adj1" fmla="val 50000"/>
+            </a:avLst>
+          </a:prstGeom>
+          <a:ln>
+            <a:headEnd type="triangle"/>
+            <a:tailEnd type="triangle"/>
+          </a:ln>
+        </p:spPr>
+        <p:style>
+          <a:lnRef idx="1">
+            <a:schemeClr val="accent1"/>
+          </a:lnRef>
+          <a:fillRef idx="0">
+            <a:schemeClr val="accent1"/>
+          </a:fillRef>
+          <a:effectRef idx="0">
+            <a:schemeClr val="accent1"/>
+          </a:effectRef>
+          <a:fontRef idx="minor">
+            <a:schemeClr val="tx1"/>
+          </a:fontRef>
+        </p:style>
+      </p:cxnSp>
+      <p:cxnSp>
+        <p:nvCxnSpPr>
+          <p:cNvPr id="30" name="Elbow Connector 29">
+            <a:extLst>
+              <a:ext uri="{FF2B5EF4-FFF2-40B4-BE49-F238E27FC236}">
+                <a16:creationId xmlns:a16="http://schemas.microsoft.com/office/drawing/2014/main" id="{EBAB068C-F9AA-664D-A799-5F7CE5B19C8A}"/>
+              </a:ext>
+            </a:extLst>
+          </p:cNvPr>
+          <p:cNvCxnSpPr>
+            <a:cxnSpLocks/>
+            <a:stCxn id="61" idx="2"/>
+            <a:endCxn id="26" idx="0"/>
+          </p:cNvCxnSpPr>
+          <p:nvPr/>
+        </p:nvCxnSpPr>
+        <p:spPr>
+          <a:xfrm rot="5400000">
+            <a:off x="5616993" y="862261"/>
+            <a:ext cx="1599392" cy="4558292"/>
+          </a:xfrm>
+          <a:prstGeom prst="bentConnector3">
+            <a:avLst>
+              <a:gd name="adj1" fmla="val 50000"/>
+            </a:avLst>
+          </a:prstGeom>
+          <a:ln>
+            <a:headEnd type="triangle"/>
+            <a:tailEnd type="triangle"/>
+          </a:ln>
+        </p:spPr>
+        <p:style>
+          <a:lnRef idx="1">
+            <a:schemeClr val="accent1"/>
+          </a:lnRef>
+          <a:fillRef idx="0">
+            <a:schemeClr val="accent1"/>
+          </a:fillRef>
+          <a:effectRef idx="0">
+            <a:schemeClr val="accent1"/>
+          </a:effectRef>
+          <a:fontRef idx="minor">
+            <a:schemeClr val="tx1"/>
+          </a:fontRef>
+        </p:style>
+      </p:cxnSp>
+      <p:sp>
+        <p:nvSpPr>
+          <p:cNvPr id="71" name="TextBox 70">
+            <a:extLst>
+              <a:ext uri="{FF2B5EF4-FFF2-40B4-BE49-F238E27FC236}">
+                <a16:creationId xmlns:a16="http://schemas.microsoft.com/office/drawing/2014/main" id="{73CB583C-A96E-EC41-B77C-A235E0A47476}"/>
+              </a:ext>
+            </a:extLst>
+          </p:cNvPr>
+          <p:cNvSpPr txBox="1"/>
+          <p:nvPr/>
+        </p:nvSpPr>
+        <p:spPr>
+          <a:xfrm>
+            <a:off x="4429294" y="4895209"/>
+            <a:ext cx="4364339" cy="415498"/>
+          </a:xfrm>
+          <a:prstGeom prst="rect">
+            <a:avLst/>
+          </a:prstGeom>
+          <a:noFill/>
+        </p:spPr>
+        <p:txBody>
+          <a:bodyPr wrap="square" rtlCol="0">
+            <a:spAutoFit/>
+          </a:bodyPr>
+          <a:lstStyle/>
+          <a:p>
+            <a:r>
+              <a:rPr lang="en-US" sz="1050" dirty="0">
+                <a:solidFill>
+                  <a:srgbClr val="C00000"/>
+                </a:solidFill>
+              </a:rPr>
+              <a:t># mount -t overlay –o </a:t>
+            </a:r>
+            <a:r>
+              <a:rPr lang="en-US" sz="1050" dirty="0" err="1">
+                <a:solidFill>
+                  <a:srgbClr val="C00000"/>
+                </a:solidFill>
+              </a:rPr>
+              <a:t>lowerdir</a:t>
+            </a:r>
+            <a:r>
+              <a:rPr lang="en-US" sz="1050" dirty="0">
+                <a:solidFill>
+                  <a:srgbClr val="C00000"/>
+                </a:solidFill>
+              </a:rPr>
+              <a:t>=/,</a:t>
+            </a:r>
+            <a:r>
+              <a:rPr lang="en-US" sz="1050" dirty="0" err="1">
+                <a:solidFill>
+                  <a:srgbClr val="C00000"/>
+                </a:solidFill>
+              </a:rPr>
+              <a:t>upperdir</a:t>
+            </a:r>
+            <a:r>
+              <a:rPr lang="en-US" sz="1050" dirty="0">
+                <a:solidFill>
+                  <a:srgbClr val="C00000"/>
+                </a:solidFill>
+              </a:rPr>
+              <a:t>=/sonic   /VROOT2</a:t>
+            </a:r>
+          </a:p>
+          <a:p>
+            <a:r>
+              <a:rPr lang="en-US" sz="1050" dirty="0">
+                <a:solidFill>
+                  <a:srgbClr val="C00000"/>
+                </a:solidFill>
+              </a:rPr>
+              <a:t># chroot /VROOT2 /bin/bash</a:t>
+            </a:r>
+          </a:p>
+        </p:txBody>
+      </p:sp>
+    </p:spTree>
+    <p:extLst>
+      <p:ext uri="{BB962C8B-B14F-4D97-AF65-F5344CB8AC3E}">
+        <p14:creationId xmlns:p14="http://schemas.microsoft.com/office/powerpoint/2010/main" val="1524498904"/>
+      </p:ext>
+    </p:extLst>
+  </p:cSld>
+  <p:clrMapOvr>
+    <a:masterClrMapping/>
+  </p:clrMapOvr>
+</p:sld>
+</file>
+
 <file path=ppt/slides/slide2.xml><?xml version="1.0" encoding="utf-8"?>
-<p:sld xmlns:a="http://schemas.openxmlformats.org/drawingml/2006/main" xmlns:r="http://schemas.openxmlformats.org/officeDocument/2006/relationships" xmlns:p="http://schemas.openxmlformats.org/presentationml/2006/main">
+<p:sld xmlns:a="http://schemas.openxmlformats.org/drawingml/2006/main" xmlns:r="http://schemas.openxmlformats.org/officeDocument/2006/relationships" xmlns:p="http://schemas.openxmlformats.org/presentationml/2006/main" showMasterSp="0">
   <p:cSld>
     <p:spTree>
       <p:nvGrpSpPr>
@@ -23521,8 +26187,8 @@
         </p:nvSpPr>
         <p:spPr>
           <a:xfrm>
-            <a:off x="8844756" y="307705"/>
-            <a:ext cx="3059229" cy="6421848"/>
+            <a:off x="8691794" y="307705"/>
+            <a:ext cx="3365152" cy="6421848"/>
           </a:xfrm>
           <a:prstGeom prst="roundRect">
             <a:avLst>
@@ -23586,7 +26252,7 @@
               </a:spcAft>
               <a:buNone/>
             </a:pPr>
-            <a:endParaRPr sz="1050" b="0" i="0" u="none" strike="noStrike" cap="none">
+            <a:endParaRPr sz="1200" b="0" i="0" u="none" strike="noStrike" cap="none">
               <a:solidFill>
                 <a:schemeClr val="dk1"/>
               </a:solidFill>
@@ -23606,8 +26272,8 @@
         </p:nvSpPr>
         <p:spPr>
           <a:xfrm>
-            <a:off x="185411" y="852229"/>
-            <a:ext cx="1648087" cy="380895"/>
+            <a:off x="70275" y="833184"/>
+            <a:ext cx="1023332" cy="418985"/>
           </a:xfrm>
           <a:prstGeom prst="roundRect">
             <a:avLst>
@@ -23673,7 +26339,7 @@
               <a:buNone/>
             </a:pPr>
             <a:r>
-              <a:rPr lang="en-US" sz="1050" b="0" i="0" u="none" strike="noStrike" cap="none" dirty="0">
+              <a:rPr lang="en-US" sz="1200" b="0" i="0" u="none" strike="noStrike" cap="none" dirty="0">
                 <a:solidFill>
                   <a:schemeClr val="dk1"/>
                 </a:solidFill>
@@ -23684,7 +26350,7 @@
               </a:rPr>
               <a:t>apt-get install </a:t>
             </a:r>
-            <a:endParaRPr sz="1050" dirty="0"/>
+            <a:endParaRPr sz="1200" dirty="0"/>
           </a:p>
         </p:txBody>
       </p:sp>
@@ -23696,8 +26362,8 @@
         </p:nvSpPr>
         <p:spPr>
           <a:xfrm>
-            <a:off x="5164921" y="639335"/>
-            <a:ext cx="3370321" cy="1122949"/>
+            <a:off x="4652021" y="583187"/>
+            <a:ext cx="3707353" cy="1235244"/>
           </a:xfrm>
           <a:prstGeom prst="roundRect">
             <a:avLst>
@@ -23763,7 +26429,7 @@
               <a:buNone/>
             </a:pPr>
             <a:r>
-              <a:rPr lang="en-US" sz="1050" b="0" i="0" u="none" strike="noStrike" cap="none" dirty="0">
+              <a:rPr lang="en-US" sz="1200" b="0" i="0" u="none" strike="noStrike" cap="none" dirty="0">
                 <a:solidFill>
                   <a:srgbClr val="C55A11"/>
                 </a:solidFill>
@@ -23775,7 +26441,7 @@
               <a:t>/</a:t>
             </a:r>
             <a:r>
-              <a:rPr lang="en-US" sz="1050" b="0" i="0" u="none" strike="noStrike" cap="none" dirty="0" err="1">
+              <a:rPr lang="en-US" sz="1200" b="0" i="0" u="none" strike="noStrike" cap="none" dirty="0" err="1">
                 <a:solidFill>
                   <a:srgbClr val="C55A11"/>
                 </a:solidFill>
@@ -23787,7 +26453,7 @@
               <a:t>etc</a:t>
             </a:r>
             <a:r>
-              <a:rPr lang="en-US" sz="1050" b="0" i="0" u="none" strike="noStrike" cap="none" dirty="0">
+              <a:rPr lang="en-US" sz="1200" b="0" i="0" u="none" strike="noStrike" cap="none" dirty="0">
                 <a:solidFill>
                   <a:srgbClr val="C55A11"/>
                 </a:solidFill>
@@ -23799,7 +26465,7 @@
               <a:t>/apt/</a:t>
             </a:r>
             <a:r>
-              <a:rPr lang="en-US" sz="1050" b="0" i="0" u="none" strike="noStrike" cap="none" dirty="0" err="1">
+              <a:rPr lang="en-US" sz="1200" b="0" i="0" u="none" strike="noStrike" cap="none" dirty="0" err="1">
                 <a:solidFill>
                   <a:srgbClr val="C55A11"/>
                 </a:solidFill>
@@ -23810,7 +26476,7 @@
               </a:rPr>
               <a:t>sources.list</a:t>
             </a:r>
-            <a:endParaRPr sz="1050" dirty="0">
+            <a:endParaRPr sz="1200" dirty="0">
               <a:solidFill>
                 <a:srgbClr val="C55A11"/>
               </a:solidFill>
@@ -23831,7 +26497,7 @@
               <a:buNone/>
             </a:pPr>
             <a:r>
-              <a:rPr lang="en-US" sz="1050" dirty="0">
+              <a:rPr lang="en-US" sz="1200" dirty="0">
                 <a:solidFill>
                   <a:schemeClr val="dk1"/>
                 </a:solidFill>
@@ -23842,7 +26508,7 @@
               </a:rPr>
               <a:t>{</a:t>
             </a:r>
-            <a:endParaRPr sz="1050" dirty="0"/>
+            <a:endParaRPr sz="1200" dirty="0"/>
           </a:p>
           <a:p>
             <a:pPr marL="0" marR="0" lvl="0" indent="0" algn="l" rtl="0">
@@ -23855,7 +26521,7 @@
               <a:buNone/>
             </a:pPr>
             <a:r>
-              <a:rPr lang="en-US" sz="1050" dirty="0">
+              <a:rPr lang="en-US" sz="1200" dirty="0">
                 <a:solidFill>
                   <a:schemeClr val="dk1"/>
                 </a:solidFill>
@@ -23867,7 +26533,7 @@
               <a:t>    </a:t>
             </a:r>
             <a:r>
-              <a:rPr lang="en-US" sz="1050" u="sng" dirty="0">
+              <a:rPr lang="en-US" sz="1200" u="sng" dirty="0">
                 <a:solidFill>
                   <a:schemeClr val="dk1"/>
                 </a:solidFill>
@@ -23885,7 +26551,7 @@
               </a:rPr>
               <a:t>http://debian-archive.trafficmanager.net/debian/</a:t>
             </a:r>
-            <a:endParaRPr sz="1050" dirty="0">
+            <a:endParaRPr sz="1200" dirty="0">
               <a:solidFill>
                 <a:schemeClr val="dk1"/>
               </a:solidFill>
@@ -23906,7 +26572,7 @@
               <a:buNone/>
             </a:pPr>
             <a:r>
-              <a:rPr lang="en-US" sz="1050" dirty="0">
+              <a:rPr lang="en-US" sz="1200" dirty="0">
                 <a:solidFill>
                   <a:srgbClr val="C55A11"/>
                 </a:solidFill>
@@ -23918,7 +26584,7 @@
               <a:t>    </a:t>
             </a:r>
             <a:r>
-              <a:rPr lang="en-US" sz="1050" u="sng" dirty="0">
+              <a:rPr lang="en-US" sz="1200" u="sng" dirty="0">
                 <a:solidFill>
                   <a:srgbClr val="C55A11"/>
                 </a:solidFill>
@@ -23936,7 +26602,7 @@
               </a:rPr>
               <a:t>http://packages.trafficmanager.net/debian/debian</a:t>
             </a:r>
-            <a:endParaRPr sz="1050" dirty="0">
+            <a:endParaRPr sz="1200" dirty="0">
               <a:solidFill>
                 <a:srgbClr val="C55A11"/>
               </a:solidFill>
@@ -23957,7 +26623,7 @@
               <a:buNone/>
             </a:pPr>
             <a:r>
-              <a:rPr lang="en-US" sz="1050" dirty="0">
+              <a:rPr lang="en-US" sz="1200" dirty="0">
                 <a:solidFill>
                   <a:schemeClr val="dk1"/>
                 </a:solidFill>
@@ -23968,7 +26634,7 @@
               </a:rPr>
               <a:t>}</a:t>
             </a:r>
-            <a:endParaRPr sz="1050" dirty="0"/>
+            <a:endParaRPr sz="1200" dirty="0"/>
           </a:p>
         </p:txBody>
       </p:sp>
@@ -23980,8 +26646,8 @@
         </p:nvSpPr>
         <p:spPr>
           <a:xfrm>
-            <a:off x="9070344" y="635738"/>
-            <a:ext cx="2501897" cy="1165227"/>
+            <a:off x="8807644" y="577476"/>
+            <a:ext cx="3027296" cy="1281750"/>
           </a:xfrm>
           <a:prstGeom prst="roundRect">
             <a:avLst>
@@ -24047,7 +26713,7 @@
               <a:buNone/>
             </a:pPr>
             <a:r>
-              <a:rPr lang="en-US" sz="1050" dirty="0">
+              <a:rPr lang="en-US" sz="1200" dirty="0">
                 <a:solidFill>
                   <a:srgbClr val="C55A11"/>
                 </a:solidFill>
@@ -24059,7 +26725,7 @@
               <a:t>/</a:t>
             </a:r>
             <a:r>
-              <a:rPr lang="en-US" sz="1050" dirty="0" err="1">
+              <a:rPr lang="en-US" sz="1200" dirty="0" err="1">
                 <a:solidFill>
                   <a:srgbClr val="C55A11"/>
                 </a:solidFill>
@@ -24071,7 +26737,7 @@
               <a:t>etc</a:t>
             </a:r>
             <a:r>
-              <a:rPr lang="en-US" sz="1050" dirty="0">
+              <a:rPr lang="en-US" sz="1200" dirty="0">
                 <a:solidFill>
                   <a:srgbClr val="C55A11"/>
                 </a:solidFill>
@@ -24083,7 +26749,7 @@
               <a:t>/apt/</a:t>
             </a:r>
             <a:r>
-              <a:rPr lang="en-US" sz="1050" dirty="0" err="1">
+              <a:rPr lang="en-US" sz="1200" dirty="0" err="1">
                 <a:solidFill>
                   <a:srgbClr val="C55A11"/>
                 </a:solidFill>
@@ -24095,7 +26761,7 @@
               <a:t>preferences.d</a:t>
             </a:r>
             <a:r>
-              <a:rPr lang="en-US" sz="1050" dirty="0">
+              <a:rPr lang="en-US" sz="1200" dirty="0">
                 <a:solidFill>
                   <a:srgbClr val="C55A11"/>
                 </a:solidFill>
@@ -24106,7 +26772,7 @@
               </a:rPr>
               <a:t>/01-versions-deb</a:t>
             </a:r>
-            <a:endParaRPr sz="1050" dirty="0"/>
+            <a:endParaRPr sz="1200" dirty="0"/>
           </a:p>
           <a:p>
             <a:pPr marL="0" marR="0" lvl="0" indent="0" algn="l" rtl="0">
@@ -24119,7 +26785,7 @@
               <a:buNone/>
             </a:pPr>
             <a:r>
-              <a:rPr lang="en-US" sz="1050" dirty="0">
+              <a:rPr lang="en-US" sz="1200" dirty="0">
                 <a:solidFill>
                   <a:schemeClr val="dk1"/>
                 </a:solidFill>
@@ -24130,7 +26796,7 @@
               </a:rPr>
               <a:t>{</a:t>
             </a:r>
-            <a:endParaRPr sz="1050" dirty="0"/>
+            <a:endParaRPr sz="1200" dirty="0"/>
           </a:p>
           <a:p>
             <a:pPr marL="0" marR="0" lvl="0" indent="0" algn="l" rtl="0">
@@ -24143,7 +26809,7 @@
               <a:buNone/>
             </a:pPr>
             <a:r>
-              <a:rPr lang="en-US" sz="1050" dirty="0">
+              <a:rPr lang="en-US" sz="1200" dirty="0">
                 <a:solidFill>
                   <a:schemeClr val="dk1"/>
                 </a:solidFill>
@@ -24155,7 +26821,7 @@
               <a:t>       Package: </a:t>
             </a:r>
             <a:r>
-              <a:rPr lang="en-US" sz="1050" dirty="0" err="1">
+              <a:rPr lang="en-US" sz="1200" dirty="0" err="1">
                 <a:solidFill>
                   <a:schemeClr val="dk1"/>
                 </a:solidFill>
@@ -24166,7 +26832,7 @@
               </a:rPr>
               <a:t>lsof</a:t>
             </a:r>
-            <a:endParaRPr sz="1050" dirty="0">
+            <a:endParaRPr sz="1200" dirty="0">
               <a:solidFill>
                 <a:schemeClr val="dk1"/>
               </a:solidFill>
@@ -24187,7 +26853,7 @@
               <a:buNone/>
             </a:pPr>
             <a:r>
-              <a:rPr lang="en-US" sz="1050" dirty="0">
+              <a:rPr lang="en-US" sz="1200" dirty="0">
                 <a:solidFill>
                   <a:schemeClr val="dk1"/>
                 </a:solidFill>
@@ -24198,7 +26864,7 @@
               </a:rPr>
               <a:t>       Pin: version 4.91+dfsg-1</a:t>
             </a:r>
-            <a:endParaRPr sz="1050" dirty="0"/>
+            <a:endParaRPr sz="1200" dirty="0"/>
           </a:p>
           <a:p>
             <a:pPr marL="0" marR="0" lvl="0" indent="0" algn="l" rtl="0">
@@ -24211,7 +26877,7 @@
               <a:buNone/>
             </a:pPr>
             <a:r>
-              <a:rPr lang="en-US" sz="1050" dirty="0">
+              <a:rPr lang="en-US" sz="1200" dirty="0">
                 <a:solidFill>
                   <a:schemeClr val="dk1"/>
                 </a:solidFill>
@@ -24222,7 +26888,7 @@
               </a:rPr>
               <a:t>       Pin-Priority: 999</a:t>
             </a:r>
-            <a:endParaRPr sz="1050" dirty="0"/>
+            <a:endParaRPr sz="1200" dirty="0"/>
           </a:p>
           <a:p>
             <a:pPr marL="0" marR="0" lvl="0" indent="0" algn="l" rtl="0">
@@ -24235,7 +26901,7 @@
               <a:buNone/>
             </a:pPr>
             <a:r>
-              <a:rPr lang="en-US" sz="1050" dirty="0">
+              <a:rPr lang="en-US" sz="1200" dirty="0">
                 <a:solidFill>
                   <a:schemeClr val="dk1"/>
                 </a:solidFill>
@@ -24246,7 +26912,7 @@
               </a:rPr>
               <a:t>      …</a:t>
             </a:r>
-            <a:endParaRPr sz="1050" dirty="0"/>
+            <a:endParaRPr sz="1200" dirty="0"/>
           </a:p>
           <a:p>
             <a:pPr marL="0" marR="0" lvl="0" indent="0" algn="l" rtl="0">
@@ -24259,7 +26925,7 @@
               <a:buNone/>
             </a:pPr>
             <a:r>
-              <a:rPr lang="en-US" sz="1050" dirty="0">
+              <a:rPr lang="en-US" sz="1200" dirty="0">
                 <a:solidFill>
                   <a:schemeClr val="dk1"/>
                 </a:solidFill>
@@ -24270,7 +26936,7 @@
               </a:rPr>
               <a:t>}</a:t>
             </a:r>
-            <a:endParaRPr sz="1050" dirty="0"/>
+            <a:endParaRPr sz="1200" dirty="0"/>
           </a:p>
         </p:txBody>
       </p:sp>
@@ -24282,8 +26948,8 @@
         </p:nvSpPr>
         <p:spPr>
           <a:xfrm>
-            <a:off x="185411" y="2150370"/>
-            <a:ext cx="1648087" cy="380895"/>
+            <a:off x="70275" y="2131325"/>
+            <a:ext cx="1023332" cy="418985"/>
           </a:xfrm>
           <a:prstGeom prst="roundRect">
             <a:avLst>
@@ -24349,7 +27015,7 @@
               <a:buNone/>
             </a:pPr>
             <a:r>
-              <a:rPr lang="en-US" sz="1050" dirty="0">
+              <a:rPr lang="en-US" sz="1200" dirty="0">
                 <a:solidFill>
                   <a:schemeClr val="dk1"/>
                 </a:solidFill>
@@ -24360,7 +27026,7 @@
               </a:rPr>
               <a:t>pip install </a:t>
             </a:r>
-            <a:endParaRPr sz="1050" dirty="0"/>
+            <a:endParaRPr sz="1200" dirty="0"/>
           </a:p>
         </p:txBody>
       </p:sp>
@@ -24372,8 +27038,8 @@
         </p:nvSpPr>
         <p:spPr>
           <a:xfrm>
-            <a:off x="5164921" y="2032587"/>
-            <a:ext cx="3370321" cy="929858"/>
+            <a:off x="4652021" y="1986094"/>
+            <a:ext cx="3707353" cy="1022844"/>
           </a:xfrm>
           <a:prstGeom prst="roundRect">
             <a:avLst>
@@ -24439,7 +27105,7 @@
               <a:buNone/>
             </a:pPr>
             <a:r>
-              <a:rPr lang="en-US" sz="1050" dirty="0">
+              <a:rPr lang="en-US" sz="1200" dirty="0">
                 <a:solidFill>
                   <a:srgbClr val="C55A11"/>
                 </a:solidFill>
@@ -24451,7 +27117,7 @@
               <a:t>/</a:t>
             </a:r>
             <a:r>
-              <a:rPr lang="en-US" sz="1050" dirty="0" err="1">
+              <a:rPr lang="en-US" sz="1200" dirty="0" err="1">
                 <a:solidFill>
                   <a:srgbClr val="C55A11"/>
                 </a:solidFill>
@@ -24463,7 +27129,7 @@
               <a:t>etc</a:t>
             </a:r>
             <a:r>
-              <a:rPr lang="en-US" sz="1050" dirty="0">
+              <a:rPr lang="en-US" sz="1200" dirty="0">
                 <a:solidFill>
                   <a:srgbClr val="C55A11"/>
                 </a:solidFill>
@@ -24475,7 +27141,7 @@
               <a:t>/</a:t>
             </a:r>
             <a:r>
-              <a:rPr lang="en-US" sz="1050" dirty="0" err="1">
+              <a:rPr lang="en-US" sz="1200" dirty="0" err="1">
                 <a:solidFill>
                   <a:srgbClr val="C55A11"/>
                 </a:solidFill>
@@ -24486,7 +27152,7 @@
               </a:rPr>
               <a:t>pip.conf</a:t>
             </a:r>
-            <a:endParaRPr sz="1050" dirty="0">
+            <a:endParaRPr sz="1200" dirty="0">
               <a:solidFill>
                 <a:srgbClr val="C55A11"/>
               </a:solidFill>
@@ -24507,7 +27173,7 @@
               <a:buNone/>
             </a:pPr>
             <a:r>
-              <a:rPr lang="en-US" sz="1050" dirty="0">
+              <a:rPr lang="en-US" sz="1200" dirty="0">
                 <a:solidFill>
                   <a:schemeClr val="dk1"/>
                 </a:solidFill>
@@ -24518,7 +27184,7 @@
               </a:rPr>
               <a:t>{</a:t>
             </a:r>
-            <a:endParaRPr sz="1050" dirty="0"/>
+            <a:endParaRPr sz="1200" dirty="0"/>
           </a:p>
           <a:p>
             <a:pPr marL="0" marR="0" lvl="0" indent="0" algn="l" rtl="0">
@@ -24531,7 +27197,7 @@
               <a:buNone/>
             </a:pPr>
             <a:r>
-              <a:rPr lang="en-US" sz="1050" dirty="0">
+              <a:rPr lang="en-US" sz="1200" dirty="0">
                 <a:solidFill>
                   <a:schemeClr val="dk1"/>
                 </a:solidFill>
@@ -24542,7 +27208,7 @@
               </a:rPr>
               <a:t>      [global]</a:t>
             </a:r>
-            <a:endParaRPr sz="1050" dirty="0"/>
+            <a:endParaRPr sz="1200" dirty="0"/>
           </a:p>
           <a:p>
             <a:pPr marL="0" marR="0" lvl="0" indent="0" algn="l" rtl="0">
@@ -24555,7 +27221,7 @@
               <a:buNone/>
             </a:pPr>
             <a:r>
-              <a:rPr lang="en-US" sz="1050" dirty="0">
+              <a:rPr lang="en-US" sz="1200" dirty="0">
                 <a:solidFill>
                   <a:schemeClr val="dk1"/>
                 </a:solidFill>
@@ -24567,7 +27233,7 @@
               <a:t>       index = </a:t>
             </a:r>
             <a:r>
-              <a:rPr lang="en-US" sz="1050" u="sng" dirty="0">
+              <a:rPr lang="en-US" sz="1200" u="sng" dirty="0">
                 <a:solidFill>
                   <a:schemeClr val="dk1"/>
                 </a:solidFill>
@@ -24586,7 +27252,7 @@
               <a:t>https://pypi.</a:t>
             </a:r>
             <a:r>
-              <a:rPr lang="en-US" sz="1050" b="1" u="sng" dirty="0">
+              <a:rPr lang="en-US" sz="1200" b="1" u="sng" dirty="0">
                 <a:solidFill>
                   <a:schemeClr val="dk1"/>
                 </a:solidFill>
@@ -24605,7 +27271,7 @@
               <a:t>python</a:t>
             </a:r>
             <a:r>
-              <a:rPr lang="en-US" sz="1050" u="sng" dirty="0">
+              <a:rPr lang="en-US" sz="1200" u="sng" dirty="0">
                 <a:solidFill>
                   <a:schemeClr val="dk1"/>
                 </a:solidFill>
@@ -24623,7 +27289,7 @@
               </a:rPr>
               <a:t>.org/</a:t>
             </a:r>
-            <a:endParaRPr sz="1050" dirty="0">
+            <a:endParaRPr sz="1200" dirty="0">
               <a:solidFill>
                 <a:schemeClr val="dk1"/>
               </a:solidFill>
@@ -24644,7 +27310,7 @@
               <a:buNone/>
             </a:pPr>
             <a:r>
-              <a:rPr lang="en-US" sz="1050" dirty="0">
+              <a:rPr lang="en-US" sz="1200" dirty="0">
                 <a:solidFill>
                   <a:schemeClr val="dk1"/>
                 </a:solidFill>
@@ -24655,7 +27321,7 @@
               </a:rPr>
               <a:t>}</a:t>
             </a:r>
-            <a:endParaRPr sz="1050" dirty="0"/>
+            <a:endParaRPr sz="1200" dirty="0"/>
           </a:p>
         </p:txBody>
       </p:sp>
@@ -24667,8 +27333,8 @@
         </p:nvSpPr>
         <p:spPr>
           <a:xfrm>
-            <a:off x="9109944" y="1933740"/>
-            <a:ext cx="2501897" cy="1004433"/>
+            <a:off x="8847244" y="1883518"/>
+            <a:ext cx="3027296" cy="1104876"/>
           </a:xfrm>
           <a:prstGeom prst="roundRect">
             <a:avLst>
@@ -24734,7 +27400,7 @@
               <a:buNone/>
             </a:pPr>
             <a:r>
-              <a:rPr lang="en-US" sz="1050" dirty="0">
+              <a:rPr lang="en-US" sz="1200" dirty="0">
                 <a:solidFill>
                   <a:srgbClr val="C55A11"/>
                 </a:solidFill>
@@ -24746,7 +27412,7 @@
               <a:t>/</a:t>
             </a:r>
             <a:r>
-              <a:rPr lang="en-US" sz="1050" dirty="0" err="1">
+              <a:rPr lang="en-US" sz="1200" dirty="0" err="1">
                 <a:solidFill>
                   <a:srgbClr val="C55A11"/>
                 </a:solidFill>
@@ -24758,7 +27424,7 @@
               <a:t>etc</a:t>
             </a:r>
             <a:r>
-              <a:rPr lang="en-US" sz="1050" dirty="0">
+              <a:rPr lang="en-US" sz="1200" dirty="0">
                 <a:solidFill>
                   <a:srgbClr val="C55A11"/>
                 </a:solidFill>
@@ -24769,7 +27435,7 @@
               </a:rPr>
               <a:t>/pip/constraints</a:t>
             </a:r>
-            <a:endParaRPr sz="1050" dirty="0"/>
+            <a:endParaRPr sz="1200" dirty="0"/>
           </a:p>
           <a:p>
             <a:pPr marL="0" marR="0" lvl="0" indent="0" algn="l" rtl="0">
@@ -24782,7 +27448,7 @@
               <a:buNone/>
             </a:pPr>
             <a:r>
-              <a:rPr lang="en-US" sz="1050" dirty="0">
+              <a:rPr lang="en-US" sz="1200" dirty="0">
                 <a:solidFill>
                   <a:schemeClr val="dk1"/>
                 </a:solidFill>
@@ -24793,7 +27459,7 @@
               </a:rPr>
               <a:t>{</a:t>
             </a:r>
-            <a:endParaRPr sz="1050" dirty="0"/>
+            <a:endParaRPr sz="1200" dirty="0"/>
           </a:p>
           <a:p>
             <a:pPr marL="0" marR="0" lvl="0" indent="0" algn="l" rtl="0">
@@ -24806,7 +27472,7 @@
               <a:buNone/>
             </a:pPr>
             <a:r>
-              <a:rPr lang="en-US" sz="1050" dirty="0">
+              <a:rPr lang="en-US" sz="1200" dirty="0">
                 <a:solidFill>
                   <a:schemeClr val="dk1"/>
                 </a:solidFill>
@@ -24818,7 +27484,7 @@
               <a:t>      </a:t>
             </a:r>
             <a:r>
-              <a:rPr lang="en-US" sz="1050" dirty="0" err="1">
+              <a:rPr lang="en-US" sz="1200" dirty="0" err="1">
                 <a:solidFill>
                   <a:schemeClr val="dk1"/>
                 </a:solidFill>
@@ -24830,7 +27496,7 @@
               <a:t>MyPackage</a:t>
             </a:r>
             <a:r>
-              <a:rPr lang="en-US" sz="1050" dirty="0">
+              <a:rPr lang="en-US" sz="1200" dirty="0">
                 <a:solidFill>
                   <a:schemeClr val="dk1"/>
                 </a:solidFill>
@@ -24841,7 +27507,7 @@
               </a:rPr>
               <a:t>==1.0</a:t>
             </a:r>
-            <a:endParaRPr sz="1050" dirty="0"/>
+            <a:endParaRPr sz="1200" dirty="0"/>
           </a:p>
           <a:p>
             <a:pPr marL="0" marR="0" lvl="0" indent="0" algn="l" rtl="0">
@@ -24854,7 +27520,7 @@
               <a:buNone/>
             </a:pPr>
             <a:r>
-              <a:rPr lang="en-US" sz="1050" dirty="0">
+              <a:rPr lang="en-US" sz="1200" dirty="0">
                 <a:solidFill>
                   <a:schemeClr val="dk1"/>
                 </a:solidFill>
@@ -24865,7 +27531,7 @@
               </a:rPr>
               <a:t>      requests==1.2.0 </a:t>
             </a:r>
-            <a:endParaRPr sz="1050" dirty="0"/>
+            <a:endParaRPr sz="1200" dirty="0"/>
           </a:p>
           <a:p>
             <a:pPr marL="0" marR="0" lvl="0" indent="0" algn="l" rtl="0">
@@ -24878,7 +27544,7 @@
               <a:buNone/>
             </a:pPr>
             <a:r>
-              <a:rPr lang="en-US" sz="1050" dirty="0">
+              <a:rPr lang="en-US" sz="1200" dirty="0">
                 <a:solidFill>
                   <a:schemeClr val="dk1"/>
                 </a:solidFill>
@@ -24890,7 +27556,7 @@
               <a:t>      </a:t>
             </a:r>
             <a:r>
-              <a:rPr lang="en-US" sz="1050" dirty="0" err="1">
+              <a:rPr lang="en-US" sz="1200" dirty="0" err="1">
                 <a:solidFill>
                   <a:schemeClr val="dk1"/>
                 </a:solidFill>
@@ -24902,7 +27568,7 @@
               <a:t>bcrypt</a:t>
             </a:r>
             <a:r>
-              <a:rPr lang="en-US" sz="1050" dirty="0">
+              <a:rPr lang="en-US" sz="1200" dirty="0">
                 <a:solidFill>
                   <a:schemeClr val="dk1"/>
                 </a:solidFill>
@@ -24913,7 +27579,7 @@
               </a:rPr>
               <a:t>==1.0.2</a:t>
             </a:r>
-            <a:endParaRPr sz="1050" dirty="0">
+            <a:endParaRPr sz="1200" dirty="0">
               <a:solidFill>
                 <a:schemeClr val="dk1"/>
               </a:solidFill>
@@ -24934,7 +27600,7 @@
               <a:buNone/>
             </a:pPr>
             <a:r>
-              <a:rPr lang="en-US" sz="1050" dirty="0">
+              <a:rPr lang="en-US" sz="1200" dirty="0">
                 <a:solidFill>
                   <a:schemeClr val="dk1"/>
                 </a:solidFill>
@@ -24945,7 +27611,7 @@
               </a:rPr>
               <a:t>  }</a:t>
             </a:r>
-            <a:endParaRPr sz="1050" dirty="0"/>
+            <a:endParaRPr sz="1200" dirty="0"/>
           </a:p>
         </p:txBody>
       </p:sp>
@@ -24957,8 +27623,8 @@
         </p:nvSpPr>
         <p:spPr>
           <a:xfrm>
-            <a:off x="2271355" y="950066"/>
-            <a:ext cx="2502471" cy="797423"/>
+            <a:off x="1540591" y="910195"/>
+            <a:ext cx="2752718" cy="877165"/>
           </a:xfrm>
           <a:prstGeom prst="roundRect">
             <a:avLst>
@@ -25024,7 +27690,7 @@
               <a:buNone/>
             </a:pPr>
             <a:r>
-              <a:rPr lang="en-US" sz="1050" dirty="0">
+              <a:rPr lang="en-US" sz="1200" dirty="0">
                 <a:solidFill>
                   <a:srgbClr val="C55A11"/>
                 </a:solidFill>
@@ -25035,7 +27701,7 @@
               </a:rPr>
               <a:t>/hook/scripts/apt-get</a:t>
             </a:r>
-            <a:endParaRPr sz="1050" dirty="0"/>
+            <a:endParaRPr sz="1200" dirty="0"/>
           </a:p>
           <a:p>
             <a:pPr marL="228600" marR="0" lvl="0" indent="-228600" algn="l" rtl="0">
@@ -25053,7 +27719,7 @@
               <a:buAutoNum type="arabicPeriod"/>
             </a:pPr>
             <a:r>
-              <a:rPr lang="en-US" sz="1050" dirty="0">
+              <a:rPr lang="en-US" sz="1200" dirty="0">
                 <a:solidFill>
                   <a:schemeClr val="dk1"/>
                 </a:solidFill>
@@ -25064,7 +27730,7 @@
               </a:rPr>
               <a:t>Check the version with preference </a:t>
             </a:r>
-            <a:endParaRPr sz="1050" dirty="0"/>
+            <a:endParaRPr sz="1200" dirty="0"/>
           </a:p>
           <a:p>
             <a:pPr marL="228600" marR="0" lvl="0" indent="-228600" algn="l" rtl="0">
@@ -25082,7 +27748,7 @@
               <a:buAutoNum type="arabicPeriod"/>
             </a:pPr>
             <a:r>
-              <a:rPr lang="en-US" sz="1050" dirty="0">
+              <a:rPr lang="en-US" sz="1200" dirty="0">
                 <a:solidFill>
                   <a:schemeClr val="dk1"/>
                 </a:solidFill>
@@ -25093,7 +27759,7 @@
               </a:rPr>
               <a:t>Run the original apt-get</a:t>
             </a:r>
-            <a:endParaRPr sz="1050" dirty="0"/>
+            <a:endParaRPr sz="1200" dirty="0"/>
           </a:p>
           <a:p>
             <a:pPr marL="228600" marR="0" lvl="0" indent="-228600" algn="l" rtl="0">
@@ -25111,7 +27777,7 @@
               <a:buAutoNum type="arabicPeriod"/>
             </a:pPr>
             <a:r>
-              <a:rPr lang="en-US" sz="1050" dirty="0" err="1">
+              <a:rPr lang="en-US" sz="1200" dirty="0" err="1">
                 <a:solidFill>
                   <a:schemeClr val="dk1"/>
                 </a:solidFill>
@@ -25123,7 +27789,7 @@
               <a:t>Dpkg</a:t>
             </a:r>
             <a:r>
-              <a:rPr lang="en-US" sz="1050" dirty="0">
+              <a:rPr lang="en-US" sz="1200" dirty="0">
                 <a:solidFill>
                   <a:schemeClr val="dk1"/>
                 </a:solidFill>
@@ -25134,7 +27800,7 @@
               </a:rPr>
               <a:t> query</a:t>
             </a:r>
-            <a:endParaRPr sz="1050" dirty="0"/>
+            <a:endParaRPr sz="1200" dirty="0"/>
           </a:p>
         </p:txBody>
       </p:sp>
@@ -25150,12 +27816,12 @@
         </p:nvCxnSpPr>
         <p:spPr>
           <a:xfrm rot="5400000" flipH="1" flipV="1">
-            <a:off x="6764778" y="-2606449"/>
-            <a:ext cx="314328" cy="6798702"/>
+            <a:off x="6452762" y="-2958335"/>
+            <a:ext cx="332719" cy="7404342"/>
           </a:xfrm>
           <a:prstGeom prst="bentConnector3">
             <a:avLst>
-              <a:gd name="adj1" fmla="val 172727"/>
+              <a:gd name="adj1" fmla="val 168707"/>
             </a:avLst>
           </a:prstGeom>
           <a:noFill/>
@@ -25184,13 +27850,13 @@
         </p:nvCxnSpPr>
         <p:spPr>
           <a:xfrm rot="16200000" flipH="1" flipV="1">
-            <a:off x="2631739" y="151824"/>
-            <a:ext cx="92611" cy="1689093"/>
+            <a:off x="1939038" y="64764"/>
+            <a:ext cx="132482" cy="1823343"/>
           </a:xfrm>
           <a:prstGeom prst="bentConnector4">
             <a:avLst>
-              <a:gd name="adj1" fmla="val -246839"/>
-              <a:gd name="adj2" fmla="val 87039"/>
+              <a:gd name="adj1" fmla="val -172552"/>
+              <a:gd name="adj2" fmla="val 87743"/>
             </a:avLst>
           </a:prstGeom>
           <a:noFill/>
@@ -25219,8 +27885,8 @@
         </p:nvCxnSpPr>
         <p:spPr>
           <a:xfrm flipV="1">
-            <a:off x="4773826" y="1200810"/>
-            <a:ext cx="391095" cy="147968"/>
+            <a:off x="4293309" y="1200809"/>
+            <a:ext cx="358712" cy="147969"/>
           </a:xfrm>
           <a:prstGeom prst="bentConnector3">
             <a:avLst>
@@ -25250,8 +27916,8 @@
         </p:nvSpPr>
         <p:spPr>
           <a:xfrm>
-            <a:off x="2245433" y="2167693"/>
-            <a:ext cx="2502471" cy="797423"/>
+            <a:off x="1514669" y="2127822"/>
+            <a:ext cx="2752718" cy="877165"/>
           </a:xfrm>
           <a:prstGeom prst="roundRect">
             <a:avLst>
@@ -25317,7 +27983,7 @@
               <a:buNone/>
             </a:pPr>
             <a:r>
-              <a:rPr lang="en-US" sz="1050">
+              <a:rPr lang="en-US" sz="1200">
                 <a:solidFill>
                   <a:srgbClr val="C55A11"/>
                 </a:solidFill>
@@ -25328,7 +27994,7 @@
               </a:rPr>
               <a:t>/hook/scripts/pip</a:t>
             </a:r>
-            <a:endParaRPr sz="1050"/>
+            <a:endParaRPr sz="1200"/>
           </a:p>
           <a:p>
             <a:pPr marL="228600" marR="0" lvl="0" indent="-228600" algn="l" rtl="0">
@@ -25346,7 +28012,7 @@
               <a:buAutoNum type="arabicPeriod"/>
             </a:pPr>
             <a:r>
-              <a:rPr lang="en-US" sz="1050">
+              <a:rPr lang="en-US" sz="1200">
                 <a:solidFill>
                   <a:schemeClr val="dk1"/>
                 </a:solidFill>
@@ -25357,7 +28023,7 @@
               </a:rPr>
               <a:t>Check the version with constraint </a:t>
             </a:r>
-            <a:endParaRPr sz="1050"/>
+            <a:endParaRPr sz="1200"/>
           </a:p>
           <a:p>
             <a:pPr marL="228600" marR="0" lvl="0" indent="-228600" algn="l" rtl="0">
@@ -25375,7 +28041,7 @@
               <a:buAutoNum type="arabicPeriod"/>
             </a:pPr>
             <a:r>
-              <a:rPr lang="en-US" sz="1050">
+              <a:rPr lang="en-US" sz="1200">
                 <a:solidFill>
                   <a:schemeClr val="dk1"/>
                 </a:solidFill>
@@ -25386,7 +28052,7 @@
               </a:rPr>
               <a:t>Run the original pip</a:t>
             </a:r>
-            <a:endParaRPr sz="1050"/>
+            <a:endParaRPr sz="1200"/>
           </a:p>
           <a:p>
             <a:pPr marL="228600" marR="0" lvl="0" indent="-228600" algn="l" rtl="0">
@@ -25404,7 +28070,7 @@
               <a:buAutoNum type="arabicPeriod"/>
             </a:pPr>
             <a:r>
-              <a:rPr lang="en-US" sz="1050">
+              <a:rPr lang="en-US" sz="1200">
                 <a:solidFill>
                   <a:schemeClr val="dk1"/>
                 </a:solidFill>
@@ -25415,7 +28081,7 @@
               </a:rPr>
               <a:t>Pip freeze</a:t>
             </a:r>
-            <a:endParaRPr sz="1050"/>
+            <a:endParaRPr sz="1200"/>
           </a:p>
         </p:txBody>
       </p:sp>
@@ -25430,13 +28096,13 @@
         </p:nvCxnSpPr>
         <p:spPr>
           <a:xfrm rot="16200000" flipH="1" flipV="1">
-            <a:off x="2578521" y="1422669"/>
-            <a:ext cx="173125" cy="1663171"/>
+            <a:off x="1885820" y="1335609"/>
+            <a:ext cx="212996" cy="1797421"/>
           </a:xfrm>
           <a:prstGeom prst="bentConnector4">
             <a:avLst>
-              <a:gd name="adj1" fmla="val -132043"/>
-              <a:gd name="adj2" fmla="val 87616"/>
+              <a:gd name="adj1" fmla="val -107326"/>
+              <a:gd name="adj2" fmla="val 88287"/>
             </a:avLst>
           </a:prstGeom>
           <a:noFill/>
@@ -25466,12 +28132,12 @@
         </p:nvCxnSpPr>
         <p:spPr>
           <a:xfrm rot="5400000" flipH="1" flipV="1">
-            <a:off x="6811805" y="-1381395"/>
-            <a:ext cx="233953" cy="6864224"/>
+            <a:off x="6503808" y="-1729262"/>
+            <a:ext cx="244304" cy="7469864"/>
           </a:xfrm>
           <a:prstGeom prst="bentConnector3">
             <a:avLst>
-              <a:gd name="adj1" fmla="val 197712"/>
+              <a:gd name="adj1" fmla="val 193572"/>
             </a:avLst>
           </a:prstGeom>
           <a:noFill/>
@@ -25497,8 +28163,8 @@
         </p:nvSpPr>
         <p:spPr>
           <a:xfrm>
-            <a:off x="187503" y="3387727"/>
-            <a:ext cx="1602059" cy="380895"/>
+            <a:off x="63643" y="3368682"/>
+            <a:ext cx="994752" cy="418985"/>
           </a:xfrm>
           <a:prstGeom prst="roundRect">
             <a:avLst>
@@ -25564,7 +28230,7 @@
               <a:buNone/>
             </a:pPr>
             <a:r>
-              <a:rPr lang="en-US" sz="1050">
+              <a:rPr lang="en-US" sz="1200">
                 <a:solidFill>
                   <a:schemeClr val="dk1"/>
                 </a:solidFill>
@@ -25575,7 +28241,7 @@
               </a:rPr>
               <a:t>wget/curl</a:t>
             </a:r>
-            <a:endParaRPr sz="1050"/>
+            <a:endParaRPr sz="1200"/>
           </a:p>
         </p:txBody>
       </p:sp>
@@ -25587,8 +28253,8 @@
         </p:nvSpPr>
         <p:spPr>
           <a:xfrm>
-            <a:off x="2245433" y="3156639"/>
-            <a:ext cx="2502471" cy="797423"/>
+            <a:off x="1514669" y="3116768"/>
+            <a:ext cx="2752718" cy="877165"/>
           </a:xfrm>
           <a:prstGeom prst="roundRect">
             <a:avLst>
@@ -25654,7 +28320,7 @@
               <a:buNone/>
             </a:pPr>
             <a:r>
-              <a:rPr lang="en-US" sz="1050">
+              <a:rPr lang="en-US" sz="1200">
                 <a:solidFill>
                   <a:srgbClr val="C55A11"/>
                 </a:solidFill>
@@ -25665,7 +28331,7 @@
               </a:rPr>
               <a:t>/hook/scripts/wget-curl</a:t>
             </a:r>
-            <a:endParaRPr sz="1050"/>
+            <a:endParaRPr sz="1200"/>
           </a:p>
           <a:p>
             <a:pPr marL="228600" marR="0" lvl="0" indent="-228600" algn="l" rtl="0">
@@ -25683,7 +28349,7 @@
               <a:buAutoNum type="arabicPeriod"/>
             </a:pPr>
             <a:r>
-              <a:rPr lang="en-US" sz="1050">
+              <a:rPr lang="en-US" sz="1200">
                 <a:solidFill>
                   <a:schemeClr val="dk1"/>
                 </a:solidFill>
@@ -25694,7 +28360,7 @@
               </a:rPr>
               <a:t>Check the version with local repo </a:t>
             </a:r>
-            <a:endParaRPr sz="1050"/>
+            <a:endParaRPr sz="1200"/>
           </a:p>
           <a:p>
             <a:pPr marL="228600" marR="0" lvl="0" indent="-228600" algn="l" rtl="0">
@@ -25712,7 +28378,7 @@
               <a:buAutoNum type="arabicPeriod"/>
             </a:pPr>
             <a:r>
-              <a:rPr lang="en-US" sz="1050">
+              <a:rPr lang="en-US" sz="1200">
                 <a:solidFill>
                   <a:schemeClr val="dk1"/>
                 </a:solidFill>
@@ -25723,7 +28389,7 @@
               </a:rPr>
               <a:t>Run the original wget/curl</a:t>
             </a:r>
-            <a:endParaRPr sz="1050"/>
+            <a:endParaRPr sz="1200"/>
           </a:p>
         </p:txBody>
       </p:sp>
@@ -25735,8 +28401,8 @@
         </p:nvSpPr>
         <p:spPr>
           <a:xfrm>
-            <a:off x="9109944" y="3239258"/>
-            <a:ext cx="2501897" cy="940537"/>
+            <a:off x="8847244" y="3192231"/>
+            <a:ext cx="3027296" cy="1034591"/>
           </a:xfrm>
           <a:prstGeom prst="roundRect">
             <a:avLst>
@@ -25802,7 +28468,7 @@
               <a:buNone/>
             </a:pPr>
             <a:r>
-              <a:rPr lang="en-US" sz="1050">
+              <a:rPr lang="en-US" sz="1200">
                 <a:solidFill>
                   <a:srgbClr val="C55A11"/>
                 </a:solidFill>
@@ -25813,7 +28479,7 @@
               </a:rPr>
               <a:t>/etc/version-web</a:t>
             </a:r>
-            <a:endParaRPr sz="1050"/>
+            <a:endParaRPr sz="1200"/>
           </a:p>
           <a:p>
             <a:pPr marL="0" marR="0" lvl="0" indent="0" algn="l" rtl="0">
@@ -25826,7 +28492,7 @@
               <a:buNone/>
             </a:pPr>
             <a:r>
-              <a:rPr lang="en-US" sz="1050">
+              <a:rPr lang="en-US" sz="1200">
                 <a:solidFill>
                   <a:schemeClr val="dk1"/>
                 </a:solidFill>
@@ -25837,7 +28503,7 @@
               </a:rPr>
               <a:t>{</a:t>
             </a:r>
-            <a:endParaRPr sz="1050"/>
+            <a:endParaRPr sz="1200"/>
           </a:p>
           <a:p>
             <a:pPr marL="0" marR="0" lvl="0" indent="0" algn="l" rtl="0">
@@ -25850,7 +28516,7 @@
               <a:buNone/>
             </a:pPr>
             <a:r>
-              <a:rPr lang="en-US" sz="1050">
+              <a:rPr lang="en-US" sz="1200">
                 <a:solidFill>
                   <a:schemeClr val="dk1"/>
                 </a:solidFill>
@@ -25861,7 +28527,7 @@
               </a:rPr>
               <a:t>      MyPackage==e9fe7e88e89d5323799</a:t>
             </a:r>
-            <a:endParaRPr sz="1050"/>
+            <a:endParaRPr sz="1200"/>
           </a:p>
           <a:p>
             <a:pPr marL="0" marR="0" lvl="0" indent="0" algn="l" rtl="0">
@@ -25874,7 +28540,7 @@
               <a:buNone/>
             </a:pPr>
             <a:r>
-              <a:rPr lang="en-US" sz="1050">
+              <a:rPr lang="en-US" sz="1200">
                 <a:solidFill>
                   <a:schemeClr val="dk1"/>
                 </a:solidFill>
@@ -25885,7 +28551,7 @@
               </a:rPr>
               <a:t>      requests==2aa5fda5a12806c222</a:t>
             </a:r>
-            <a:endParaRPr sz="1050"/>
+            <a:endParaRPr sz="1200"/>
           </a:p>
           <a:p>
             <a:pPr marL="0" marR="0" lvl="0" indent="0" algn="l" rtl="0">
@@ -25898,7 +28564,7 @@
               <a:buNone/>
             </a:pPr>
             <a:r>
-              <a:rPr lang="en-US" sz="1050">
+              <a:rPr lang="en-US" sz="1200">
                 <a:solidFill>
                   <a:schemeClr val="dk1"/>
                 </a:solidFill>
@@ -25909,7 +28575,7 @@
               </a:rPr>
               <a:t>      bcrypt==b8f9458194dae772a</a:t>
             </a:r>
-            <a:endParaRPr sz="1050">
+            <a:endParaRPr sz="1200">
               <a:solidFill>
                 <a:schemeClr val="dk1"/>
               </a:solidFill>
@@ -25930,7 +28596,7 @@
               <a:buNone/>
             </a:pPr>
             <a:r>
-              <a:rPr lang="en-US" sz="1050">
+              <a:rPr lang="en-US" sz="1200">
                 <a:solidFill>
                   <a:schemeClr val="dk1"/>
                 </a:solidFill>
@@ -25941,7 +28607,7 @@
               </a:rPr>
               <a:t>}</a:t>
             </a:r>
-            <a:endParaRPr sz="1050"/>
+            <a:endParaRPr sz="1200"/>
           </a:p>
         </p:txBody>
       </p:sp>
@@ -25953,8 +28619,8 @@
         </p:nvSpPr>
         <p:spPr>
           <a:xfrm>
-            <a:off x="5905453" y="3756036"/>
-            <a:ext cx="2248319" cy="403116"/>
+            <a:off x="5793037" y="3735880"/>
+            <a:ext cx="2473151" cy="443428"/>
           </a:xfrm>
           <a:prstGeom prst="roundRect">
             <a:avLst>
@@ -26020,7 +28686,7 @@
               <a:buNone/>
             </a:pPr>
             <a:r>
-              <a:rPr lang="en-US" sz="1050">
+              <a:rPr lang="en-US" sz="1200">
                 <a:solidFill>
                   <a:schemeClr val="dk1"/>
                 </a:solidFill>
@@ -26031,7 +28697,7 @@
               </a:rPr>
               <a:t>Actual WEB</a:t>
             </a:r>
-            <a:endParaRPr sz="1050"/>
+            <a:endParaRPr sz="1200"/>
           </a:p>
         </p:txBody>
       </p:sp>
@@ -26043,8 +28709,8 @@
         </p:nvSpPr>
         <p:spPr>
           <a:xfrm>
-            <a:off x="5904470" y="3339749"/>
-            <a:ext cx="2269937" cy="376012"/>
+            <a:off x="5790973" y="3320949"/>
+            <a:ext cx="2496931" cy="413613"/>
           </a:xfrm>
           <a:prstGeom prst="roundRect">
             <a:avLst>
@@ -26110,7 +28776,7 @@
               <a:buNone/>
             </a:pPr>
             <a:r>
-              <a:rPr lang="en-US" sz="1050" b="1">
+              <a:rPr lang="en-US" sz="1200" b="1">
                 <a:solidFill>
                   <a:schemeClr val="dk1"/>
                 </a:solidFill>
@@ -26121,7 +28787,7 @@
               </a:rPr>
               <a:t>Microsoft File Storage</a:t>
             </a:r>
-            <a:endParaRPr sz="1050"/>
+            <a:endParaRPr sz="1200"/>
           </a:p>
         </p:txBody>
       </p:sp>
@@ -26136,12 +28802,12 @@
         </p:nvCxnSpPr>
         <p:spPr>
           <a:xfrm rot="16200000" flipH="1">
-            <a:off x="6887471" y="-234164"/>
-            <a:ext cx="82619" cy="6864224"/>
+            <a:off x="6588228" y="-580433"/>
+            <a:ext cx="75463" cy="7469864"/>
           </a:xfrm>
           <a:prstGeom prst="bentConnector3">
             <a:avLst>
-              <a:gd name="adj1" fmla="val -276692"/>
+              <a:gd name="adj1" fmla="val -302930"/>
             </a:avLst>
           </a:prstGeom>
           <a:noFill/>
@@ -26170,8 +28836,8 @@
         </p:nvCxnSpPr>
         <p:spPr>
           <a:xfrm flipV="1">
-            <a:off x="4747904" y="3527755"/>
-            <a:ext cx="1156566" cy="27596"/>
+            <a:off x="4267387" y="3527756"/>
+            <a:ext cx="1523586" cy="27595"/>
           </a:xfrm>
           <a:prstGeom prst="bentConnector3">
             <a:avLst>
@@ -26204,8 +28870,8 @@
         </p:nvCxnSpPr>
         <p:spPr>
           <a:xfrm>
-            <a:off x="4747904" y="3555351"/>
-            <a:ext cx="1157549" cy="402243"/>
+            <a:off x="4267387" y="3555351"/>
+            <a:ext cx="1525650" cy="402243"/>
           </a:xfrm>
           <a:prstGeom prst="bentConnector3">
             <a:avLst>
@@ -26235,8 +28901,8 @@
         </p:nvSpPr>
         <p:spPr>
           <a:xfrm>
-            <a:off x="185411" y="5105571"/>
-            <a:ext cx="1648087" cy="380895"/>
+            <a:off x="70275" y="5086526"/>
+            <a:ext cx="1023332" cy="418985"/>
           </a:xfrm>
           <a:prstGeom prst="roundRect">
             <a:avLst>
@@ -26304,7 +28970,7 @@
               <a:buNone/>
             </a:pPr>
             <a:r>
-              <a:rPr lang="en-US" sz="1050" dirty="0">
+              <a:rPr lang="en-US" sz="1200" dirty="0">
                 <a:solidFill>
                   <a:schemeClr val="dk1"/>
                 </a:solidFill>
@@ -26315,7 +28981,7 @@
               </a:rPr>
               <a:t>git</a:t>
             </a:r>
-            <a:endParaRPr sz="1050" dirty="0"/>
+            <a:endParaRPr sz="1200" dirty="0"/>
           </a:p>
         </p:txBody>
       </p:sp>
@@ -26327,8 +28993,8 @@
         </p:nvSpPr>
         <p:spPr>
           <a:xfrm>
-            <a:off x="187503" y="4337526"/>
-            <a:ext cx="1602059" cy="380895"/>
+            <a:off x="63643" y="4318481"/>
+            <a:ext cx="994752" cy="418985"/>
           </a:xfrm>
           <a:prstGeom prst="roundRect">
             <a:avLst>
@@ -26396,7 +29062,7 @@
               <a:buNone/>
             </a:pPr>
             <a:r>
-              <a:rPr lang="en-US" sz="1050">
+              <a:rPr lang="en-US" sz="1200">
                 <a:solidFill>
                   <a:schemeClr val="dk1"/>
                 </a:solidFill>
@@ -26407,7 +29073,7 @@
               </a:rPr>
               <a:t>docker pull</a:t>
             </a:r>
-            <a:endParaRPr sz="1050"/>
+            <a:endParaRPr sz="1200"/>
           </a:p>
         </p:txBody>
       </p:sp>
@@ -26422,13 +29088,13 @@
         </p:nvCxnSpPr>
         <p:spPr>
           <a:xfrm rot="16200000" flipH="1">
-            <a:off x="1533171" y="2843089"/>
-            <a:ext cx="167624" cy="1256900"/>
+            <a:off x="944509" y="2985191"/>
+            <a:ext cx="186669" cy="953650"/>
           </a:xfrm>
           <a:prstGeom prst="bentConnector4">
             <a:avLst>
-              <a:gd name="adj1" fmla="val -136377"/>
-              <a:gd name="adj2" fmla="val 81865"/>
+              <a:gd name="adj1" fmla="val -122463"/>
+              <a:gd name="adj2" fmla="val 76077"/>
             </a:avLst>
           </a:prstGeom>
           <a:noFill/>
@@ -26454,8 +29120,8 @@
         </p:nvSpPr>
         <p:spPr>
           <a:xfrm>
-            <a:off x="2084196" y="4400845"/>
-            <a:ext cx="1532882" cy="520761"/>
+            <a:off x="1401912" y="4374807"/>
+            <a:ext cx="1686170" cy="572837"/>
           </a:xfrm>
           <a:prstGeom prst="roundRect">
             <a:avLst>
@@ -26523,7 +29189,7 @@
               <a:buNone/>
             </a:pPr>
             <a:r>
-              <a:rPr lang="en-US" sz="1050">
+              <a:rPr lang="en-US" sz="1200">
                 <a:solidFill>
                   <a:srgbClr val="C55A11"/>
                 </a:solidFill>
@@ -26534,7 +29200,7 @@
               </a:rPr>
               <a:t>Dockerfile.j2</a:t>
             </a:r>
-            <a:endParaRPr sz="1050">
+            <a:endParaRPr sz="1200">
               <a:solidFill>
                 <a:schemeClr val="dk1"/>
               </a:solidFill>
@@ -26555,7 +29221,7 @@
               <a:buNone/>
             </a:pPr>
             <a:r>
-              <a:rPr lang="en-US" sz="1050">
+              <a:rPr lang="en-US" sz="1200">
                 <a:solidFill>
                   <a:schemeClr val="dk1"/>
                 </a:solidFill>
@@ -26566,7 +29232,7 @@
               </a:rPr>
               <a:t>FROM debian:buster</a:t>
             </a:r>
-            <a:endParaRPr sz="1050">
+            <a:endParaRPr sz="1200">
               <a:solidFill>
                 <a:schemeClr val="dk1"/>
               </a:solidFill>
@@ -26586,8 +29252,8 @@
         </p:nvSpPr>
         <p:spPr>
           <a:xfrm>
-            <a:off x="3897715" y="4506547"/>
-            <a:ext cx="1835923" cy="403116"/>
+            <a:off x="3425910" y="4391391"/>
+            <a:ext cx="2019515" cy="443428"/>
           </a:xfrm>
           <a:prstGeom prst="roundRect">
             <a:avLst>
@@ -26646,7 +29312,7 @@
           <a:lstStyle/>
           <a:p>
             <a:r>
-              <a:rPr lang="en-US" sz="1050" dirty="0">
+              <a:rPr lang="en-US" sz="1200" dirty="0">
                 <a:solidFill>
                   <a:srgbClr val="C55A11"/>
                 </a:solidFill>
@@ -26657,7 +29323,7 @@
               <a:t>J2 Dockerfile.j2 &gt; </a:t>
             </a:r>
             <a:r>
-              <a:rPr lang="en-US" sz="1050" dirty="0" err="1">
+              <a:rPr lang="en-US" sz="1200" dirty="0" err="1">
                 <a:solidFill>
                   <a:srgbClr val="C55A11"/>
                 </a:solidFill>
@@ -26667,7 +29333,7 @@
               </a:rPr>
               <a:t>Dockerfile</a:t>
             </a:r>
-            <a:endParaRPr sz="1050" dirty="0">
+            <a:endParaRPr sz="1200" dirty="0">
               <a:solidFill>
                 <a:srgbClr val="C55A11"/>
               </a:solidFill>
@@ -26686,8 +29352,8 @@
         </p:nvSpPr>
         <p:spPr>
           <a:xfrm>
-            <a:off x="6107791" y="4366427"/>
-            <a:ext cx="2440412" cy="508131"/>
+            <a:off x="5656401" y="4305395"/>
+            <a:ext cx="2953205" cy="558944"/>
           </a:xfrm>
           <a:prstGeom prst="roundRect">
             <a:avLst>
@@ -26755,7 +29421,7 @@
               <a:buNone/>
             </a:pPr>
             <a:r>
-              <a:rPr lang="en-US" sz="1050" dirty="0" err="1">
+              <a:rPr lang="en-US" sz="1200" dirty="0" err="1">
                 <a:solidFill>
                   <a:srgbClr val="C55A11"/>
                 </a:solidFill>
@@ -26766,7 +29432,7 @@
               </a:rPr>
               <a:t>Dockerfile</a:t>
             </a:r>
-            <a:endParaRPr sz="1050" dirty="0">
+            <a:endParaRPr sz="1200" dirty="0">
               <a:solidFill>
                 <a:srgbClr val="C55A11"/>
               </a:solidFill>
@@ -26787,7 +29453,7 @@
               <a:buNone/>
             </a:pPr>
             <a:r>
-              <a:rPr lang="en-US" sz="1050" dirty="0">
+              <a:rPr lang="en-US" sz="1200" dirty="0">
                 <a:solidFill>
                   <a:schemeClr val="dk1"/>
                 </a:solidFill>
@@ -26796,9 +29462,9 @@
                 <a:cs typeface="Calibri"/>
                 <a:sym typeface="Calibri"/>
               </a:rPr>
-              <a:t>FROM debian:buster@sha2567e88e89d5323</a:t>
+              <a:t>FROM debian:buster@sha256:7e889d5323</a:t>
             </a:r>
-            <a:endParaRPr sz="1050" dirty="0">
+            <a:endParaRPr sz="1200" dirty="0">
               <a:solidFill>
                 <a:schemeClr val="dk1"/>
               </a:solidFill>
@@ -26818,8 +29484,8 @@
         </p:nvSpPr>
         <p:spPr>
           <a:xfrm>
-            <a:off x="9114767" y="4432804"/>
-            <a:ext cx="2440412" cy="508131"/>
+            <a:off x="8992747" y="4407397"/>
+            <a:ext cx="2684453" cy="558944"/>
           </a:xfrm>
           <a:prstGeom prst="roundRect">
             <a:avLst>
@@ -26887,7 +29553,7 @@
               <a:buNone/>
             </a:pPr>
             <a:r>
-              <a:rPr lang="en-US" sz="1050">
+              <a:rPr lang="en-US" sz="1200" dirty="0">
                 <a:solidFill>
                   <a:srgbClr val="C55A11"/>
                 </a:solidFill>
@@ -26896,9 +29562,33 @@
                 <a:cs typeface="Calibri"/>
                 <a:sym typeface="Calibri"/>
               </a:rPr>
-              <a:t>/etc/version-docker</a:t>
+              <a:t>/</a:t>
             </a:r>
-            <a:endParaRPr sz="1050"/>
+            <a:r>
+              <a:rPr lang="en-US" sz="1200" dirty="0" err="1">
+                <a:solidFill>
+                  <a:srgbClr val="C55A11"/>
+                </a:solidFill>
+                <a:latin typeface="Calibri"/>
+                <a:ea typeface="Calibri"/>
+                <a:cs typeface="Calibri"/>
+                <a:sym typeface="Calibri"/>
+              </a:rPr>
+              <a:t>etc</a:t>
+            </a:r>
+            <a:r>
+              <a:rPr lang="en-US" sz="1200" dirty="0">
+                <a:solidFill>
+                  <a:srgbClr val="C55A11"/>
+                </a:solidFill>
+                <a:latin typeface="Calibri"/>
+                <a:ea typeface="Calibri"/>
+                <a:cs typeface="Calibri"/>
+                <a:sym typeface="Calibri"/>
+              </a:rPr>
+              <a:t>/version-docker</a:t>
+            </a:r>
+            <a:endParaRPr sz="1200" dirty="0"/>
           </a:p>
           <a:p>
             <a:pPr marL="0" marR="0" lvl="0" indent="0" algn="l" rtl="0">
@@ -26911,7 +29601,7 @@
               <a:buNone/>
             </a:pPr>
             <a:r>
-              <a:rPr lang="en-US" sz="1050">
+              <a:rPr lang="en-US" sz="1200" dirty="0" err="1">
                 <a:solidFill>
                   <a:schemeClr val="dk1"/>
                 </a:solidFill>
@@ -26920,9 +29610,21 @@
                 <a:cs typeface="Calibri"/>
                 <a:sym typeface="Calibri"/>
               </a:rPr>
-              <a:t>debian:buster==7e88e89d5323</a:t>
+              <a:t>debian:buster</a:t>
             </a:r>
-            <a:endParaRPr sz="1050">
+            <a:r>
+              <a:rPr lang="en-US" sz="1200" dirty="0">
+                <a:solidFill>
+                  <a:schemeClr val="dk1"/>
+                </a:solidFill>
+                <a:latin typeface="Calibri"/>
+                <a:ea typeface="Calibri"/>
+                <a:cs typeface="Calibri"/>
+                <a:sym typeface="Calibri"/>
+              </a:rPr>
+              <a:t>==sha256:7e88e89d5323</a:t>
+            </a:r>
+            <a:endParaRPr sz="1200" dirty="0">
               <a:solidFill>
                 <a:schemeClr val="dk1"/>
               </a:solidFill>
@@ -26942,8 +29644,8 @@
         </p:nvSpPr>
         <p:spPr>
           <a:xfrm>
-            <a:off x="2079665" y="5035637"/>
-            <a:ext cx="1632560" cy="520761"/>
+            <a:off x="1392397" y="5009599"/>
+            <a:ext cx="1795816" cy="572837"/>
           </a:xfrm>
           <a:prstGeom prst="roundRect">
             <a:avLst>
@@ -27011,7 +29713,7 @@
               <a:buNone/>
             </a:pPr>
             <a:r>
-              <a:rPr lang="en-US" sz="1050">
+              <a:rPr lang="en-US" sz="1200">
                 <a:solidFill>
                   <a:schemeClr val="dk1"/>
                 </a:solidFill>
@@ -27022,7 +29724,7 @@
               </a:rPr>
               <a:t>Makefile </a:t>
             </a:r>
-            <a:endParaRPr sz="1050"/>
+            <a:endParaRPr sz="1200"/>
           </a:p>
           <a:p>
             <a:pPr marL="0" marR="0" lvl="0" indent="0" algn="l" rtl="0">
@@ -27035,7 +29737,7 @@
               <a:buNone/>
             </a:pPr>
             <a:r>
-              <a:rPr lang="en-US" sz="1050">
+              <a:rPr lang="en-US" sz="1200">
                 <a:solidFill>
                   <a:schemeClr val="dk1"/>
                 </a:solidFill>
@@ -27046,7 +29748,7 @@
               </a:rPr>
               <a:t>git clone http://url/repo</a:t>
             </a:r>
-            <a:endParaRPr sz="1050"/>
+            <a:endParaRPr sz="1200"/>
           </a:p>
         </p:txBody>
       </p:sp>
@@ -27058,8 +29760,8 @@
         </p:nvSpPr>
         <p:spPr>
           <a:xfrm>
-            <a:off x="4717861" y="5009598"/>
-            <a:ext cx="2338043" cy="572837"/>
+            <a:off x="4600959" y="4980956"/>
+            <a:ext cx="2571847" cy="630121"/>
           </a:xfrm>
           <a:prstGeom prst="roundRect">
             <a:avLst>
@@ -27127,7 +29829,7 @@
               <a:buNone/>
             </a:pPr>
             <a:r>
-              <a:rPr lang="en-US" sz="1050">
+              <a:rPr lang="en-US" sz="1200">
                 <a:solidFill>
                   <a:schemeClr val="dk1"/>
                 </a:solidFill>
@@ -27138,7 +29840,7 @@
               </a:rPr>
               <a:t>Makefile </a:t>
             </a:r>
-            <a:endParaRPr sz="1050"/>
+            <a:endParaRPr sz="1200"/>
           </a:p>
           <a:p>
             <a:pPr marL="0" marR="0" lvl="0" indent="0" algn="l" rtl="0">
@@ -27151,7 +29853,7 @@
               <a:buNone/>
             </a:pPr>
             <a:r>
-              <a:rPr lang="en-US" sz="1050">
+              <a:rPr lang="en-US" sz="1200">
                 <a:solidFill>
                   <a:schemeClr val="dk1"/>
                 </a:solidFill>
@@ -27163,7 +29865,7 @@
               <a:t>git clone </a:t>
             </a:r>
             <a:r>
-              <a:rPr lang="en-US" sz="1050" u="sng">
+              <a:rPr lang="en-US" sz="1200" u="sng">
                 <a:solidFill>
                   <a:schemeClr val="dk1"/>
                 </a:solidFill>
@@ -27181,7 +29883,7 @@
               </a:rPr>
               <a:t>http://url/repo</a:t>
             </a:r>
-            <a:endParaRPr sz="1050">
+            <a:endParaRPr sz="1200">
               <a:solidFill>
                 <a:schemeClr val="dk1"/>
               </a:solidFill>
@@ -27202,7 +29904,7 @@
               <a:buNone/>
             </a:pPr>
             <a:r>
-              <a:rPr lang="en-US" sz="1050">
+              <a:rPr lang="en-US" sz="1200">
                 <a:solidFill>
                   <a:schemeClr val="dk1"/>
                 </a:solidFill>
@@ -27213,7 +29915,7 @@
               </a:rPr>
               <a:t>git checkout e88e89d532</a:t>
             </a:r>
-            <a:endParaRPr sz="1050">
+            <a:endParaRPr sz="1200">
               <a:solidFill>
                 <a:schemeClr val="dk1"/>
               </a:solidFill>
@@ -27229,6 +29931,7 @@
         <p:nvCxnSpPr>
           <p:cNvPr id="204" name="Google Shape;204;p3"/>
           <p:cNvCxnSpPr>
+            <a:cxnSpLocks/>
             <a:stCxn id="202" idx="3"/>
             <a:endCxn id="203" idx="1"/>
           </p:cNvCxnSpPr>
@@ -27236,8 +29939,8 @@
         </p:nvCxnSpPr>
         <p:spPr>
           <a:xfrm flipV="1">
-            <a:off x="3712225" y="5296017"/>
-            <a:ext cx="1005636" cy="1"/>
+            <a:off x="3188213" y="5296017"/>
+            <a:ext cx="1412746" cy="1"/>
           </a:xfrm>
           <a:prstGeom prst="bentConnector3">
             <a:avLst>
@@ -27270,8 +29973,8 @@
         </p:nvCxnSpPr>
         <p:spPr>
           <a:xfrm flipV="1">
-            <a:off x="1833498" y="5296018"/>
-            <a:ext cx="246167" cy="1"/>
+            <a:off x="1093607" y="5296018"/>
+            <a:ext cx="298790" cy="1"/>
           </a:xfrm>
           <a:prstGeom prst="bentConnector3">
             <a:avLst>
@@ -27304,8 +30007,8 @@
         </p:nvCxnSpPr>
         <p:spPr>
           <a:xfrm>
-            <a:off x="1789562" y="4527974"/>
-            <a:ext cx="294634" cy="133252"/>
+            <a:off x="1058395" y="4527974"/>
+            <a:ext cx="343517" cy="133252"/>
           </a:xfrm>
           <a:prstGeom prst="bentConnector3">
             <a:avLst>
@@ -27331,15 +30034,16 @@
         <p:nvCxnSpPr>
           <p:cNvPr id="207" name="Google Shape;207;p3"/>
           <p:cNvCxnSpPr>
+            <a:cxnSpLocks/>
             <a:stCxn id="198" idx="3"/>
             <a:endCxn id="199" idx="1"/>
           </p:cNvCxnSpPr>
           <p:nvPr/>
         </p:nvCxnSpPr>
         <p:spPr>
-          <a:xfrm>
-            <a:off x="3617078" y="4661226"/>
-            <a:ext cx="280637" cy="46879"/>
+          <a:xfrm flipV="1">
+            <a:off x="3088082" y="4613105"/>
+            <a:ext cx="337828" cy="48121"/>
           </a:xfrm>
           <a:prstGeom prst="bentConnector3">
             <a:avLst>
@@ -27365,6 +30069,7 @@
         <p:nvCxnSpPr>
           <p:cNvPr id="208" name="Google Shape;208;p3"/>
           <p:cNvCxnSpPr>
+            <a:cxnSpLocks/>
             <a:stCxn id="199" idx="3"/>
             <a:endCxn id="200" idx="1"/>
           </p:cNvCxnSpPr>
@@ -27372,8 +30077,8 @@
         </p:nvCxnSpPr>
         <p:spPr>
           <a:xfrm flipV="1">
-            <a:off x="5733638" y="4620493"/>
-            <a:ext cx="374153" cy="87612"/>
+            <a:off x="5445425" y="4584867"/>
+            <a:ext cx="210976" cy="28238"/>
           </a:xfrm>
           <a:prstGeom prst="bentConnector3">
             <a:avLst>
@@ -27405,13 +30110,13 @@
           <p:nvPr/>
         </p:nvCxnSpPr>
         <p:spPr>
-          <a:xfrm rot="5400000" flipH="1" flipV="1">
-            <a:off x="7538454" y="1710028"/>
-            <a:ext cx="73743" cy="5519296"/>
+          <a:xfrm rot="16200000" flipH="1">
+            <a:off x="7377318" y="1449741"/>
+            <a:ext cx="16006" cy="5899306"/>
           </a:xfrm>
           <a:prstGeom prst="bentConnector3">
             <a:avLst>
-              <a:gd name="adj1" fmla="val 409996"/>
+              <a:gd name="adj1" fmla="val -1428214"/>
             </a:avLst>
           </a:prstGeom>
           <a:noFill/>
@@ -27437,8 +30142,8 @@
         </p:nvSpPr>
         <p:spPr>
           <a:xfrm>
-            <a:off x="9086819" y="5079919"/>
-            <a:ext cx="2440412" cy="508131"/>
+            <a:off x="8964799" y="5054512"/>
+            <a:ext cx="2684453" cy="558944"/>
           </a:xfrm>
           <a:prstGeom prst="roundRect">
             <a:avLst>
@@ -27506,7 +30211,7 @@
               <a:buNone/>
             </a:pPr>
             <a:r>
-              <a:rPr lang="en-US" sz="1050">
+              <a:rPr lang="en-US" sz="1200" dirty="0">
                 <a:solidFill>
                   <a:srgbClr val="C55A11"/>
                 </a:solidFill>
@@ -27515,9 +30220,33 @@
                 <a:cs typeface="Calibri"/>
                 <a:sym typeface="Calibri"/>
               </a:rPr>
-              <a:t>/etc/version-git</a:t>
+              <a:t>/</a:t>
             </a:r>
-            <a:endParaRPr sz="1050"/>
+            <a:r>
+              <a:rPr lang="en-US" sz="1200" dirty="0" err="1">
+                <a:solidFill>
+                  <a:srgbClr val="C55A11"/>
+                </a:solidFill>
+                <a:latin typeface="Calibri"/>
+                <a:ea typeface="Calibri"/>
+                <a:cs typeface="Calibri"/>
+                <a:sym typeface="Calibri"/>
+              </a:rPr>
+              <a:t>etc</a:t>
+            </a:r>
+            <a:r>
+              <a:rPr lang="en-US" sz="1200" dirty="0">
+                <a:solidFill>
+                  <a:srgbClr val="C55A11"/>
+                </a:solidFill>
+                <a:latin typeface="Calibri"/>
+                <a:ea typeface="Calibri"/>
+                <a:cs typeface="Calibri"/>
+                <a:sym typeface="Calibri"/>
+              </a:rPr>
+              <a:t>/version-git</a:t>
+            </a:r>
+            <a:endParaRPr sz="1200" dirty="0"/>
           </a:p>
           <a:p>
             <a:pPr marL="0" marR="0" lvl="0" indent="0" algn="l" rtl="0">
@@ -27530,7 +30259,7 @@
               <a:buNone/>
             </a:pPr>
             <a:r>
-              <a:rPr lang="en-US" sz="1050">
+              <a:rPr lang="en-US" sz="1200" dirty="0">
                 <a:solidFill>
                   <a:schemeClr val="dk1"/>
                 </a:solidFill>
@@ -27539,9 +30268,33 @@
                 <a:cs typeface="Calibri"/>
                 <a:sym typeface="Calibri"/>
               </a:rPr>
-              <a:t>http://utl/repo==7e88e89d5323</a:t>
+              <a:t>http://</a:t>
             </a:r>
-            <a:endParaRPr sz="1050">
+            <a:r>
+              <a:rPr lang="en-US" sz="1200" dirty="0" err="1">
+                <a:solidFill>
+                  <a:schemeClr val="dk1"/>
+                </a:solidFill>
+                <a:latin typeface="Calibri"/>
+                <a:ea typeface="Calibri"/>
+                <a:cs typeface="Calibri"/>
+                <a:sym typeface="Calibri"/>
+              </a:rPr>
+              <a:t>url</a:t>
+            </a:r>
+            <a:r>
+              <a:rPr lang="en-US" sz="1200" dirty="0">
+                <a:solidFill>
+                  <a:schemeClr val="dk1"/>
+                </a:solidFill>
+                <a:latin typeface="Calibri"/>
+                <a:ea typeface="Calibri"/>
+                <a:cs typeface="Calibri"/>
+                <a:sym typeface="Calibri"/>
+              </a:rPr>
+              <a:t>/repo==7e88e89d5323</a:t>
+            </a:r>
+            <a:endParaRPr sz="1200" dirty="0">
               <a:solidFill>
                 <a:schemeClr val="dk1"/>
               </a:solidFill>
@@ -27564,8 +30317,8 @@
         </p:nvCxnSpPr>
         <p:spPr>
           <a:xfrm flipV="1">
-            <a:off x="4747904" y="2497516"/>
-            <a:ext cx="417017" cy="68889"/>
+            <a:off x="4267387" y="2497516"/>
+            <a:ext cx="384634" cy="68889"/>
           </a:xfrm>
           <a:prstGeom prst="bentConnector3">
             <a:avLst>
@@ -27598,8 +30351,8 @@
         </p:nvCxnSpPr>
         <p:spPr>
           <a:xfrm>
-            <a:off x="7055904" y="5296017"/>
-            <a:ext cx="2030915" cy="37968"/>
+            <a:off x="7172806" y="5296017"/>
+            <a:ext cx="1791993" cy="37967"/>
           </a:xfrm>
           <a:prstGeom prst="bentConnector3">
             <a:avLst>
@@ -27635,8 +30388,8 @@
         </p:nvSpPr>
         <p:spPr>
           <a:xfrm>
-            <a:off x="2726468" y="466989"/>
-            <a:ext cx="203204" cy="279308"/>
+            <a:off x="2717231" y="453139"/>
+            <a:ext cx="203204" cy="304699"/>
           </a:xfrm>
           <a:prstGeom prst="rect">
             <a:avLst/>
@@ -27649,7 +30402,7 @@
           </a:bodyPr>
           <a:lstStyle/>
           <a:p>
-            <a:endParaRPr lang="en-US" sz="1050" dirty="0"/>
+            <a:endParaRPr lang="en-US" sz="1200" dirty="0"/>
           </a:p>
         </p:txBody>
       </p:sp>
@@ -27667,8 +30420,8 @@
         </p:nvSpPr>
         <p:spPr>
           <a:xfrm>
-            <a:off x="210396" y="5745146"/>
-            <a:ext cx="1648087" cy="380895"/>
+            <a:off x="95260" y="5726101"/>
+            <a:ext cx="1023332" cy="418985"/>
           </a:xfrm>
           <a:prstGeom prst="roundRect">
             <a:avLst>
@@ -27736,7 +30489,7 @@
               <a:buNone/>
             </a:pPr>
             <a:r>
-              <a:rPr lang="en-US" sz="1050" dirty="0">
+              <a:rPr lang="en-US" sz="1200" dirty="0">
                 <a:solidFill>
                   <a:schemeClr val="dk1"/>
                 </a:solidFill>
@@ -27747,7 +30500,7 @@
               </a:rPr>
               <a:t>go</a:t>
             </a:r>
-            <a:endParaRPr sz="1050" dirty="0"/>
+            <a:endParaRPr sz="1200" dirty="0"/>
           </a:p>
         </p:txBody>
       </p:sp>
@@ -27765,8 +30518,8 @@
         </p:nvSpPr>
         <p:spPr>
           <a:xfrm>
-            <a:off x="2104650" y="5675212"/>
-            <a:ext cx="1632560" cy="520761"/>
+            <a:off x="1417382" y="5649174"/>
+            <a:ext cx="1795816" cy="572837"/>
           </a:xfrm>
           <a:prstGeom prst="roundRect">
             <a:avLst>
@@ -27834,7 +30587,7 @@
               <a:buNone/>
             </a:pPr>
             <a:r>
-              <a:rPr lang="en-US" sz="1050" dirty="0" err="1">
+              <a:rPr lang="en-US" sz="1200" dirty="0" err="1">
                 <a:solidFill>
                   <a:schemeClr val="dk1"/>
                 </a:solidFill>
@@ -27846,7 +30599,7 @@
               <a:t>Makefile</a:t>
             </a:r>
             <a:r>
-              <a:rPr lang="en-US" sz="1050" dirty="0">
+              <a:rPr lang="en-US" sz="1200" dirty="0">
                 <a:solidFill>
                   <a:schemeClr val="dk1"/>
                 </a:solidFill>
@@ -27857,7 +30610,7 @@
               </a:rPr>
               <a:t> </a:t>
             </a:r>
-            <a:endParaRPr sz="1050" dirty="0"/>
+            <a:endParaRPr sz="1200" dirty="0"/>
           </a:p>
           <a:p>
             <a:pPr marL="0" marR="0" lvl="0" indent="0" algn="l" rtl="0">
@@ -27870,7 +30623,7 @@
               <a:buNone/>
             </a:pPr>
             <a:r>
-              <a:rPr lang="en-US" sz="1050" dirty="0">
+              <a:rPr lang="en-US" sz="1200" dirty="0">
                 <a:solidFill>
                   <a:schemeClr val="dk1"/>
                 </a:solidFill>
@@ -27881,7 +30634,7 @@
               <a:t>go </a:t>
             </a:r>
             <a:r>
-              <a:rPr lang="en-US" sz="1050" dirty="0" err="1">
+              <a:rPr lang="en-US" sz="1200" dirty="0" err="1">
                 <a:solidFill>
                   <a:schemeClr val="dk1"/>
                 </a:solidFill>
@@ -27891,7 +30644,7 @@
               </a:rPr>
               <a:t>mod.go</a:t>
             </a:r>
-            <a:endParaRPr sz="1050" dirty="0"/>
+            <a:endParaRPr sz="1200" dirty="0"/>
           </a:p>
         </p:txBody>
       </p:sp>
@@ -27909,8 +30662,8 @@
         </p:nvSpPr>
         <p:spPr>
           <a:xfrm>
-            <a:off x="4742846" y="5649173"/>
-            <a:ext cx="2338043" cy="572837"/>
+            <a:off x="4625944" y="5620531"/>
+            <a:ext cx="2571847" cy="630121"/>
           </a:xfrm>
           <a:prstGeom prst="roundRect">
             <a:avLst>
@@ -27978,7 +30731,7 @@
               <a:buNone/>
             </a:pPr>
             <a:r>
-              <a:rPr lang="en-US" sz="1050" dirty="0" err="1">
+              <a:rPr lang="en-US" sz="1200" dirty="0" err="1">
                 <a:solidFill>
                   <a:srgbClr val="C55A11"/>
                 </a:solidFill>
@@ -27989,7 +30742,7 @@
               <a:t>mod.go</a:t>
             </a:r>
             <a:r>
-              <a:rPr lang="en-US" sz="1050" dirty="0">
+              <a:rPr lang="en-US" sz="1200" dirty="0">
                 <a:solidFill>
                   <a:srgbClr val="C55A11"/>
                 </a:solidFill>
@@ -27999,7 +30752,7 @@
               </a:rPr>
               <a:t> </a:t>
             </a:r>
-            <a:endParaRPr sz="1050" dirty="0">
+            <a:endParaRPr sz="1200" dirty="0">
               <a:solidFill>
                 <a:srgbClr val="C55A11"/>
               </a:solidFill>
@@ -28010,18 +30763,18 @@
           <a:p>
             <a:pPr lvl="0"/>
             <a:r>
-              <a:rPr lang="en-IN" sz="1050" dirty="0"/>
+              <a:rPr lang="en-IN" sz="1200" dirty="0"/>
               <a:t>module </a:t>
             </a:r>
             <a:r>
-              <a:rPr lang="en-IN" sz="1050" dirty="0" err="1"/>
+              <a:rPr lang="en-IN" sz="1200" dirty="0" err="1"/>
               <a:t>example.com</a:t>
             </a:r>
             <a:r>
-              <a:rPr lang="en-IN" sz="1050" dirty="0"/>
+              <a:rPr lang="en-IN" sz="1200" dirty="0"/>
               <a:t>/json</a:t>
             </a:r>
-            <a:endParaRPr sz="1050" dirty="0">
+            <a:endParaRPr sz="1200" dirty="0">
               <a:solidFill>
                 <a:schemeClr val="dk1"/>
               </a:solidFill>
@@ -28047,8 +30800,8 @@
         </p:nvSpPr>
         <p:spPr>
           <a:xfrm>
-            <a:off x="9111804" y="5719494"/>
-            <a:ext cx="2440412" cy="508131"/>
+            <a:off x="8989784" y="5694087"/>
+            <a:ext cx="2684453" cy="558944"/>
           </a:xfrm>
           <a:prstGeom prst="roundRect">
             <a:avLst>
@@ -28116,7 +30869,7 @@
               <a:buNone/>
             </a:pPr>
             <a:r>
-              <a:rPr lang="en-US" sz="1050" dirty="0">
+              <a:rPr lang="en-US" sz="1200" dirty="0">
                 <a:solidFill>
                   <a:srgbClr val="C55A11"/>
                 </a:solidFill>
@@ -28128,7 +30881,7 @@
               <a:t>/</a:t>
             </a:r>
             <a:r>
-              <a:rPr lang="en-US" sz="1050" dirty="0" err="1">
+              <a:rPr lang="en-US" sz="1200" dirty="0" err="1">
                 <a:solidFill>
                   <a:srgbClr val="C55A11"/>
                 </a:solidFill>
@@ -28140,7 +30893,7 @@
               <a:t>etc</a:t>
             </a:r>
             <a:r>
-              <a:rPr lang="en-US" sz="1050" dirty="0">
+              <a:rPr lang="en-US" sz="1200" dirty="0">
                 <a:solidFill>
                   <a:srgbClr val="C55A11"/>
                 </a:solidFill>
@@ -28151,7 +30904,7 @@
               </a:rPr>
               <a:t>/version-go</a:t>
             </a:r>
-            <a:endParaRPr sz="1050" dirty="0"/>
+            <a:endParaRPr sz="1200" dirty="0"/>
           </a:p>
           <a:p>
             <a:pPr marL="0" marR="0" lvl="0" indent="0" algn="l" rtl="0">
@@ -28164,7 +30917,7 @@
               <a:buNone/>
             </a:pPr>
             <a:r>
-              <a:rPr lang="en-US" sz="1050" dirty="0" err="1">
+              <a:rPr lang="en-US" sz="1200" dirty="0" err="1">
                 <a:solidFill>
                   <a:schemeClr val="dk1"/>
                 </a:solidFill>
@@ -28176,7 +30929,7 @@
               <a:t>mod.go</a:t>
             </a:r>
             <a:r>
-              <a:rPr lang="en-US" sz="1050" dirty="0">
+              <a:rPr lang="en-US" sz="1200" dirty="0">
                 <a:solidFill>
                   <a:schemeClr val="dk1"/>
                 </a:solidFill>
@@ -28187,7 +30940,7 @@
               </a:rPr>
               <a:t>==7e88e89d5323</a:t>
             </a:r>
-            <a:endParaRPr sz="1050" dirty="0">
+            <a:endParaRPr sz="1200" dirty="0">
               <a:solidFill>
                 <a:schemeClr val="dk1"/>
               </a:solidFill>
@@ -28217,8 +30970,8 @@
         </p:nvCxnSpPr>
         <p:spPr>
           <a:xfrm flipV="1">
-            <a:off x="3737210" y="5935592"/>
-            <a:ext cx="1005636" cy="1"/>
+            <a:off x="3213198" y="5935592"/>
+            <a:ext cx="1412746" cy="1"/>
           </a:xfrm>
           <a:prstGeom prst="bentConnector3">
             <a:avLst>
@@ -28258,8 +31011,8 @@
         </p:nvCxnSpPr>
         <p:spPr>
           <a:xfrm>
-            <a:off x="7080889" y="5935592"/>
-            <a:ext cx="2030915" cy="37968"/>
+            <a:off x="7197791" y="5935592"/>
+            <a:ext cx="1791993" cy="37967"/>
           </a:xfrm>
           <a:prstGeom prst="bentConnector3">
             <a:avLst>
@@ -28320,6 +31073,47 @@
           </a:p>
         </p:txBody>
       </p:sp>
+      <p:cxnSp>
+        <p:nvCxnSpPr>
+          <p:cNvPr id="51" name="Google Shape;205;p3">
+            <a:extLst>
+              <a:ext uri="{FF2B5EF4-FFF2-40B4-BE49-F238E27FC236}">
+                <a16:creationId xmlns:a16="http://schemas.microsoft.com/office/drawing/2014/main" id="{37DAB6FF-FC35-E744-B742-AE99CDB7AA07}"/>
+              </a:ext>
+            </a:extLst>
+          </p:cNvPr>
+          <p:cNvCxnSpPr>
+            <a:cxnSpLocks/>
+            <a:stCxn id="56" idx="3"/>
+            <a:endCxn id="57" idx="1"/>
+          </p:cNvCxnSpPr>
+          <p:nvPr/>
+        </p:nvCxnSpPr>
+        <p:spPr>
+          <a:xfrm flipV="1">
+            <a:off x="1118592" y="5935593"/>
+            <a:ext cx="298790" cy="1"/>
+          </a:xfrm>
+          <a:prstGeom prst="bentConnector3">
+            <a:avLst>
+              <a:gd name="adj1" fmla="val 50000"/>
+            </a:avLst>
+          </a:prstGeom>
+          <a:noFill/>
+          <a:ln w="12700" cap="flat" cmpd="sng">
+            <a:solidFill>
+              <a:schemeClr val="bg2">
+                <a:lumMod val="40000"/>
+                <a:lumOff val="60000"/>
+              </a:schemeClr>
+            </a:solidFill>
+            <a:prstDash val="solid"/>
+            <a:miter lim="800000"/>
+            <a:headEnd type="triangle" w="med" len="med"/>
+            <a:tailEnd type="triangle" w="med" len="med"/>
+          </a:ln>
+        </p:spPr>
+      </p:cxnSp>
     </p:spTree>
     <p:extLst>
       <p:ext uri="{BB962C8B-B14F-4D97-AF65-F5344CB8AC3E}">
@@ -28334,7 +31128,7 @@
 </file>
 
 <file path=ppt/slides/slide3.xml><?xml version="1.0" encoding="utf-8"?>
-<p:sld xmlns:a="http://schemas.openxmlformats.org/drawingml/2006/main" xmlns:r="http://schemas.openxmlformats.org/officeDocument/2006/relationships" xmlns:p="http://schemas.openxmlformats.org/presentationml/2006/main">
+<p:sld xmlns:a="http://schemas.openxmlformats.org/drawingml/2006/main" xmlns:r="http://schemas.openxmlformats.org/officeDocument/2006/relationships" xmlns:p="http://schemas.openxmlformats.org/presentationml/2006/main" showMasterSp="0">
   <p:cSld>
     <p:spTree>
       <p:nvGrpSpPr>
@@ -32579,18 +35373,20 @@
           </p:cNvPr>
           <p:cNvCxnSpPr>
             <a:cxnSpLocks/>
-            <a:stCxn id="59" idx="0"/>
+            <a:stCxn id="59" idx="3"/>
             <a:endCxn id="96" idx="1"/>
           </p:cNvCxnSpPr>
           <p:nvPr/>
         </p:nvCxnSpPr>
         <p:spPr>
-          <a:xfrm rot="5400000" flipH="1" flipV="1">
-            <a:off x="1141824" y="2900992"/>
-            <a:ext cx="20977" cy="987120"/>
+          <a:xfrm flipV="1">
+            <a:off x="1156128" y="3384063"/>
+            <a:ext cx="489744" cy="194111"/>
           </a:xfrm>
-          <a:prstGeom prst="bentConnector2">
-            <a:avLst/>
+          <a:prstGeom prst="bentConnector3">
+            <a:avLst>
+              <a:gd name="adj1" fmla="val 50000"/>
+            </a:avLst>
           </a:prstGeom>
           <a:noFill/>
           <a:ln w="12700" cap="flat" cmpd="sng">
@@ -34878,7 +37674,7 @@
 </file>
 
 <file path=ppt/slides/slide4.xml><?xml version="1.0" encoding="utf-8"?>
-<p:sld xmlns:a="http://schemas.openxmlformats.org/drawingml/2006/main" xmlns:r="http://schemas.openxmlformats.org/officeDocument/2006/relationships" xmlns:p="http://schemas.openxmlformats.org/presentationml/2006/main">
+<p:sld xmlns:a="http://schemas.openxmlformats.org/drawingml/2006/main" xmlns:r="http://schemas.openxmlformats.org/officeDocument/2006/relationships" xmlns:p="http://schemas.openxmlformats.org/presentationml/2006/main" showMasterSp="0">
   <p:cSld>
     <p:spTree>
       <p:nvGrpSpPr>
@@ -37633,7 +40429,7 @@
 </file>
 
 <file path=ppt/slides/slide5.xml><?xml version="1.0" encoding="utf-8"?>
-<p:sld xmlns:a="http://schemas.openxmlformats.org/drawingml/2006/main" xmlns:r="http://schemas.openxmlformats.org/officeDocument/2006/relationships" xmlns:p="http://schemas.openxmlformats.org/presentationml/2006/main">
+<p:sld xmlns:a="http://schemas.openxmlformats.org/drawingml/2006/main" xmlns:r="http://schemas.openxmlformats.org/officeDocument/2006/relationships" xmlns:p="http://schemas.openxmlformats.org/presentationml/2006/main" showMasterSp="0">
   <p:cSld>
     <p:spTree>
       <p:nvGrpSpPr>
@@ -39218,7 +42014,7 @@
 </file>
 
 <file path=ppt/slides/slide6.xml><?xml version="1.0" encoding="utf-8"?>
-<p:sld xmlns:a="http://schemas.openxmlformats.org/drawingml/2006/main" xmlns:r="http://schemas.openxmlformats.org/officeDocument/2006/relationships" xmlns:p="http://schemas.openxmlformats.org/presentationml/2006/main">
+<p:sld xmlns:a="http://schemas.openxmlformats.org/drawingml/2006/main" xmlns:r="http://schemas.openxmlformats.org/officeDocument/2006/relationships" xmlns:p="http://schemas.openxmlformats.org/presentationml/2006/main" showMasterSp="0">
   <p:cSld>
     <p:spTree>
       <p:nvGrpSpPr>
@@ -40044,7 +42840,7 @@
             </a:r>
             <a:r>
               <a:rPr lang="en-US" sz="1050" dirty="0" err="1"/>
-              <a:t>iproute</a:t>
+              <a:t>ipaddr</a:t>
             </a:r>
             <a:endParaRPr lang="en-US" sz="1050" dirty="0">
               <a:solidFill>
@@ -40639,7 +43435,7 @@
 </file>
 
 <file path=ppt/slides/slide7.xml><?xml version="1.0" encoding="utf-8"?>
-<p:sld xmlns:a="http://schemas.openxmlformats.org/drawingml/2006/main" xmlns:r="http://schemas.openxmlformats.org/officeDocument/2006/relationships" xmlns:p="http://schemas.openxmlformats.org/presentationml/2006/main">
+<p:sld xmlns:a="http://schemas.openxmlformats.org/drawingml/2006/main" xmlns:r="http://schemas.openxmlformats.org/officeDocument/2006/relationships" xmlns:p="http://schemas.openxmlformats.org/presentationml/2006/main" showMasterSp="0">
   <p:cSld>
     <p:spTree>
       <p:nvGrpSpPr>
@@ -42123,7 +44919,7 @@
 </file>
 
 <file path=ppt/slides/slide8.xml><?xml version="1.0" encoding="utf-8"?>
-<p:sld xmlns:a="http://schemas.openxmlformats.org/drawingml/2006/main" xmlns:r="http://schemas.openxmlformats.org/officeDocument/2006/relationships" xmlns:p="http://schemas.openxmlformats.org/presentationml/2006/main">
+<p:sld xmlns:a="http://schemas.openxmlformats.org/drawingml/2006/main" xmlns:r="http://schemas.openxmlformats.org/officeDocument/2006/relationships" xmlns:p="http://schemas.openxmlformats.org/presentationml/2006/main" showMasterSp="0">
   <p:cSld>
     <p:spTree>
       <p:nvGrpSpPr>
@@ -42153,8 +44949,8 @@
         </p:nvSpPr>
         <p:spPr>
           <a:xfrm>
-            <a:off x="200984" y="440943"/>
-            <a:ext cx="6271806" cy="1663468"/>
+            <a:off x="200984" y="440942"/>
+            <a:ext cx="6481652" cy="1828107"/>
           </a:xfrm>
           <a:prstGeom prst="roundRect">
             <a:avLst>
@@ -42204,7 +45000,7 @@
                   <a:srgbClr val="C00000"/>
                 </a:solidFill>
               </a:rPr>
-              <a:t>/files/build/versions/default/versions-go</a:t>
+              <a:t>/files/build/versions/default/versions-web</a:t>
             </a:r>
           </a:p>
         </p:txBody>
@@ -42498,14 +45294,14 @@
           <p:nvPr>
             <p:extLst>
               <p:ext uri="{D42A27DB-BD31-4B8C-83A1-F6EECF244321}">
-                <p14:modId xmlns:p14="http://schemas.microsoft.com/office/powerpoint/2010/main" val="264457571"/>
+                <p14:modId xmlns:p14="http://schemas.microsoft.com/office/powerpoint/2010/main" val="1350180364"/>
               </p:ext>
             </p:extLst>
           </p:nvPr>
         </p:nvGraphicFramePr>
         <p:xfrm>
-          <a:off x="316631" y="909926"/>
-          <a:ext cx="5996652" cy="1005840"/>
+          <a:off x="316630" y="909926"/>
+          <a:ext cx="6196903" cy="1005840"/>
         </p:xfrm>
         <a:graphic>
           <a:graphicData uri="http://schemas.openxmlformats.org/drawingml/2006/table">
@@ -42514,7 +45310,7 @@
                 <a:tableStyleId>{AF606853-7671-496A-8E4F-DF71F8EC918B}</a:tableStyleId>
               </a:tblPr>
               <a:tblGrid>
-                <a:gridCol w="5996652">
+                <a:gridCol w="6196903">
                   <a:extLst>
                     <a:ext uri="{9D8B030D-6E8A-4147-A177-3AD203B41FA5}">
                       <a16:colId xmlns:a16="http://schemas.microsoft.com/office/drawing/2014/main" val="2818778528"/>
@@ -42648,7 +45444,7 @@
                       </a:r>
                       <a:r>
                         <a:rPr lang="en-US" sz="1050" dirty="0"/>
-                        <a:t>iproute_4.20.0.orig.tar.xz-f3dab4c812812bbb5873cb90f471bcbf</a:t>
+                        <a:t>iproute_4.20.0.orig.tar.xz==f3dab4c812812bbb5873cb90f471bcbf</a:t>
                       </a:r>
                     </a:p>
                   </a:txBody>
@@ -42703,7 +45499,7 @@
                       </a:r>
                       <a:r>
                         <a:rPr lang="en-US" sz="1050" dirty="0"/>
-                        <a:t>/l/linux_4.19.118.orig.tar.xz-12f0a53ac0579cb01404de3bc62224c3</a:t>
+                        <a:t>/l/linux_4.19.118.orig.tar.xz==12f0a53ac0579cb01404de3bc62224c3</a:t>
                       </a:r>
                     </a:p>
                   </a:txBody>
@@ -42762,11 +45558,11 @@
                             <a:schemeClr val="bg1"/>
                           </a:solidFill>
                         </a:rPr>
-                        <a:t>/openldap_2.4.47+dfsg.orig.tar.gz</a:t>
+                        <a:t>/openldap_2.4.47+dfsg.orig.tar.gz==</a:t>
                       </a:r>
                       <a:r>
                         <a:rPr lang="en-US" sz="1050" dirty="0"/>
-                        <a:t>-b734b63b740333d7d6bd02cb9ce09380</a:t>
+                        <a:t>b734b63b740333d7d6bd02cb9ce09380</a:t>
                       </a:r>
                     </a:p>
                   </a:txBody>
@@ -42988,13 +45784,13 @@
         <p:spPr>
           <a:xfrm flipH="1">
             <a:off x="6300395" y="1412846"/>
-            <a:ext cx="12888" cy="1639796"/>
+            <a:ext cx="213138" cy="1639796"/>
           </a:xfrm>
           <a:prstGeom prst="bentConnector5">
             <a:avLst>
-              <a:gd name="adj1" fmla="val -1773743"/>
+              <a:gd name="adj1" fmla="val -107254"/>
               <a:gd name="adj2" fmla="val 59448"/>
-              <a:gd name="adj3" fmla="val 1873743"/>
+              <a:gd name="adj3" fmla="val 207254"/>
             </a:avLst>
           </a:prstGeom>
           <a:ln>
@@ -43637,7 +46433,7 @@
                       <a:srgbClr val="C00000"/>
                     </a:solidFill>
                   </a:rPr>
-                  <a:t>repo.pureos.net</a:t>
+                  <a:t>repo.debian.net</a:t>
                 </a:r>
                 <a:endParaRPr lang="en-US" sz="1050" dirty="0">
                   <a:solidFill>
@@ -43820,7 +46616,7 @@
 </file>
 
 <file path=ppt/slides/slide9.xml><?xml version="1.0" encoding="utf-8"?>
-<p:sld xmlns:a="http://schemas.openxmlformats.org/drawingml/2006/main" xmlns:r="http://schemas.openxmlformats.org/officeDocument/2006/relationships" xmlns:p="http://schemas.openxmlformats.org/presentationml/2006/main">
+<p:sld xmlns:a="http://schemas.openxmlformats.org/drawingml/2006/main" xmlns:r="http://schemas.openxmlformats.org/officeDocument/2006/relationships" xmlns:p="http://schemas.openxmlformats.org/presentationml/2006/main" showMasterSp="0">
   <p:cSld>
     <p:spTree>
       <p:nvGrpSpPr>

--- a/system/build/images.pptx
+++ b/system/build/images.pptx
@@ -9,7 +9,7 @@
   </p:notesMasterIdLst>
   <p:sldIdLst>
     <p:sldId id="289" r:id="rId2"/>
-    <p:sldId id="280" r:id="rId3"/>
+    <p:sldId id="292" r:id="rId3"/>
     <p:sldId id="282" r:id="rId4"/>
     <p:sldId id="285" r:id="rId5"/>
     <p:sldId id="274" r:id="rId6"/>
@@ -264,7 +264,7 @@
         <p14:section name="Version Caching" id="{7FC91BED-F264-5944-BDC2-E75782E6FF96}">
           <p14:sldIdLst>
             <p14:sldId id="289"/>
-            <p14:sldId id="280"/>
+            <p14:sldId id="292"/>
             <p14:sldId id="282"/>
             <p14:sldId id="285"/>
             <p14:sldId id="274"/>
@@ -1492,115 +1492,6 @@
 </file>
 
 <file path=ppt/notesSlides/notesSlide1.xml><?xml version="1.0" encoding="utf-8"?>
-<p:notes xmlns:a="http://schemas.openxmlformats.org/drawingml/2006/main" xmlns:r="http://schemas.openxmlformats.org/officeDocument/2006/relationships" xmlns:p="http://schemas.openxmlformats.org/presentationml/2006/main" showMasterSp="0" showMasterPhAnim="0">
-  <p:cSld>
-    <p:spTree>
-      <p:nvGrpSpPr>
-        <p:cNvPr id="1" name="Shape 168"/>
-        <p:cNvGrpSpPr/>
-        <p:nvPr/>
-      </p:nvGrpSpPr>
-      <p:grpSpPr>
-        <a:xfrm>
-          <a:off x="0" y="0"/>
-          <a:ext cx="0" cy="0"/>
-          <a:chOff x="0" y="0"/>
-          <a:chExt cx="0" cy="0"/>
-        </a:xfrm>
-      </p:grpSpPr>
-      <p:sp>
-        <p:nvSpPr>
-          <p:cNvPr id="169" name="Google Shape;169;p3:notes"/>
-          <p:cNvSpPr txBox="1">
-            <a:spLocks noGrp="1"/>
-          </p:cNvSpPr>
-          <p:nvPr>
-            <p:ph type="body" idx="1"/>
-          </p:nvPr>
-        </p:nvSpPr>
-        <p:spPr>
-          <a:xfrm>
-            <a:off x="685800" y="4400550"/>
-            <a:ext cx="5486400" cy="3600450"/>
-          </a:xfrm>
-          <a:prstGeom prst="rect">
-            <a:avLst/>
-          </a:prstGeom>
-        </p:spPr>
-        <p:txBody>
-          <a:bodyPr spcFirstLastPara="1" wrap="square" lIns="91425" tIns="45700" rIns="91425" bIns="45700" anchor="t" anchorCtr="0">
-            <a:noAutofit/>
-          </a:bodyPr>
-          <a:lstStyle/>
-          <a:p>
-            <a:pPr marL="0" lvl="0" indent="0" algn="l" rtl="0">
-              <a:spcBef>
-                <a:spcPts val="0"/>
-              </a:spcBef>
-              <a:spcAft>
-                <a:spcPts val="0"/>
-              </a:spcAft>
-              <a:buNone/>
-            </a:pPr>
-            <a:endParaRPr/>
-          </a:p>
-        </p:txBody>
-      </p:sp>
-      <p:sp>
-        <p:nvSpPr>
-          <p:cNvPr id="170" name="Google Shape;170;p3:notes"/>
-          <p:cNvSpPr>
-            <a:spLocks noGrp="1" noRot="1" noChangeAspect="1"/>
-          </p:cNvSpPr>
-          <p:nvPr>
-            <p:ph type="sldImg" idx="2"/>
-          </p:nvPr>
-        </p:nvSpPr>
-        <p:spPr>
-          <a:xfrm>
-            <a:off x="685800" y="1143000"/>
-            <a:ext cx="5486400" cy="3086100"/>
-          </a:xfrm>
-          <a:custGeom>
-            <a:avLst/>
-            <a:gdLst/>
-            <a:ahLst/>
-            <a:cxnLst/>
-            <a:rect l="l" t="t" r="r" b="b"/>
-            <a:pathLst>
-              <a:path w="120000" h="120000" extrusionOk="0">
-                <a:moveTo>
-                  <a:pt x="0" y="0"/>
-                </a:moveTo>
-                <a:lnTo>
-                  <a:pt x="120000" y="0"/>
-                </a:lnTo>
-                <a:lnTo>
-                  <a:pt x="120000" y="120000"/>
-                </a:lnTo>
-                <a:lnTo>
-                  <a:pt x="0" y="120000"/>
-                </a:lnTo>
-                <a:close/>
-              </a:path>
-            </a:pathLst>
-          </a:custGeom>
-        </p:spPr>
-      </p:sp>
-    </p:spTree>
-    <p:extLst>
-      <p:ext uri="{BB962C8B-B14F-4D97-AF65-F5344CB8AC3E}">
-        <p14:creationId xmlns:p14="http://schemas.microsoft.com/office/powerpoint/2010/main" val="1384343257"/>
-      </p:ext>
-    </p:extLst>
-  </p:cSld>
-  <p:clrMapOvr>
-    <a:masterClrMapping/>
-  </p:clrMapOvr>
-</p:notes>
-</file>
-
-<file path=ppt/notesSlides/notesSlide2.xml><?xml version="1.0" encoding="utf-8"?>
 <p:notes xmlns:a="http://schemas.openxmlformats.org/drawingml/2006/main" xmlns:r="http://schemas.openxmlformats.org/officeDocument/2006/relationships" xmlns:p="http://schemas.openxmlformats.org/presentationml/2006/main" showMasterSp="0" showMasterPhAnim="0">
   <p:cSld>
     <p:spTree>
@@ -11581,19 +11472,21 @@
   <p:cSld>
     <p:bg>
       <p:bgPr>
-        <a:gradFill>
+        <a:gradFill flip="none" rotWithShape="1">
           <a:gsLst>
+            <a:gs pos="100000">
+              <a:srgbClr val="FEFEFE">
+                <a:alpha val="0"/>
+              </a:srgbClr>
+            </a:gs>
             <a:gs pos="0">
-              <a:schemeClr val="lt1"/>
-            </a:gs>
-            <a:gs pos="77000">
-              <a:srgbClr val="F4F4F4"/>
-            </a:gs>
-            <a:gs pos="100000">
-              <a:srgbClr val="E9E9E9"/>
+              <a:schemeClr val="lt1">
+                <a:alpha val="0"/>
+              </a:schemeClr>
             </a:gs>
           </a:gsLst>
           <a:lin ang="5400000" scaled="0"/>
+          <a:tileRect/>
         </a:gradFill>
         <a:effectLst/>
       </p:bgPr>
@@ -23501,7 +23394,7 @@
 </file>
 
 <file path=ppt/slides/slide14.xml><?xml version="1.0" encoding="utf-8"?>
-<p:sld xmlns:a="http://schemas.openxmlformats.org/drawingml/2006/main" xmlns:r="http://schemas.openxmlformats.org/officeDocument/2006/relationships" xmlns:p="http://schemas.openxmlformats.org/presentationml/2006/main">
+<p:sld xmlns:a="http://schemas.openxmlformats.org/drawingml/2006/main" xmlns:r="http://schemas.openxmlformats.org/officeDocument/2006/relationships" xmlns:p="http://schemas.openxmlformats.org/presentationml/2006/main" showMasterSp="0">
   <p:cSld>
     <p:spTree>
       <p:nvGrpSpPr>
@@ -24964,7 +24857,7 @@
 </file>
 
 <file path=ppt/slides/slide15.xml><?xml version="1.0" encoding="utf-8"?>
-<p:sld xmlns:a="http://schemas.openxmlformats.org/drawingml/2006/main" xmlns:r="http://schemas.openxmlformats.org/officeDocument/2006/relationships" xmlns:p="http://schemas.openxmlformats.org/presentationml/2006/main">
+<p:sld xmlns:a="http://schemas.openxmlformats.org/drawingml/2006/main" xmlns:r="http://schemas.openxmlformats.org/officeDocument/2006/relationships" xmlns:p="http://schemas.openxmlformats.org/presentationml/2006/main" showMasterSp="0">
   <p:cSld>
     <p:spTree>
       <p:nvGrpSpPr>
@@ -26167,7 +26060,7 @@
   <p:cSld>
     <p:spTree>
       <p:nvGrpSpPr>
-        <p:cNvPr id="1" name="Shape 171"/>
+        <p:cNvPr id="1" name=""/>
         <p:cNvGrpSpPr/>
         <p:nvPr/>
       </p:nvGrpSpPr>
@@ -26181,14 +26074,20 @@
       </p:grpSpPr>
       <p:sp>
         <p:nvSpPr>
-          <p:cNvPr id="172" name="Google Shape;172;p3"/>
+          <p:cNvPr id="45" name="Google Shape;172;p3">
+            <a:extLst>
+              <a:ext uri="{FF2B5EF4-FFF2-40B4-BE49-F238E27FC236}">
+                <a16:creationId xmlns:a16="http://schemas.microsoft.com/office/drawing/2014/main" id="{09EC78A1-E626-134F-B069-200DB4943695}"/>
+              </a:ext>
+            </a:extLst>
+          </p:cNvPr>
           <p:cNvSpPr/>
           <p:nvPr/>
         </p:nvSpPr>
         <p:spPr>
           <a:xfrm>
-            <a:off x="8691794" y="307705"/>
-            <a:ext cx="3365152" cy="6421848"/>
+            <a:off x="9068272" y="46837"/>
+            <a:ext cx="2992229" cy="6437651"/>
           </a:xfrm>
           <a:prstGeom prst="roundRect">
             <a:avLst>
@@ -26252,7 +26151,7 @@
               </a:spcAft>
               <a:buNone/>
             </a:pPr>
-            <a:endParaRPr sz="1200" b="0" i="0" u="none" strike="noStrike" cap="none">
+            <a:endParaRPr sz="1050" b="0" i="0" u="none" strike="noStrike" cap="none">
               <a:solidFill>
                 <a:schemeClr val="dk1"/>
               </a:solidFill>
@@ -26266,14 +26165,20 @@
       </p:sp>
       <p:sp>
         <p:nvSpPr>
-          <p:cNvPr id="174" name="Google Shape;174;p3"/>
+          <p:cNvPr id="46" name="Google Shape;174;p3">
+            <a:extLst>
+              <a:ext uri="{FF2B5EF4-FFF2-40B4-BE49-F238E27FC236}">
+                <a16:creationId xmlns:a16="http://schemas.microsoft.com/office/drawing/2014/main" id="{3A2C7E8E-67E0-7D49-B7F2-746B44A2B531}"/>
+              </a:ext>
+            </a:extLst>
+          </p:cNvPr>
           <p:cNvSpPr/>
           <p:nvPr/>
         </p:nvSpPr>
         <p:spPr>
           <a:xfrm>
-            <a:off x="70275" y="833184"/>
-            <a:ext cx="1023332" cy="418985"/>
+            <a:off x="161376" y="869542"/>
+            <a:ext cx="1023332" cy="346268"/>
           </a:xfrm>
           <a:prstGeom prst="roundRect">
             <a:avLst>
@@ -26339,7 +26244,7 @@
               <a:buNone/>
             </a:pPr>
             <a:r>
-              <a:rPr lang="en-US" sz="1200" b="0" i="0" u="none" strike="noStrike" cap="none" dirty="0">
+              <a:rPr lang="en-US" sz="1050" b="0" i="0" u="none" strike="noStrike" cap="none" dirty="0">
                 <a:solidFill>
                   <a:schemeClr val="dk1"/>
                 </a:solidFill>
@@ -26350,20 +26255,26 @@
               </a:rPr>
               <a:t>apt-get install </a:t>
             </a:r>
-            <a:endParaRPr sz="1200" dirty="0"/>
+            <a:endParaRPr sz="1050" dirty="0"/>
           </a:p>
         </p:txBody>
       </p:sp>
       <p:sp>
         <p:nvSpPr>
-          <p:cNvPr id="175" name="Google Shape;175;p3"/>
+          <p:cNvPr id="47" name="Google Shape;175;p3">
+            <a:extLst>
+              <a:ext uri="{FF2B5EF4-FFF2-40B4-BE49-F238E27FC236}">
+                <a16:creationId xmlns:a16="http://schemas.microsoft.com/office/drawing/2014/main" id="{1C082E63-3AA3-BD4B-832D-09603D0D4233}"/>
+              </a:ext>
+            </a:extLst>
+          </p:cNvPr>
           <p:cNvSpPr/>
           <p:nvPr/>
         </p:nvSpPr>
         <p:spPr>
           <a:xfrm>
-            <a:off x="4652021" y="583187"/>
-            <a:ext cx="3707353" cy="1235244"/>
+            <a:off x="4794718" y="746432"/>
+            <a:ext cx="4057059" cy="1120302"/>
           </a:xfrm>
           <a:prstGeom prst="roundRect">
             <a:avLst>
@@ -26429,7 +26340,7 @@
               <a:buNone/>
             </a:pPr>
             <a:r>
-              <a:rPr lang="en-US" sz="1200" b="0" i="0" u="none" strike="noStrike" cap="none" dirty="0">
+              <a:rPr lang="en-US" sz="1050" b="0" i="0" u="none" strike="noStrike" cap="none" dirty="0">
                 <a:solidFill>
                   <a:srgbClr val="C55A11"/>
                 </a:solidFill>
@@ -26441,7 +26352,7 @@
               <a:t>/</a:t>
             </a:r>
             <a:r>
-              <a:rPr lang="en-US" sz="1200" b="0" i="0" u="none" strike="noStrike" cap="none" dirty="0" err="1">
+              <a:rPr lang="en-US" sz="1050" b="0" i="0" u="none" strike="noStrike" cap="none" dirty="0" err="1">
                 <a:solidFill>
                   <a:srgbClr val="C55A11"/>
                 </a:solidFill>
@@ -26453,7 +26364,7 @@
               <a:t>etc</a:t>
             </a:r>
             <a:r>
-              <a:rPr lang="en-US" sz="1200" b="0" i="0" u="none" strike="noStrike" cap="none" dirty="0">
+              <a:rPr lang="en-US" sz="1050" b="0" i="0" u="none" strike="noStrike" cap="none" dirty="0">
                 <a:solidFill>
                   <a:srgbClr val="C55A11"/>
                 </a:solidFill>
@@ -26465,7 +26376,7 @@
               <a:t>/apt/</a:t>
             </a:r>
             <a:r>
-              <a:rPr lang="en-US" sz="1200" b="0" i="0" u="none" strike="noStrike" cap="none" dirty="0" err="1">
+              <a:rPr lang="en-US" sz="1050" b="0" i="0" u="none" strike="noStrike" cap="none" dirty="0" err="1">
                 <a:solidFill>
                   <a:srgbClr val="C55A11"/>
                 </a:solidFill>
@@ -26476,7 +26387,7 @@
               </a:rPr>
               <a:t>sources.list</a:t>
             </a:r>
-            <a:endParaRPr sz="1200" dirty="0">
+            <a:endParaRPr sz="1050" dirty="0">
               <a:solidFill>
                 <a:srgbClr val="C55A11"/>
               </a:solidFill>
@@ -26497,7 +26408,7 @@
               <a:buNone/>
             </a:pPr>
             <a:r>
-              <a:rPr lang="en-US" sz="1200" dirty="0">
+              <a:rPr lang="en-US" sz="1050" dirty="0">
                 <a:solidFill>
                   <a:schemeClr val="dk1"/>
                 </a:solidFill>
@@ -26508,7 +26419,7 @@
               </a:rPr>
               <a:t>{</a:t>
             </a:r>
-            <a:endParaRPr sz="1200" dirty="0"/>
+            <a:endParaRPr sz="1050" dirty="0"/>
           </a:p>
           <a:p>
             <a:pPr marL="0" marR="0" lvl="0" indent="0" algn="l" rtl="0">
@@ -26521,7 +26432,7 @@
               <a:buNone/>
             </a:pPr>
             <a:r>
-              <a:rPr lang="en-US" sz="1200" dirty="0">
+              <a:rPr lang="en-US" sz="1050" dirty="0">
                 <a:solidFill>
                   <a:schemeClr val="dk1"/>
                 </a:solidFill>
@@ -26533,9 +26444,60 @@
               <a:t>    </a:t>
             </a:r>
             <a:r>
-              <a:rPr lang="en-US" sz="1200" u="sng" dirty="0">
+              <a:rPr lang="en-US" sz="1050" u="sng" dirty="0">
                 <a:solidFill>
                   <a:schemeClr val="dk1"/>
+                </a:solidFill>
+                <a:latin typeface="Calibri"/>
+                <a:ea typeface="Calibri"/>
+                <a:cs typeface="Calibri"/>
+                <a:sym typeface="Calibri"/>
+                <a:hlinkClick r:id="rId2">
+                  <a:extLst>
+                    <a:ext uri="{A12FA001-AC4F-418D-AE19-62706E023703}">
+                      <ahyp:hlinkClr xmlns:ahyp="http://schemas.microsoft.com/office/drawing/2018/hyperlinkcolor" val="tx"/>
+                    </a:ext>
+                  </a:extLst>
+                </a:hlinkClick>
+              </a:rPr>
+              <a:t>http://debian-archive.trafficmanager.net/debian/</a:t>
+            </a:r>
+            <a:endParaRPr sz="1050" dirty="0">
+              <a:solidFill>
+                <a:schemeClr val="dk1"/>
+              </a:solidFill>
+              <a:latin typeface="Calibri"/>
+              <a:ea typeface="Calibri"/>
+              <a:cs typeface="Calibri"/>
+              <a:sym typeface="Calibri"/>
+            </a:endParaRPr>
+          </a:p>
+          <a:p>
+            <a:pPr marL="0" marR="0" lvl="0" indent="0" algn="l" rtl="0">
+              <a:spcBef>
+                <a:spcPts val="0"/>
+              </a:spcBef>
+              <a:spcAft>
+                <a:spcPts val="0"/>
+              </a:spcAft>
+              <a:buNone/>
+            </a:pPr>
+            <a:r>
+              <a:rPr lang="en-US" sz="1050" dirty="0">
+                <a:solidFill>
+                  <a:srgbClr val="C55A11"/>
+                </a:solidFill>
+                <a:latin typeface="Calibri"/>
+                <a:ea typeface="Calibri"/>
+                <a:cs typeface="Calibri"/>
+                <a:sym typeface="Calibri"/>
+              </a:rPr>
+              <a:t>    </a:t>
+            </a:r>
+            <a:r>
+              <a:rPr lang="en-US" sz="1050" u="sng" dirty="0">
+                <a:solidFill>
+                  <a:srgbClr val="C55A11"/>
                 </a:solidFill>
                 <a:latin typeface="Calibri"/>
                 <a:ea typeface="Calibri"/>
@@ -26549,60 +26511,9 @@
                   </a:extLst>
                 </a:hlinkClick>
               </a:rPr>
-              <a:t>http://debian-archive.trafficmanager.net/debian/</a:t>
-            </a:r>
-            <a:endParaRPr sz="1200" dirty="0">
-              <a:solidFill>
-                <a:schemeClr val="dk1"/>
-              </a:solidFill>
-              <a:latin typeface="Calibri"/>
-              <a:ea typeface="Calibri"/>
-              <a:cs typeface="Calibri"/>
-              <a:sym typeface="Calibri"/>
-            </a:endParaRPr>
-          </a:p>
-          <a:p>
-            <a:pPr marL="0" marR="0" lvl="0" indent="0" algn="l" rtl="0">
-              <a:spcBef>
-                <a:spcPts val="0"/>
-              </a:spcBef>
-              <a:spcAft>
-                <a:spcPts val="0"/>
-              </a:spcAft>
-              <a:buNone/>
-            </a:pPr>
-            <a:r>
-              <a:rPr lang="en-US" sz="1200" dirty="0">
-                <a:solidFill>
-                  <a:srgbClr val="C55A11"/>
-                </a:solidFill>
-                <a:latin typeface="Calibri"/>
-                <a:ea typeface="Calibri"/>
-                <a:cs typeface="Calibri"/>
-                <a:sym typeface="Calibri"/>
-              </a:rPr>
-              <a:t>    </a:t>
-            </a:r>
-            <a:r>
-              <a:rPr lang="en-US" sz="1200" u="sng" dirty="0">
-                <a:solidFill>
-                  <a:srgbClr val="C55A11"/>
-                </a:solidFill>
-                <a:latin typeface="Calibri"/>
-                <a:ea typeface="Calibri"/>
-                <a:cs typeface="Calibri"/>
-                <a:sym typeface="Calibri"/>
-                <a:hlinkClick r:id="rId4">
-                  <a:extLst>
-                    <a:ext uri="{A12FA001-AC4F-418D-AE19-62706E023703}">
-                      <ahyp:hlinkClr xmlns:ahyp="http://schemas.microsoft.com/office/drawing/2018/hyperlinkcolor" val="tx"/>
-                    </a:ext>
-                  </a:extLst>
-                </a:hlinkClick>
-              </a:rPr>
               <a:t>http://packages.trafficmanager.net/debian/debian</a:t>
             </a:r>
-            <a:endParaRPr sz="1200" dirty="0">
+            <a:endParaRPr sz="1050" dirty="0">
               <a:solidFill>
                 <a:srgbClr val="C55A11"/>
               </a:solidFill>
@@ -26623,7 +26534,7 @@
               <a:buNone/>
             </a:pPr>
             <a:r>
-              <a:rPr lang="en-US" sz="1200" dirty="0">
+              <a:rPr lang="en-US" sz="1050" dirty="0">
                 <a:solidFill>
                   <a:schemeClr val="dk1"/>
                 </a:solidFill>
@@ -26634,20 +26545,26 @@
               </a:rPr>
               <a:t>}</a:t>
             </a:r>
-            <a:endParaRPr sz="1200" dirty="0"/>
+            <a:endParaRPr sz="1050" dirty="0"/>
           </a:p>
         </p:txBody>
       </p:sp>
       <p:sp>
         <p:nvSpPr>
-          <p:cNvPr id="176" name="Google Shape;176;p3"/>
+          <p:cNvPr id="48" name="Google Shape;176;p3">
+            <a:extLst>
+              <a:ext uri="{FF2B5EF4-FFF2-40B4-BE49-F238E27FC236}">
+                <a16:creationId xmlns:a16="http://schemas.microsoft.com/office/drawing/2014/main" id="{6FBF4358-7611-6C4A-88EF-B422DF72FE86}"/>
+              </a:ext>
+            </a:extLst>
+          </p:cNvPr>
           <p:cNvSpPr/>
           <p:nvPr/>
         </p:nvSpPr>
         <p:spPr>
           <a:xfrm>
-            <a:off x="8807644" y="577476"/>
-            <a:ext cx="3027296" cy="1281750"/>
+            <a:off x="9288756" y="286103"/>
+            <a:ext cx="2652850" cy="1296911"/>
           </a:xfrm>
           <a:prstGeom prst="roundRect">
             <a:avLst>
@@ -26713,7 +26630,7 @@
               <a:buNone/>
             </a:pPr>
             <a:r>
-              <a:rPr lang="en-US" sz="1200" dirty="0">
+              <a:rPr lang="en-US" sz="1050" dirty="0">
                 <a:solidFill>
                   <a:srgbClr val="C55A11"/>
                 </a:solidFill>
@@ -26725,7 +26642,7 @@
               <a:t>/</a:t>
             </a:r>
             <a:r>
-              <a:rPr lang="en-US" sz="1200" dirty="0" err="1">
+              <a:rPr lang="en-US" sz="1050" dirty="0" err="1">
                 <a:solidFill>
                   <a:srgbClr val="C55A11"/>
                 </a:solidFill>
@@ -26737,7 +26654,7 @@
               <a:t>etc</a:t>
             </a:r>
             <a:r>
-              <a:rPr lang="en-US" sz="1200" dirty="0">
+              <a:rPr lang="en-US" sz="1050" dirty="0">
                 <a:solidFill>
                   <a:srgbClr val="C55A11"/>
                 </a:solidFill>
@@ -26749,7 +26666,7 @@
               <a:t>/apt/</a:t>
             </a:r>
             <a:r>
-              <a:rPr lang="en-US" sz="1200" dirty="0" err="1">
+              <a:rPr lang="en-US" sz="1050" dirty="0" err="1">
                 <a:solidFill>
                   <a:srgbClr val="C55A11"/>
                 </a:solidFill>
@@ -26761,7 +26678,7 @@
               <a:t>preferences.d</a:t>
             </a:r>
             <a:r>
-              <a:rPr lang="en-US" sz="1200" dirty="0">
+              <a:rPr lang="en-US" sz="1050" dirty="0">
                 <a:solidFill>
                   <a:srgbClr val="C55A11"/>
                 </a:solidFill>
@@ -26772,7 +26689,7 @@
               </a:rPr>
               <a:t>/01-versions-deb</a:t>
             </a:r>
-            <a:endParaRPr sz="1200" dirty="0"/>
+            <a:endParaRPr sz="1050" dirty="0"/>
           </a:p>
           <a:p>
             <a:pPr marL="0" marR="0" lvl="0" indent="0" algn="l" rtl="0">
@@ -26785,7 +26702,7 @@
               <a:buNone/>
             </a:pPr>
             <a:r>
-              <a:rPr lang="en-US" sz="1200" dirty="0">
+              <a:rPr lang="en-US" sz="1050" dirty="0">
                 <a:solidFill>
                   <a:schemeClr val="dk1"/>
                 </a:solidFill>
@@ -26796,7 +26713,7 @@
               </a:rPr>
               <a:t>{</a:t>
             </a:r>
-            <a:endParaRPr sz="1200" dirty="0"/>
+            <a:endParaRPr sz="1050" dirty="0"/>
           </a:p>
           <a:p>
             <a:pPr marL="0" marR="0" lvl="0" indent="0" algn="l" rtl="0">
@@ -26809,7 +26726,7 @@
               <a:buNone/>
             </a:pPr>
             <a:r>
-              <a:rPr lang="en-US" sz="1200" dirty="0">
+              <a:rPr lang="en-US" sz="1050" dirty="0">
                 <a:solidFill>
                   <a:schemeClr val="dk1"/>
                 </a:solidFill>
@@ -26821,7 +26738,7 @@
               <a:t>       Package: </a:t>
             </a:r>
             <a:r>
-              <a:rPr lang="en-US" sz="1200" dirty="0" err="1">
+              <a:rPr lang="en-US" sz="1050" dirty="0" err="1">
                 <a:solidFill>
                   <a:schemeClr val="dk1"/>
                 </a:solidFill>
@@ -26832,7 +26749,7 @@
               </a:rPr>
               <a:t>lsof</a:t>
             </a:r>
-            <a:endParaRPr sz="1200" dirty="0">
+            <a:endParaRPr sz="1050" dirty="0">
               <a:solidFill>
                 <a:schemeClr val="dk1"/>
               </a:solidFill>
@@ -26853,7 +26770,7 @@
               <a:buNone/>
             </a:pPr>
             <a:r>
-              <a:rPr lang="en-US" sz="1200" dirty="0">
+              <a:rPr lang="en-US" sz="1050" dirty="0">
                 <a:solidFill>
                   <a:schemeClr val="dk1"/>
                 </a:solidFill>
@@ -26864,7 +26781,7 @@
               </a:rPr>
               <a:t>       Pin: version 4.91+dfsg-1</a:t>
             </a:r>
-            <a:endParaRPr sz="1200" dirty="0"/>
+            <a:endParaRPr sz="1050" dirty="0"/>
           </a:p>
           <a:p>
             <a:pPr marL="0" marR="0" lvl="0" indent="0" algn="l" rtl="0">
@@ -26877,7 +26794,7 @@
               <a:buNone/>
             </a:pPr>
             <a:r>
-              <a:rPr lang="en-US" sz="1200" dirty="0">
+              <a:rPr lang="en-US" sz="1050" dirty="0">
                 <a:solidFill>
                   <a:schemeClr val="dk1"/>
                 </a:solidFill>
@@ -26888,7 +26805,7 @@
               </a:rPr>
               <a:t>       Pin-Priority: 999</a:t>
             </a:r>
-            <a:endParaRPr sz="1200" dirty="0"/>
+            <a:endParaRPr sz="1050" dirty="0"/>
           </a:p>
           <a:p>
             <a:pPr marL="0" marR="0" lvl="0" indent="0" algn="l" rtl="0">
@@ -26901,31 +26818,7 @@
               <a:buNone/>
             </a:pPr>
             <a:r>
-              <a:rPr lang="en-US" sz="1200" dirty="0">
-                <a:solidFill>
-                  <a:schemeClr val="dk1"/>
-                </a:solidFill>
-                <a:latin typeface="Calibri"/>
-                <a:ea typeface="Calibri"/>
-                <a:cs typeface="Calibri"/>
-                <a:sym typeface="Calibri"/>
-              </a:rPr>
-              <a:t>      …</a:t>
-            </a:r>
-            <a:endParaRPr sz="1200" dirty="0"/>
-          </a:p>
-          <a:p>
-            <a:pPr marL="0" marR="0" lvl="0" indent="0" algn="l" rtl="0">
-              <a:spcBef>
-                <a:spcPts val="0"/>
-              </a:spcBef>
-              <a:spcAft>
-                <a:spcPts val="0"/>
-              </a:spcAft>
-              <a:buNone/>
-            </a:pPr>
-            <a:r>
-              <a:rPr lang="en-US" sz="1200" dirty="0">
+              <a:rPr lang="en-US" sz="1050" dirty="0">
                 <a:solidFill>
                   <a:schemeClr val="dk1"/>
                 </a:solidFill>
@@ -26936,20 +26829,26 @@
               </a:rPr>
               <a:t>}</a:t>
             </a:r>
-            <a:endParaRPr sz="1200" dirty="0"/>
+            <a:endParaRPr sz="1050" dirty="0"/>
           </a:p>
         </p:txBody>
       </p:sp>
       <p:sp>
         <p:nvSpPr>
-          <p:cNvPr id="177" name="Google Shape;177;p3"/>
+          <p:cNvPr id="49" name="Google Shape;177;p3">
+            <a:extLst>
+              <a:ext uri="{FF2B5EF4-FFF2-40B4-BE49-F238E27FC236}">
+                <a16:creationId xmlns:a16="http://schemas.microsoft.com/office/drawing/2014/main" id="{91348FDF-39D4-704D-9EE6-A06C2C90A70C}"/>
+              </a:ext>
+            </a:extLst>
+          </p:cNvPr>
           <p:cNvSpPr/>
           <p:nvPr/>
         </p:nvSpPr>
         <p:spPr>
           <a:xfrm>
-            <a:off x="70275" y="2131325"/>
-            <a:ext cx="1023332" cy="418985"/>
+            <a:off x="161376" y="2167683"/>
+            <a:ext cx="1023332" cy="346268"/>
           </a:xfrm>
           <a:prstGeom prst="roundRect">
             <a:avLst>
@@ -27015,7 +26914,7 @@
               <a:buNone/>
             </a:pPr>
             <a:r>
-              <a:rPr lang="en-US" sz="1200" dirty="0">
+              <a:rPr lang="en-US" sz="1050" dirty="0">
                 <a:solidFill>
                   <a:schemeClr val="dk1"/>
                 </a:solidFill>
@@ -27026,20 +26925,26 @@
               </a:rPr>
               <a:t>pip install </a:t>
             </a:r>
-            <a:endParaRPr sz="1200" dirty="0"/>
+            <a:endParaRPr sz="1050" dirty="0"/>
           </a:p>
         </p:txBody>
       </p:sp>
       <p:sp>
         <p:nvSpPr>
-          <p:cNvPr id="178" name="Google Shape;178;p3"/>
+          <p:cNvPr id="50" name="Google Shape;178;p3">
+            <a:extLst>
+              <a:ext uri="{FF2B5EF4-FFF2-40B4-BE49-F238E27FC236}">
+                <a16:creationId xmlns:a16="http://schemas.microsoft.com/office/drawing/2014/main" id="{4AA22CCD-8CE0-0748-92E9-6887203EB895}"/>
+              </a:ext>
+            </a:extLst>
+          </p:cNvPr>
           <p:cNvSpPr/>
           <p:nvPr/>
         </p:nvSpPr>
         <p:spPr>
           <a:xfrm>
-            <a:off x="4652021" y="1986094"/>
-            <a:ext cx="3707353" cy="1022844"/>
+            <a:off x="5002682" y="2002286"/>
+            <a:ext cx="3603350" cy="1022844"/>
           </a:xfrm>
           <a:prstGeom prst="roundRect">
             <a:avLst>
@@ -27105,7 +27010,7 @@
               <a:buNone/>
             </a:pPr>
             <a:r>
-              <a:rPr lang="en-US" sz="1200" dirty="0">
+              <a:rPr lang="en-US" sz="1050" dirty="0">
                 <a:solidFill>
                   <a:srgbClr val="C55A11"/>
                 </a:solidFill>
@@ -27117,7 +27022,7 @@
               <a:t>/</a:t>
             </a:r>
             <a:r>
-              <a:rPr lang="en-US" sz="1200" dirty="0" err="1">
+              <a:rPr lang="en-US" sz="1050" dirty="0" err="1">
                 <a:solidFill>
                   <a:srgbClr val="C55A11"/>
                 </a:solidFill>
@@ -27129,7 +27034,7 @@
               <a:t>etc</a:t>
             </a:r>
             <a:r>
-              <a:rPr lang="en-US" sz="1200" dirty="0">
+              <a:rPr lang="en-US" sz="1050" dirty="0">
                 <a:solidFill>
                   <a:srgbClr val="C55A11"/>
                 </a:solidFill>
@@ -27141,7 +27046,7 @@
               <a:t>/</a:t>
             </a:r>
             <a:r>
-              <a:rPr lang="en-US" sz="1200" dirty="0" err="1">
+              <a:rPr lang="en-US" sz="1050" dirty="0" err="1">
                 <a:solidFill>
                   <a:srgbClr val="C55A11"/>
                 </a:solidFill>
@@ -27152,7 +27057,7 @@
               </a:rPr>
               <a:t>pip.conf</a:t>
             </a:r>
-            <a:endParaRPr sz="1200" dirty="0">
+            <a:endParaRPr sz="1050" dirty="0">
               <a:solidFill>
                 <a:srgbClr val="C55A11"/>
               </a:solidFill>
@@ -27173,7 +27078,7 @@
               <a:buNone/>
             </a:pPr>
             <a:r>
-              <a:rPr lang="en-US" sz="1200" dirty="0">
+              <a:rPr lang="en-US" sz="1050" dirty="0">
                 <a:solidFill>
                   <a:schemeClr val="dk1"/>
                 </a:solidFill>
@@ -27184,7 +27089,7 @@
               </a:rPr>
               <a:t>{</a:t>
             </a:r>
-            <a:endParaRPr sz="1200" dirty="0"/>
+            <a:endParaRPr sz="1050" dirty="0"/>
           </a:p>
           <a:p>
             <a:pPr marL="0" marR="0" lvl="0" indent="0" algn="l" rtl="0">
@@ -27197,7 +27102,7 @@
               <a:buNone/>
             </a:pPr>
             <a:r>
-              <a:rPr lang="en-US" sz="1200" dirty="0">
+              <a:rPr lang="en-US" sz="1050" dirty="0">
                 <a:solidFill>
                   <a:schemeClr val="dk1"/>
                 </a:solidFill>
@@ -27208,7 +27113,7 @@
               </a:rPr>
               <a:t>      [global]</a:t>
             </a:r>
-            <a:endParaRPr sz="1200" dirty="0"/>
+            <a:endParaRPr sz="1050" dirty="0"/>
           </a:p>
           <a:p>
             <a:pPr marL="0" marR="0" lvl="0" indent="0" algn="l" rtl="0">
@@ -27221,7 +27126,7 @@
               <a:buNone/>
             </a:pPr>
             <a:r>
-              <a:rPr lang="en-US" sz="1200" dirty="0">
+              <a:rPr lang="en-US" sz="1050" dirty="0">
                 <a:solidFill>
                   <a:schemeClr val="dk1"/>
                 </a:solidFill>
@@ -27233,7 +27138,7 @@
               <a:t>       index = </a:t>
             </a:r>
             <a:r>
-              <a:rPr lang="en-US" sz="1200" u="sng" dirty="0">
+              <a:rPr lang="en-US" sz="1050" u="sng" dirty="0">
                 <a:solidFill>
                   <a:schemeClr val="dk1"/>
                 </a:solidFill>
@@ -27241,7 +27146,7 @@
                 <a:ea typeface="Calibri"/>
                 <a:cs typeface="Calibri"/>
                 <a:sym typeface="Calibri"/>
-                <a:hlinkClick r:id="rId5">
+                <a:hlinkClick r:id="rId4">
                   <a:extLst>
                     <a:ext uri="{A12FA001-AC4F-418D-AE19-62706E023703}">
                       <ahyp:hlinkClr xmlns:ahyp="http://schemas.microsoft.com/office/drawing/2018/hyperlinkcolor" val="tx"/>
@@ -27249,10 +27154,10 @@
                   </a:extLst>
                 </a:hlinkClick>
               </a:rPr>
-              <a:t>https://pypi.</a:t>
+              <a:t>https://</a:t>
             </a:r>
             <a:r>
-              <a:rPr lang="en-US" sz="1200" b="1" u="sng" dirty="0">
+              <a:rPr lang="en-US" sz="1050" u="sng" dirty="0" err="1">
                 <a:solidFill>
                   <a:schemeClr val="dk1"/>
                 </a:solidFill>
@@ -27260,7 +27165,26 @@
                 <a:ea typeface="Calibri"/>
                 <a:cs typeface="Calibri"/>
                 <a:sym typeface="Calibri"/>
-                <a:hlinkClick r:id="rId5">
+                <a:hlinkClick r:id="rId4">
+                  <a:extLst>
+                    <a:ext uri="{A12FA001-AC4F-418D-AE19-62706E023703}">
+                      <ahyp:hlinkClr xmlns:ahyp="http://schemas.microsoft.com/office/drawing/2018/hyperlinkcolor" val="tx"/>
+                    </a:ext>
+                  </a:extLst>
+                </a:hlinkClick>
+              </a:rPr>
+              <a:t>pypi.</a:t>
+            </a:r>
+            <a:r>
+              <a:rPr lang="en-US" sz="1050" b="1" u="sng" dirty="0" err="1">
+                <a:solidFill>
+                  <a:schemeClr val="dk1"/>
+                </a:solidFill>
+                <a:latin typeface="Calibri"/>
+                <a:ea typeface="Calibri"/>
+                <a:cs typeface="Calibri"/>
+                <a:sym typeface="Calibri"/>
+                <a:hlinkClick r:id="rId4">
                   <a:extLst>
                     <a:ext uri="{A12FA001-AC4F-418D-AE19-62706E023703}">
                       <ahyp:hlinkClr xmlns:ahyp="http://schemas.microsoft.com/office/drawing/2018/hyperlinkcolor" val="tx"/>
@@ -27271,7 +27195,7 @@
               <a:t>python</a:t>
             </a:r>
             <a:r>
-              <a:rPr lang="en-US" sz="1200" u="sng" dirty="0">
+              <a:rPr lang="en-US" sz="1050" u="sng" dirty="0" err="1">
                 <a:solidFill>
                   <a:schemeClr val="dk1"/>
                 </a:solidFill>
@@ -27279,7 +27203,7 @@
                 <a:ea typeface="Calibri"/>
                 <a:cs typeface="Calibri"/>
                 <a:sym typeface="Calibri"/>
-                <a:hlinkClick r:id="rId5">
+                <a:hlinkClick r:id="rId4">
                   <a:extLst>
                     <a:ext uri="{A12FA001-AC4F-418D-AE19-62706E023703}">
                       <ahyp:hlinkClr xmlns:ahyp="http://schemas.microsoft.com/office/drawing/2018/hyperlinkcolor" val="tx"/>
@@ -27287,9 +27211,28 @@
                   </a:extLst>
                 </a:hlinkClick>
               </a:rPr>
-              <a:t>.org/</a:t>
+              <a:t>.org</a:t>
             </a:r>
-            <a:endParaRPr sz="1200" dirty="0">
+            <a:r>
+              <a:rPr lang="en-US" sz="1050" u="sng" dirty="0">
+                <a:solidFill>
+                  <a:schemeClr val="dk1"/>
+                </a:solidFill>
+                <a:latin typeface="Calibri"/>
+                <a:ea typeface="Calibri"/>
+                <a:cs typeface="Calibri"/>
+                <a:sym typeface="Calibri"/>
+                <a:hlinkClick r:id="rId4">
+                  <a:extLst>
+                    <a:ext uri="{A12FA001-AC4F-418D-AE19-62706E023703}">
+                      <ahyp:hlinkClr xmlns:ahyp="http://schemas.microsoft.com/office/drawing/2018/hyperlinkcolor" val="tx"/>
+                    </a:ext>
+                  </a:extLst>
+                </a:hlinkClick>
+              </a:rPr>
+              <a:t>/</a:t>
+            </a:r>
+            <a:endParaRPr sz="1050" dirty="0">
               <a:solidFill>
                 <a:schemeClr val="dk1"/>
               </a:solidFill>
@@ -27310,7 +27253,7 @@
               <a:buNone/>
             </a:pPr>
             <a:r>
-              <a:rPr lang="en-US" sz="1200" dirty="0">
+              <a:rPr lang="en-US" sz="1050" dirty="0">
                 <a:solidFill>
                   <a:schemeClr val="dk1"/>
                 </a:solidFill>
@@ -27321,20 +27264,26 @@
               </a:rPr>
               <a:t>}</a:t>
             </a:r>
-            <a:endParaRPr sz="1200" dirty="0"/>
+            <a:endParaRPr sz="1050" dirty="0"/>
           </a:p>
         </p:txBody>
       </p:sp>
       <p:sp>
         <p:nvSpPr>
-          <p:cNvPr id="179" name="Google Shape;179;p3"/>
+          <p:cNvPr id="51" name="Google Shape;179;p3">
+            <a:extLst>
+              <a:ext uri="{FF2B5EF4-FFF2-40B4-BE49-F238E27FC236}">
+                <a16:creationId xmlns:a16="http://schemas.microsoft.com/office/drawing/2014/main" id="{1E7BC384-0243-DB41-96D5-CC83CFA8BD77}"/>
+              </a:ext>
+            </a:extLst>
+          </p:cNvPr>
           <p:cNvSpPr/>
           <p:nvPr/>
         </p:nvSpPr>
         <p:spPr>
           <a:xfrm>
-            <a:off x="8847244" y="1883518"/>
-            <a:ext cx="3027296" cy="1104876"/>
+            <a:off x="9301857" y="1702916"/>
+            <a:ext cx="2501897" cy="1243484"/>
           </a:xfrm>
           <a:prstGeom prst="roundRect">
             <a:avLst>
@@ -27400,7 +27349,7 @@
               <a:buNone/>
             </a:pPr>
             <a:r>
-              <a:rPr lang="en-US" sz="1200" dirty="0">
+              <a:rPr lang="en-US" sz="1050" dirty="0">
                 <a:solidFill>
                   <a:srgbClr val="C55A11"/>
                 </a:solidFill>
@@ -27412,7 +27361,7 @@
               <a:t>/</a:t>
             </a:r>
             <a:r>
-              <a:rPr lang="en-US" sz="1200" dirty="0" err="1">
+              <a:rPr lang="en-US" sz="1050" dirty="0" err="1">
                 <a:solidFill>
                   <a:srgbClr val="C55A11"/>
                 </a:solidFill>
@@ -27424,7 +27373,7 @@
               <a:t>etc</a:t>
             </a:r>
             <a:r>
-              <a:rPr lang="en-US" sz="1200" dirty="0">
+              <a:rPr lang="en-US" sz="1050" dirty="0">
                 <a:solidFill>
                   <a:srgbClr val="C55A11"/>
                 </a:solidFill>
@@ -27435,7 +27384,7 @@
               </a:rPr>
               <a:t>/pip/constraints</a:t>
             </a:r>
-            <a:endParaRPr sz="1200" dirty="0"/>
+            <a:endParaRPr sz="1050" dirty="0"/>
           </a:p>
           <a:p>
             <a:pPr marL="0" marR="0" lvl="0" indent="0" algn="l" rtl="0">
@@ -27448,7 +27397,7 @@
               <a:buNone/>
             </a:pPr>
             <a:r>
-              <a:rPr lang="en-US" sz="1200" dirty="0">
+              <a:rPr lang="en-US" sz="1050" dirty="0">
                 <a:solidFill>
                   <a:schemeClr val="dk1"/>
                 </a:solidFill>
@@ -27459,7 +27408,7 @@
               </a:rPr>
               <a:t>{</a:t>
             </a:r>
-            <a:endParaRPr sz="1200" dirty="0"/>
+            <a:endParaRPr sz="1050" dirty="0"/>
           </a:p>
           <a:p>
             <a:pPr marL="0" marR="0" lvl="0" indent="0" algn="l" rtl="0">
@@ -27472,7 +27421,31 @@
               <a:buNone/>
             </a:pPr>
             <a:r>
-              <a:rPr lang="en-US" sz="1200" dirty="0">
+              <a:rPr lang="en-US" sz="1050" dirty="0">
+                <a:solidFill>
+                  <a:schemeClr val="dk1"/>
+                </a:solidFill>
+                <a:latin typeface="Calibri"/>
+                <a:ea typeface="Calibri"/>
+                <a:cs typeface="Calibri"/>
+                <a:sym typeface="Calibri"/>
+              </a:rPr>
+              <a:t>      requests==1.2.0 </a:t>
+            </a:r>
+            <a:endParaRPr sz="1050" dirty="0"/>
+          </a:p>
+          <a:p>
+            <a:pPr marL="0" marR="0" lvl="0" indent="0" algn="l" rtl="0">
+              <a:spcBef>
+                <a:spcPts val="0"/>
+              </a:spcBef>
+              <a:spcAft>
+                <a:spcPts val="0"/>
+              </a:spcAft>
+              <a:buNone/>
+            </a:pPr>
+            <a:r>
+              <a:rPr lang="en-US" sz="1050" dirty="0">
                 <a:solidFill>
                   <a:schemeClr val="dk1"/>
                 </a:solidFill>
@@ -27484,79 +27457,7 @@
               <a:t>      </a:t>
             </a:r>
             <a:r>
-              <a:rPr lang="en-US" sz="1200" dirty="0" err="1">
-                <a:solidFill>
-                  <a:schemeClr val="dk1"/>
-                </a:solidFill>
-                <a:latin typeface="Calibri"/>
-                <a:ea typeface="Calibri"/>
-                <a:cs typeface="Calibri"/>
-                <a:sym typeface="Calibri"/>
-              </a:rPr>
-              <a:t>MyPackage</a:t>
-            </a:r>
-            <a:r>
-              <a:rPr lang="en-US" sz="1200" dirty="0">
-                <a:solidFill>
-                  <a:schemeClr val="dk1"/>
-                </a:solidFill>
-                <a:latin typeface="Calibri"/>
-                <a:ea typeface="Calibri"/>
-                <a:cs typeface="Calibri"/>
-                <a:sym typeface="Calibri"/>
-              </a:rPr>
-              <a:t>==1.0</a:t>
-            </a:r>
-            <a:endParaRPr sz="1200" dirty="0"/>
-          </a:p>
-          <a:p>
-            <a:pPr marL="0" marR="0" lvl="0" indent="0" algn="l" rtl="0">
-              <a:spcBef>
-                <a:spcPts val="0"/>
-              </a:spcBef>
-              <a:spcAft>
-                <a:spcPts val="0"/>
-              </a:spcAft>
-              <a:buNone/>
-            </a:pPr>
-            <a:r>
-              <a:rPr lang="en-US" sz="1200" dirty="0">
-                <a:solidFill>
-                  <a:schemeClr val="dk1"/>
-                </a:solidFill>
-                <a:latin typeface="Calibri"/>
-                <a:ea typeface="Calibri"/>
-                <a:cs typeface="Calibri"/>
-                <a:sym typeface="Calibri"/>
-              </a:rPr>
-              <a:t>      requests==1.2.0 </a:t>
-            </a:r>
-            <a:endParaRPr sz="1200" dirty="0"/>
-          </a:p>
-          <a:p>
-            <a:pPr marL="0" marR="0" lvl="0" indent="0" algn="l" rtl="0">
-              <a:spcBef>
-                <a:spcPts val="0"/>
-              </a:spcBef>
-              <a:spcAft>
-                <a:spcPts val="0"/>
-              </a:spcAft>
-              <a:buNone/>
-            </a:pPr>
-            <a:r>
-              <a:rPr lang="en-US" sz="1200" dirty="0">
-                <a:solidFill>
-                  <a:schemeClr val="dk1"/>
-                </a:solidFill>
-                <a:latin typeface="Calibri"/>
-                <a:ea typeface="Calibri"/>
-                <a:cs typeface="Calibri"/>
-                <a:sym typeface="Calibri"/>
-              </a:rPr>
-              <a:t>      </a:t>
-            </a:r>
-            <a:r>
-              <a:rPr lang="en-US" sz="1200" dirty="0" err="1">
+              <a:rPr lang="en-US" sz="1050" dirty="0" err="1">
                 <a:solidFill>
                   <a:schemeClr val="dk1"/>
                 </a:solidFill>
@@ -27568,7 +27469,7 @@
               <a:t>bcrypt</a:t>
             </a:r>
             <a:r>
-              <a:rPr lang="en-US" sz="1200" dirty="0">
+              <a:rPr lang="en-US" sz="1050" dirty="0">
                 <a:solidFill>
                   <a:schemeClr val="dk1"/>
                 </a:solidFill>
@@ -27579,7 +27480,7 @@
               </a:rPr>
               <a:t>==1.0.2</a:t>
             </a:r>
-            <a:endParaRPr sz="1200" dirty="0">
+            <a:endParaRPr sz="1050" dirty="0">
               <a:solidFill>
                 <a:schemeClr val="dk1"/>
               </a:solidFill>
@@ -27600,7 +27501,7 @@
               <a:buNone/>
             </a:pPr>
             <a:r>
-              <a:rPr lang="en-US" sz="1200" dirty="0">
+              <a:rPr lang="en-US" sz="1050" dirty="0">
                 <a:solidFill>
                   <a:schemeClr val="dk1"/>
                 </a:solidFill>
@@ -27611,20 +27512,26 @@
               </a:rPr>
               <a:t>  }</a:t>
             </a:r>
-            <a:endParaRPr sz="1200" dirty="0"/>
+            <a:endParaRPr sz="1050" dirty="0"/>
           </a:p>
         </p:txBody>
       </p:sp>
       <p:sp>
         <p:nvSpPr>
-          <p:cNvPr id="180" name="Google Shape;180;p3"/>
+          <p:cNvPr id="52" name="Google Shape;180;p3">
+            <a:extLst>
+              <a:ext uri="{FF2B5EF4-FFF2-40B4-BE49-F238E27FC236}">
+                <a16:creationId xmlns:a16="http://schemas.microsoft.com/office/drawing/2014/main" id="{7C4A768C-87BC-9C45-A943-2B700D1F2624}"/>
+              </a:ext>
+            </a:extLst>
+          </p:cNvPr>
           <p:cNvSpPr/>
           <p:nvPr/>
         </p:nvSpPr>
         <p:spPr>
           <a:xfrm>
-            <a:off x="1540591" y="910195"/>
-            <a:ext cx="2752718" cy="877165"/>
+            <a:off x="2112516" y="730240"/>
+            <a:ext cx="2068158" cy="964882"/>
           </a:xfrm>
           <a:prstGeom prst="roundRect">
             <a:avLst>
@@ -27690,7 +27597,7 @@
               <a:buNone/>
             </a:pPr>
             <a:r>
-              <a:rPr lang="en-US" sz="1200" dirty="0">
+              <a:rPr lang="en-US" sz="1050" dirty="0">
                 <a:solidFill>
                   <a:srgbClr val="C55A11"/>
                 </a:solidFill>
@@ -27701,7 +27608,7 @@
               </a:rPr>
               <a:t>/hook/scripts/apt-get</a:t>
             </a:r>
-            <a:endParaRPr sz="1200" dirty="0"/>
+            <a:endParaRPr sz="1050" dirty="0"/>
           </a:p>
           <a:p>
             <a:pPr marL="228600" marR="0" lvl="0" indent="-228600" algn="l" rtl="0">
@@ -27719,7 +27626,7 @@
               <a:buAutoNum type="arabicPeriod"/>
             </a:pPr>
             <a:r>
-              <a:rPr lang="en-US" sz="1200" dirty="0">
+              <a:rPr lang="en-US" sz="1050" dirty="0">
                 <a:solidFill>
                   <a:schemeClr val="dk1"/>
                 </a:solidFill>
@@ -27730,7 +27637,7 @@
               </a:rPr>
               <a:t>Check the version with preference </a:t>
             </a:r>
-            <a:endParaRPr sz="1200" dirty="0"/>
+            <a:endParaRPr sz="1050" dirty="0"/>
           </a:p>
           <a:p>
             <a:pPr marL="228600" marR="0" lvl="0" indent="-228600" algn="l" rtl="0">
@@ -27748,7 +27655,7 @@
               <a:buAutoNum type="arabicPeriod"/>
             </a:pPr>
             <a:r>
-              <a:rPr lang="en-US" sz="1200" dirty="0">
+              <a:rPr lang="en-US" sz="1050" dirty="0">
                 <a:solidFill>
                   <a:schemeClr val="dk1"/>
                 </a:solidFill>
@@ -27759,7 +27666,7 @@
               </a:rPr>
               <a:t>Run the original apt-get</a:t>
             </a:r>
-            <a:endParaRPr sz="1200" dirty="0"/>
+            <a:endParaRPr sz="1050" dirty="0"/>
           </a:p>
           <a:p>
             <a:pPr marL="228600" marR="0" lvl="0" indent="-228600" algn="l" rtl="0">
@@ -27777,7 +27684,7 @@
               <a:buAutoNum type="arabicPeriod"/>
             </a:pPr>
             <a:r>
-              <a:rPr lang="en-US" sz="1200" dirty="0" err="1">
+              <a:rPr lang="en-US" sz="1050" dirty="0" err="1">
                 <a:solidFill>
                   <a:schemeClr val="dk1"/>
                 </a:solidFill>
@@ -27789,7 +27696,7 @@
               <a:t>Dpkg</a:t>
             </a:r>
             <a:r>
-              <a:rPr lang="en-US" sz="1200" dirty="0">
+              <a:rPr lang="en-US" sz="1050" dirty="0">
                 <a:solidFill>
                   <a:schemeClr val="dk1"/>
                 </a:solidFill>
@@ -27800,28 +27707,34 @@
               </a:rPr>
               <a:t> query</a:t>
             </a:r>
-            <a:endParaRPr sz="1200" dirty="0"/>
+            <a:endParaRPr sz="1050" dirty="0"/>
           </a:p>
         </p:txBody>
       </p:sp>
       <p:cxnSp>
         <p:nvCxnSpPr>
-          <p:cNvPr id="181" name="Google Shape;181;p3"/>
+          <p:cNvPr id="53" name="Google Shape;181;p3">
+            <a:extLst>
+              <a:ext uri="{FF2B5EF4-FFF2-40B4-BE49-F238E27FC236}">
+                <a16:creationId xmlns:a16="http://schemas.microsoft.com/office/drawing/2014/main" id="{C8E92450-285F-F34D-B982-347B6FC1578A}"/>
+              </a:ext>
+            </a:extLst>
+          </p:cNvPr>
           <p:cNvCxnSpPr>
             <a:cxnSpLocks/>
-            <a:stCxn id="180" idx="0"/>
-            <a:endCxn id="176" idx="0"/>
+            <a:stCxn id="52" idx="0"/>
+            <a:endCxn id="48" idx="0"/>
           </p:cNvCxnSpPr>
           <p:nvPr/>
         </p:nvCxnSpPr>
         <p:spPr>
           <a:xfrm rot="5400000" flipH="1" flipV="1">
-            <a:off x="6452762" y="-2958335"/>
-            <a:ext cx="332719" cy="7404342"/>
+            <a:off x="6658820" y="-3226121"/>
+            <a:ext cx="444137" cy="7468586"/>
           </a:xfrm>
           <a:prstGeom prst="bentConnector3">
             <a:avLst>
-              <a:gd name="adj1" fmla="val 168707"/>
+              <a:gd name="adj1" fmla="val 151471"/>
             </a:avLst>
           </a:prstGeom>
           <a:noFill/>
@@ -27841,22 +27754,28 @@
       </p:cxnSp>
       <p:cxnSp>
         <p:nvCxnSpPr>
-          <p:cNvPr id="182" name="Google Shape;182;p3"/>
+          <p:cNvPr id="54" name="Google Shape;182;p3">
+            <a:extLst>
+              <a:ext uri="{FF2B5EF4-FFF2-40B4-BE49-F238E27FC236}">
+                <a16:creationId xmlns:a16="http://schemas.microsoft.com/office/drawing/2014/main" id="{103CCB38-99DF-664D-BE79-D0D9FF65FBB7}"/>
+              </a:ext>
+            </a:extLst>
+          </p:cNvPr>
           <p:cNvCxnSpPr>
-            <a:stCxn id="180" idx="0"/>
-            <a:endCxn id="174" idx="3"/>
+            <a:cxnSpLocks/>
+            <a:stCxn id="52" idx="1"/>
+            <a:endCxn id="46" idx="3"/>
           </p:cNvCxnSpPr>
           <p:nvPr/>
         </p:nvCxnSpPr>
         <p:spPr>
-          <a:xfrm rot="16200000" flipH="1" flipV="1">
-            <a:off x="1939038" y="64764"/>
-            <a:ext cx="132482" cy="1823343"/>
+          <a:xfrm rot="10800000">
+            <a:off x="1184708" y="1042677"/>
+            <a:ext cx="927808" cy="170005"/>
           </a:xfrm>
-          <a:prstGeom prst="bentConnector4">
+          <a:prstGeom prst="bentConnector3">
             <a:avLst>
-              <a:gd name="adj1" fmla="val -172552"/>
-              <a:gd name="adj2" fmla="val 87743"/>
+              <a:gd name="adj1" fmla="val 50000"/>
             </a:avLst>
           </a:prstGeom>
           <a:noFill/>
@@ -27876,17 +27795,23 @@
       </p:cxnSp>
       <p:cxnSp>
         <p:nvCxnSpPr>
-          <p:cNvPr id="183" name="Google Shape;183;p3"/>
+          <p:cNvPr id="55" name="Google Shape;183;p3">
+            <a:extLst>
+              <a:ext uri="{FF2B5EF4-FFF2-40B4-BE49-F238E27FC236}">
+                <a16:creationId xmlns:a16="http://schemas.microsoft.com/office/drawing/2014/main" id="{3492621A-1199-3243-8F23-1EB3E28326C3}"/>
+              </a:ext>
+            </a:extLst>
+          </p:cNvPr>
           <p:cNvCxnSpPr>
-            <a:stCxn id="180" idx="3"/>
-            <a:endCxn id="175" idx="1"/>
+            <a:cxnSpLocks/>
+            <a:endCxn id="47" idx="1"/>
           </p:cNvCxnSpPr>
           <p:nvPr/>
         </p:nvCxnSpPr>
         <p:spPr>
           <a:xfrm flipV="1">
-            <a:off x="4293309" y="1200809"/>
-            <a:ext cx="358712" cy="147969"/>
+            <a:off x="4113244" y="1306583"/>
+            <a:ext cx="681474" cy="42194"/>
           </a:xfrm>
           <a:prstGeom prst="bentConnector3">
             <a:avLst>
@@ -27910,14 +27835,20 @@
       </p:cxnSp>
       <p:sp>
         <p:nvSpPr>
-          <p:cNvPr id="184" name="Google Shape;184;p3"/>
+          <p:cNvPr id="56" name="Google Shape;184;p3">
+            <a:extLst>
+              <a:ext uri="{FF2B5EF4-FFF2-40B4-BE49-F238E27FC236}">
+                <a16:creationId xmlns:a16="http://schemas.microsoft.com/office/drawing/2014/main" id="{E1736408-71AD-DF40-934B-ACADF0AC8470}"/>
+              </a:ext>
+            </a:extLst>
+          </p:cNvPr>
           <p:cNvSpPr/>
           <p:nvPr/>
         </p:nvSpPr>
         <p:spPr>
           <a:xfrm>
-            <a:off x="1514669" y="2127822"/>
-            <a:ext cx="2752718" cy="877165"/>
+            <a:off x="2112516" y="1937356"/>
+            <a:ext cx="2068158" cy="964882"/>
           </a:xfrm>
           <a:prstGeom prst="roundRect">
             <a:avLst>
@@ -27983,7 +27914,7 @@
               <a:buNone/>
             </a:pPr>
             <a:r>
-              <a:rPr lang="en-US" sz="1200">
+              <a:rPr lang="en-US" sz="1050">
                 <a:solidFill>
                   <a:srgbClr val="C55A11"/>
                 </a:solidFill>
@@ -27994,7 +27925,7 @@
               </a:rPr>
               <a:t>/hook/scripts/pip</a:t>
             </a:r>
-            <a:endParaRPr sz="1200"/>
+            <a:endParaRPr sz="1050"/>
           </a:p>
           <a:p>
             <a:pPr marL="228600" marR="0" lvl="0" indent="-228600" algn="l" rtl="0">
@@ -28012,7 +27943,7 @@
               <a:buAutoNum type="arabicPeriod"/>
             </a:pPr>
             <a:r>
-              <a:rPr lang="en-US" sz="1200">
+              <a:rPr lang="en-US" sz="1050">
                 <a:solidFill>
                   <a:schemeClr val="dk1"/>
                 </a:solidFill>
@@ -28023,7 +27954,7 @@
               </a:rPr>
               <a:t>Check the version with constraint </a:t>
             </a:r>
-            <a:endParaRPr sz="1200"/>
+            <a:endParaRPr sz="1050"/>
           </a:p>
           <a:p>
             <a:pPr marL="228600" marR="0" lvl="0" indent="-228600" algn="l" rtl="0">
@@ -28041,7 +27972,7 @@
               <a:buAutoNum type="arabicPeriod"/>
             </a:pPr>
             <a:r>
-              <a:rPr lang="en-US" sz="1200">
+              <a:rPr lang="en-US" sz="1050">
                 <a:solidFill>
                   <a:schemeClr val="dk1"/>
                 </a:solidFill>
@@ -28052,7 +27983,7 @@
               </a:rPr>
               <a:t>Run the original pip</a:t>
             </a:r>
-            <a:endParaRPr sz="1200"/>
+            <a:endParaRPr sz="1050"/>
           </a:p>
           <a:p>
             <a:pPr marL="228600" marR="0" lvl="0" indent="-228600" algn="l" rtl="0">
@@ -28070,7 +28001,7 @@
               <a:buAutoNum type="arabicPeriod"/>
             </a:pPr>
             <a:r>
-              <a:rPr lang="en-US" sz="1200">
+              <a:rPr lang="en-US" sz="1050">
                 <a:solidFill>
                   <a:schemeClr val="dk1"/>
                 </a:solidFill>
@@ -28081,28 +28012,34 @@
               </a:rPr>
               <a:t>Pip freeze</a:t>
             </a:r>
-            <a:endParaRPr sz="1200"/>
+            <a:endParaRPr sz="1050"/>
           </a:p>
         </p:txBody>
       </p:sp>
       <p:cxnSp>
         <p:nvCxnSpPr>
-          <p:cNvPr id="185" name="Google Shape;185;p3"/>
+          <p:cNvPr id="57" name="Google Shape;185;p3">
+            <a:extLst>
+              <a:ext uri="{FF2B5EF4-FFF2-40B4-BE49-F238E27FC236}">
+                <a16:creationId xmlns:a16="http://schemas.microsoft.com/office/drawing/2014/main" id="{7E817EA7-4D2D-504E-A1DF-214292E1FE11}"/>
+              </a:ext>
+            </a:extLst>
+          </p:cNvPr>
           <p:cNvCxnSpPr>
-            <a:stCxn id="184" idx="0"/>
-            <a:endCxn id="177" idx="3"/>
+            <a:cxnSpLocks/>
+            <a:stCxn id="56" idx="1"/>
+            <a:endCxn id="49" idx="3"/>
           </p:cNvCxnSpPr>
           <p:nvPr/>
         </p:nvCxnSpPr>
         <p:spPr>
-          <a:xfrm rot="16200000" flipH="1" flipV="1">
-            <a:off x="1885820" y="1335609"/>
-            <a:ext cx="212996" cy="1797421"/>
+          <a:xfrm rot="10800000">
+            <a:off x="1184708" y="2340817"/>
+            <a:ext cx="927808" cy="78980"/>
           </a:xfrm>
-          <a:prstGeom prst="bentConnector4">
+          <a:prstGeom prst="bentConnector3">
             <a:avLst>
-              <a:gd name="adj1" fmla="val -107326"/>
-              <a:gd name="adj2" fmla="val 88287"/>
+              <a:gd name="adj1" fmla="val 50000"/>
             </a:avLst>
           </a:prstGeom>
           <a:noFill/>
@@ -28122,22 +28059,28 @@
       </p:cxnSp>
       <p:cxnSp>
         <p:nvCxnSpPr>
-          <p:cNvPr id="186" name="Google Shape;186;p3"/>
+          <p:cNvPr id="58" name="Google Shape;186;p3">
+            <a:extLst>
+              <a:ext uri="{FF2B5EF4-FFF2-40B4-BE49-F238E27FC236}">
+                <a16:creationId xmlns:a16="http://schemas.microsoft.com/office/drawing/2014/main" id="{21F00AAF-6BE9-8F4E-8464-40CC82A403F6}"/>
+              </a:ext>
+            </a:extLst>
+          </p:cNvPr>
           <p:cNvCxnSpPr>
             <a:cxnSpLocks/>
-            <a:stCxn id="184" idx="0"/>
-            <a:endCxn id="179" idx="0"/>
+            <a:stCxn id="56" idx="0"/>
+            <a:endCxn id="51" idx="0"/>
           </p:cNvCxnSpPr>
           <p:nvPr/>
         </p:nvCxnSpPr>
         <p:spPr>
           <a:xfrm rot="5400000" flipH="1" flipV="1">
-            <a:off x="6503808" y="-1729262"/>
-            <a:ext cx="244304" cy="7469864"/>
+            <a:off x="6732480" y="-1882969"/>
+            <a:ext cx="234440" cy="7406211"/>
           </a:xfrm>
           <a:prstGeom prst="bentConnector3">
             <a:avLst>
-              <a:gd name="adj1" fmla="val 193572"/>
+              <a:gd name="adj1" fmla="val 197509"/>
             </a:avLst>
           </a:prstGeom>
           <a:noFill/>
@@ -28157,14 +28100,20 @@
       </p:cxnSp>
       <p:sp>
         <p:nvSpPr>
-          <p:cNvPr id="187" name="Google Shape;187;p3"/>
+          <p:cNvPr id="59" name="Google Shape;187;p3">
+            <a:extLst>
+              <a:ext uri="{FF2B5EF4-FFF2-40B4-BE49-F238E27FC236}">
+                <a16:creationId xmlns:a16="http://schemas.microsoft.com/office/drawing/2014/main" id="{289AECF2-6B3B-224D-9A3E-1F2F0763CA3C}"/>
+              </a:ext>
+            </a:extLst>
+          </p:cNvPr>
           <p:cNvSpPr/>
           <p:nvPr/>
         </p:nvSpPr>
         <p:spPr>
           <a:xfrm>
-            <a:off x="63643" y="3368682"/>
-            <a:ext cx="994752" cy="418985"/>
+            <a:off x="161376" y="3405040"/>
+            <a:ext cx="994752" cy="346268"/>
           </a:xfrm>
           <a:prstGeom prst="roundRect">
             <a:avLst>
@@ -28230,7 +28179,7 @@
               <a:buNone/>
             </a:pPr>
             <a:r>
-              <a:rPr lang="en-US" sz="1200">
+              <a:rPr lang="en-US" sz="1050">
                 <a:solidFill>
                   <a:schemeClr val="dk1"/>
                 </a:solidFill>
@@ -28241,20 +28190,26 @@
               </a:rPr>
               <a:t>wget/curl</a:t>
             </a:r>
-            <a:endParaRPr sz="1200"/>
+            <a:endParaRPr sz="1050"/>
           </a:p>
         </p:txBody>
       </p:sp>
       <p:sp>
         <p:nvSpPr>
-          <p:cNvPr id="188" name="Google Shape;188;p3"/>
+          <p:cNvPr id="60" name="Google Shape;188;p3">
+            <a:extLst>
+              <a:ext uri="{FF2B5EF4-FFF2-40B4-BE49-F238E27FC236}">
+                <a16:creationId xmlns:a16="http://schemas.microsoft.com/office/drawing/2014/main" id="{AABF1C5C-91C3-9D4F-B1B6-D7FE2E823FA8}"/>
+              </a:ext>
+            </a:extLst>
+          </p:cNvPr>
           <p:cNvSpPr/>
           <p:nvPr/>
         </p:nvSpPr>
         <p:spPr>
           <a:xfrm>
-            <a:off x="1514669" y="3116768"/>
-            <a:ext cx="2752718" cy="877165"/>
+            <a:off x="2112516" y="3252120"/>
+            <a:ext cx="2068158" cy="964882"/>
           </a:xfrm>
           <a:prstGeom prst="roundRect">
             <a:avLst>
@@ -28320,7 +28275,7 @@
               <a:buNone/>
             </a:pPr>
             <a:r>
-              <a:rPr lang="en-US" sz="1200">
+              <a:rPr lang="en-US" sz="1050">
                 <a:solidFill>
                   <a:srgbClr val="C55A11"/>
                 </a:solidFill>
@@ -28331,7 +28286,7 @@
               </a:rPr>
               <a:t>/hook/scripts/wget-curl</a:t>
             </a:r>
-            <a:endParaRPr sz="1200"/>
+            <a:endParaRPr sz="1050"/>
           </a:p>
           <a:p>
             <a:pPr marL="228600" marR="0" lvl="0" indent="-228600" algn="l" rtl="0">
@@ -28349,7 +28304,7 @@
               <a:buAutoNum type="arabicPeriod"/>
             </a:pPr>
             <a:r>
-              <a:rPr lang="en-US" sz="1200">
+              <a:rPr lang="en-US" sz="1050">
                 <a:solidFill>
                   <a:schemeClr val="dk1"/>
                 </a:solidFill>
@@ -28360,7 +28315,7 @@
               </a:rPr>
               <a:t>Check the version with local repo </a:t>
             </a:r>
-            <a:endParaRPr sz="1200"/>
+            <a:endParaRPr sz="1050"/>
           </a:p>
           <a:p>
             <a:pPr marL="228600" marR="0" lvl="0" indent="-228600" algn="l" rtl="0">
@@ -28378,7 +28333,7 @@
               <a:buAutoNum type="arabicPeriod"/>
             </a:pPr>
             <a:r>
-              <a:rPr lang="en-US" sz="1200">
+              <a:rPr lang="en-US" sz="1050">
                 <a:solidFill>
                   <a:schemeClr val="dk1"/>
                 </a:solidFill>
@@ -28389,20 +28344,26 @@
               </a:rPr>
               <a:t>Run the original wget/curl</a:t>
             </a:r>
-            <a:endParaRPr sz="1200"/>
+            <a:endParaRPr sz="1050"/>
           </a:p>
         </p:txBody>
       </p:sp>
       <p:sp>
         <p:nvSpPr>
-          <p:cNvPr id="189" name="Google Shape;189;p3"/>
+          <p:cNvPr id="61" name="Google Shape;189;p3">
+            <a:extLst>
+              <a:ext uri="{FF2B5EF4-FFF2-40B4-BE49-F238E27FC236}">
+                <a16:creationId xmlns:a16="http://schemas.microsoft.com/office/drawing/2014/main" id="{812FE69A-0A9F-554A-857A-E6E552F5A585}"/>
+              </a:ext>
+            </a:extLst>
+          </p:cNvPr>
           <p:cNvSpPr/>
           <p:nvPr/>
         </p:nvSpPr>
         <p:spPr>
           <a:xfrm>
-            <a:off x="8847244" y="3192231"/>
-            <a:ext cx="3027296" cy="1034591"/>
+            <a:off x="9230898" y="3252249"/>
+            <a:ext cx="2752087" cy="1151565"/>
           </a:xfrm>
           <a:prstGeom prst="roundRect">
             <a:avLst>
@@ -28468,7 +28429,7 @@
               <a:buNone/>
             </a:pPr>
             <a:r>
-              <a:rPr lang="en-US" sz="1200">
+              <a:rPr lang="en-US" sz="1050" dirty="0">
                 <a:solidFill>
                   <a:srgbClr val="C55A11"/>
                 </a:solidFill>
@@ -28477,9 +28438,33 @@
                 <a:cs typeface="Calibri"/>
                 <a:sym typeface="Calibri"/>
               </a:rPr>
-              <a:t>/etc/version-web</a:t>
+              <a:t>/</a:t>
             </a:r>
-            <a:endParaRPr sz="1200"/>
+            <a:r>
+              <a:rPr lang="en-US" sz="1050" dirty="0" err="1">
+                <a:solidFill>
+                  <a:srgbClr val="C55A11"/>
+                </a:solidFill>
+                <a:latin typeface="Calibri"/>
+                <a:ea typeface="Calibri"/>
+                <a:cs typeface="Calibri"/>
+                <a:sym typeface="Calibri"/>
+              </a:rPr>
+              <a:t>etc</a:t>
+            </a:r>
+            <a:r>
+              <a:rPr lang="en-US" sz="1050" dirty="0">
+                <a:solidFill>
+                  <a:srgbClr val="C55A11"/>
+                </a:solidFill>
+                <a:latin typeface="Calibri"/>
+                <a:ea typeface="Calibri"/>
+                <a:cs typeface="Calibri"/>
+                <a:sym typeface="Calibri"/>
+              </a:rPr>
+              <a:t>/version-web</a:t>
+            </a:r>
+            <a:endParaRPr sz="1050" dirty="0"/>
           </a:p>
           <a:p>
             <a:pPr marL="0" marR="0" lvl="0" indent="0" algn="l" rtl="0">
@@ -28492,7 +28477,7 @@
               <a:buNone/>
             </a:pPr>
             <a:r>
-              <a:rPr lang="en-US" sz="1200">
+              <a:rPr lang="en-US" sz="1050" dirty="0">
                 <a:solidFill>
                   <a:schemeClr val="dk1"/>
                 </a:solidFill>
@@ -28501,9 +28486,8 @@
                 <a:cs typeface="Calibri"/>
                 <a:sym typeface="Calibri"/>
               </a:rPr>
-              <a:t>{</a:t>
+              <a:t>{  </a:t>
             </a:r>
-            <a:endParaRPr sz="1200"/>
           </a:p>
           <a:p>
             <a:pPr marL="0" marR="0" lvl="0" indent="0" algn="l" rtl="0">
@@ -28516,7 +28500,7 @@
               <a:buNone/>
             </a:pPr>
             <a:r>
-              <a:rPr lang="en-US" sz="1200">
+              <a:rPr lang="en-US" sz="1050" dirty="0">
                 <a:solidFill>
                   <a:schemeClr val="dk1"/>
                 </a:solidFill>
@@ -28525,9 +28509,9 @@
                 <a:cs typeface="Calibri"/>
                 <a:sym typeface="Calibri"/>
               </a:rPr>
-              <a:t>      MyPackage==e9fe7e88e89d5323799</a:t>
+              <a:t>requests==2aa5fda5a12806c222</a:t>
             </a:r>
-            <a:endParaRPr sz="1200"/>
+            <a:endParaRPr sz="1050" dirty="0"/>
           </a:p>
           <a:p>
             <a:pPr marL="0" marR="0" lvl="0" indent="0" algn="l" rtl="0">
@@ -28540,7 +28524,7 @@
               <a:buNone/>
             </a:pPr>
             <a:r>
-              <a:rPr lang="en-US" sz="1200">
+              <a:rPr lang="en-US" sz="1050" dirty="0" err="1">
                 <a:solidFill>
                   <a:schemeClr val="dk1"/>
                 </a:solidFill>
@@ -28549,22 +28533,10 @@
                 <a:cs typeface="Calibri"/>
                 <a:sym typeface="Calibri"/>
               </a:rPr>
-              <a:t>      requests==2aa5fda5a12806c222</a:t>
+              <a:t>bcrypt</a:t>
             </a:r>
-            <a:endParaRPr sz="1200"/>
-          </a:p>
-          <a:p>
-            <a:pPr marL="0" marR="0" lvl="0" indent="0" algn="l" rtl="0">
-              <a:spcBef>
-                <a:spcPts val="0"/>
-              </a:spcBef>
-              <a:spcAft>
-                <a:spcPts val="0"/>
-              </a:spcAft>
-              <a:buNone/>
-            </a:pPr>
             <a:r>
-              <a:rPr lang="en-US" sz="1200">
+              <a:rPr lang="en-US" sz="1050" dirty="0">
                 <a:solidFill>
                   <a:schemeClr val="dk1"/>
                 </a:solidFill>
@@ -28573,9 +28545,9 @@
                 <a:cs typeface="Calibri"/>
                 <a:sym typeface="Calibri"/>
               </a:rPr>
-              <a:t>      bcrypt==b8f9458194dae772a</a:t>
+              <a:t>==b8f9458194dae772a</a:t>
             </a:r>
-            <a:endParaRPr sz="1200">
+            <a:endParaRPr sz="1050" dirty="0">
               <a:solidFill>
                 <a:schemeClr val="dk1"/>
               </a:solidFill>
@@ -28596,7 +28568,7 @@
               <a:buNone/>
             </a:pPr>
             <a:r>
-              <a:rPr lang="en-US" sz="1200">
+              <a:rPr lang="en-US" sz="1050" dirty="0">
                 <a:solidFill>
                   <a:schemeClr val="dk1"/>
                 </a:solidFill>
@@ -28607,20 +28579,26 @@
               </a:rPr>
               <a:t>}</a:t>
             </a:r>
-            <a:endParaRPr sz="1200"/>
+            <a:endParaRPr sz="1050" dirty="0"/>
           </a:p>
         </p:txBody>
       </p:sp>
       <p:sp>
         <p:nvSpPr>
-          <p:cNvPr id="190" name="Google Shape;190;p3"/>
+          <p:cNvPr id="62" name="Google Shape;190;p3">
+            <a:extLst>
+              <a:ext uri="{FF2B5EF4-FFF2-40B4-BE49-F238E27FC236}">
+                <a16:creationId xmlns:a16="http://schemas.microsoft.com/office/drawing/2014/main" id="{D062FB78-917C-A947-B0A3-B09696CD776F}"/>
+              </a:ext>
+            </a:extLst>
+          </p:cNvPr>
           <p:cNvSpPr/>
           <p:nvPr/>
         </p:nvSpPr>
         <p:spPr>
           <a:xfrm>
-            <a:off x="5793037" y="3735880"/>
-            <a:ext cx="2473151" cy="443428"/>
+            <a:off x="6116590" y="3790552"/>
+            <a:ext cx="1858115" cy="366469"/>
           </a:xfrm>
           <a:prstGeom prst="roundRect">
             <a:avLst>
@@ -28686,7 +28664,7 @@
               <a:buNone/>
             </a:pPr>
             <a:r>
-              <a:rPr lang="en-US" sz="1200">
+              <a:rPr lang="en-US" sz="1050" dirty="0">
                 <a:solidFill>
                   <a:schemeClr val="dk1"/>
                 </a:solidFill>
@@ -28697,20 +28675,26 @@
               </a:rPr>
               <a:t>Actual WEB</a:t>
             </a:r>
-            <a:endParaRPr sz="1200"/>
+            <a:endParaRPr sz="1050" dirty="0"/>
           </a:p>
         </p:txBody>
       </p:sp>
       <p:sp>
         <p:nvSpPr>
-          <p:cNvPr id="191" name="Google Shape;191;p3"/>
+          <p:cNvPr id="63" name="Google Shape;191;p3">
+            <a:extLst>
+              <a:ext uri="{FF2B5EF4-FFF2-40B4-BE49-F238E27FC236}">
+                <a16:creationId xmlns:a16="http://schemas.microsoft.com/office/drawing/2014/main" id="{DE42FC69-3E91-A849-B5CB-D1349E71B1EA}"/>
+              </a:ext>
+            </a:extLst>
+          </p:cNvPr>
           <p:cNvSpPr/>
           <p:nvPr/>
         </p:nvSpPr>
         <p:spPr>
           <a:xfrm>
-            <a:off x="5790973" y="3320949"/>
-            <a:ext cx="2496931" cy="413613"/>
+            <a:off x="6132473" y="3373033"/>
+            <a:ext cx="1875981" cy="341829"/>
           </a:xfrm>
           <a:prstGeom prst="roundRect">
             <a:avLst>
@@ -28776,7 +28760,7 @@
               <a:buNone/>
             </a:pPr>
             <a:r>
-              <a:rPr lang="en-US" sz="1200" b="1">
+              <a:rPr lang="en-US" sz="1050" b="1">
                 <a:solidFill>
                   <a:schemeClr val="dk1"/>
                 </a:solidFill>
@@ -28787,27 +28771,34 @@
               </a:rPr>
               <a:t>Microsoft File Storage</a:t>
             </a:r>
-            <a:endParaRPr sz="1200"/>
+            <a:endParaRPr sz="1050"/>
           </a:p>
         </p:txBody>
       </p:sp>
       <p:cxnSp>
         <p:nvCxnSpPr>
-          <p:cNvPr id="192" name="Google Shape;192;p3"/>
+          <p:cNvPr id="64" name="Google Shape;192;p3">
+            <a:extLst>
+              <a:ext uri="{FF2B5EF4-FFF2-40B4-BE49-F238E27FC236}">
+                <a16:creationId xmlns:a16="http://schemas.microsoft.com/office/drawing/2014/main" id="{E09DD343-41B6-4649-A7D8-0986345A9314}"/>
+              </a:ext>
+            </a:extLst>
+          </p:cNvPr>
           <p:cNvCxnSpPr>
-            <a:stCxn id="188" idx="0"/>
-            <a:endCxn id="189" idx="0"/>
+            <a:cxnSpLocks/>
+            <a:stCxn id="60" idx="0"/>
+            <a:endCxn id="61" idx="0"/>
           </p:cNvCxnSpPr>
           <p:nvPr/>
         </p:nvCxnSpPr>
         <p:spPr>
           <a:xfrm rot="16200000" flipH="1">
-            <a:off x="6588228" y="-580433"/>
-            <a:ext cx="75463" cy="7469864"/>
+            <a:off x="6876703" y="-477989"/>
+            <a:ext cx="129" cy="7460347"/>
           </a:xfrm>
           <a:prstGeom prst="bentConnector3">
             <a:avLst>
-              <a:gd name="adj1" fmla="val -302930"/>
+              <a:gd name="adj1" fmla="val -177209302"/>
             </a:avLst>
           </a:prstGeom>
           <a:noFill/>
@@ -28827,17 +28818,24 @@
       </p:cxnSp>
       <p:cxnSp>
         <p:nvCxnSpPr>
-          <p:cNvPr id="193" name="Google Shape;193;p3"/>
+          <p:cNvPr id="65" name="Google Shape;193;p3">
+            <a:extLst>
+              <a:ext uri="{FF2B5EF4-FFF2-40B4-BE49-F238E27FC236}">
+                <a16:creationId xmlns:a16="http://schemas.microsoft.com/office/drawing/2014/main" id="{55AF28B8-D086-3C43-A8AD-82C8AFCAB352}"/>
+              </a:ext>
+            </a:extLst>
+          </p:cNvPr>
           <p:cNvCxnSpPr>
-            <a:stCxn id="188" idx="3"/>
-            <a:endCxn id="191" idx="1"/>
+            <a:cxnSpLocks/>
+            <a:stCxn id="60" idx="3"/>
+            <a:endCxn id="63" idx="1"/>
           </p:cNvCxnSpPr>
           <p:nvPr/>
         </p:nvCxnSpPr>
         <p:spPr>
           <a:xfrm flipV="1">
-            <a:off x="4267387" y="3527756"/>
-            <a:ext cx="1523586" cy="27595"/>
+            <a:off x="4180674" y="3543948"/>
+            <a:ext cx="1951799" cy="190613"/>
           </a:xfrm>
           <a:prstGeom prst="bentConnector3">
             <a:avLst>
@@ -28861,17 +28859,24 @@
       </p:cxnSp>
       <p:cxnSp>
         <p:nvCxnSpPr>
-          <p:cNvPr id="194" name="Google Shape;194;p3"/>
+          <p:cNvPr id="66" name="Google Shape;194;p3">
+            <a:extLst>
+              <a:ext uri="{FF2B5EF4-FFF2-40B4-BE49-F238E27FC236}">
+                <a16:creationId xmlns:a16="http://schemas.microsoft.com/office/drawing/2014/main" id="{BBC1D55D-E790-3840-B835-0745C4862AD8}"/>
+              </a:ext>
+            </a:extLst>
+          </p:cNvPr>
           <p:cNvCxnSpPr>
-            <a:stCxn id="188" idx="3"/>
-            <a:endCxn id="190" idx="1"/>
+            <a:cxnSpLocks/>
+            <a:stCxn id="60" idx="3"/>
+            <a:endCxn id="62" idx="1"/>
           </p:cNvCxnSpPr>
           <p:nvPr/>
         </p:nvCxnSpPr>
         <p:spPr>
           <a:xfrm>
-            <a:off x="4267387" y="3555351"/>
-            <a:ext cx="1525650" cy="402243"/>
+            <a:off x="4180674" y="3734561"/>
+            <a:ext cx="1935916" cy="239226"/>
           </a:xfrm>
           <a:prstGeom prst="bentConnector3">
             <a:avLst>
@@ -28895,14 +28900,20 @@
       </p:cxnSp>
       <p:sp>
         <p:nvSpPr>
-          <p:cNvPr id="195" name="Google Shape;195;p3"/>
+          <p:cNvPr id="67" name="Google Shape;195;p3">
+            <a:extLst>
+              <a:ext uri="{FF2B5EF4-FFF2-40B4-BE49-F238E27FC236}">
+                <a16:creationId xmlns:a16="http://schemas.microsoft.com/office/drawing/2014/main" id="{51E99659-3C00-C34B-A941-6A3D99AE3232}"/>
+              </a:ext>
+            </a:extLst>
+          </p:cNvPr>
           <p:cNvSpPr/>
           <p:nvPr/>
         </p:nvSpPr>
         <p:spPr>
           <a:xfrm>
-            <a:off x="70275" y="5086526"/>
-            <a:ext cx="1023332" cy="418985"/>
+            <a:off x="161376" y="5122884"/>
+            <a:ext cx="1023332" cy="346268"/>
           </a:xfrm>
           <a:prstGeom prst="roundRect">
             <a:avLst>
@@ -28970,7 +28981,7 @@
               <a:buNone/>
             </a:pPr>
             <a:r>
-              <a:rPr lang="en-US" sz="1200" dirty="0">
+              <a:rPr lang="en-US" sz="1050" dirty="0">
                 <a:solidFill>
                   <a:schemeClr val="dk1"/>
                 </a:solidFill>
@@ -28981,20 +28992,26 @@
               </a:rPr>
               <a:t>git</a:t>
             </a:r>
-            <a:endParaRPr sz="1200" dirty="0"/>
+            <a:endParaRPr sz="1050" dirty="0"/>
           </a:p>
         </p:txBody>
       </p:sp>
       <p:sp>
         <p:nvSpPr>
-          <p:cNvPr id="196" name="Google Shape;196;p3"/>
+          <p:cNvPr id="68" name="Google Shape;196;p3">
+            <a:extLst>
+              <a:ext uri="{FF2B5EF4-FFF2-40B4-BE49-F238E27FC236}">
+                <a16:creationId xmlns:a16="http://schemas.microsoft.com/office/drawing/2014/main" id="{5D29BFE6-623E-1647-A049-A44F8025619C}"/>
+              </a:ext>
+            </a:extLst>
+          </p:cNvPr>
           <p:cNvSpPr/>
           <p:nvPr/>
         </p:nvSpPr>
         <p:spPr>
           <a:xfrm>
-            <a:off x="63643" y="4318481"/>
-            <a:ext cx="994752" cy="418985"/>
+            <a:off x="161376" y="4354839"/>
+            <a:ext cx="994752" cy="346268"/>
           </a:xfrm>
           <a:prstGeom prst="roundRect">
             <a:avLst>
@@ -29062,7 +29079,7 @@
               <a:buNone/>
             </a:pPr>
             <a:r>
-              <a:rPr lang="en-US" sz="1200">
+              <a:rPr lang="en-US" sz="1050">
                 <a:solidFill>
                   <a:schemeClr val="dk1"/>
                 </a:solidFill>
@@ -29073,28 +29090,34 @@
               </a:rPr>
               <a:t>docker pull</a:t>
             </a:r>
-            <a:endParaRPr sz="1200"/>
+            <a:endParaRPr sz="1050"/>
           </a:p>
         </p:txBody>
       </p:sp>
       <p:cxnSp>
         <p:nvCxnSpPr>
-          <p:cNvPr id="197" name="Google Shape;197;p3"/>
+          <p:cNvPr id="69" name="Google Shape;197;p3">
+            <a:extLst>
+              <a:ext uri="{FF2B5EF4-FFF2-40B4-BE49-F238E27FC236}">
+                <a16:creationId xmlns:a16="http://schemas.microsoft.com/office/drawing/2014/main" id="{B2DC731D-989C-EC48-B296-CBBA4DE5D492}"/>
+              </a:ext>
+            </a:extLst>
+          </p:cNvPr>
           <p:cNvCxnSpPr>
-            <a:stCxn id="187" idx="0"/>
-            <a:endCxn id="188" idx="1"/>
+            <a:cxnSpLocks/>
+            <a:stCxn id="59" idx="3"/>
+            <a:endCxn id="60" idx="1"/>
           </p:cNvCxnSpPr>
           <p:nvPr/>
         </p:nvCxnSpPr>
         <p:spPr>
-          <a:xfrm rot="16200000" flipH="1">
-            <a:off x="944509" y="2985191"/>
-            <a:ext cx="186669" cy="953650"/>
+          <a:xfrm>
+            <a:off x="1156128" y="3578174"/>
+            <a:ext cx="956388" cy="156387"/>
           </a:xfrm>
-          <a:prstGeom prst="bentConnector4">
+          <a:prstGeom prst="bentConnector3">
             <a:avLst>
-              <a:gd name="adj1" fmla="val -122463"/>
-              <a:gd name="adj2" fmla="val 76077"/>
+              <a:gd name="adj1" fmla="val 50000"/>
             </a:avLst>
           </a:prstGeom>
           <a:noFill/>
@@ -29114,14 +29137,20 @@
       </p:cxnSp>
       <p:sp>
         <p:nvSpPr>
-          <p:cNvPr id="198" name="Google Shape;198;p3"/>
+          <p:cNvPr id="70" name="Google Shape;198;p3">
+            <a:extLst>
+              <a:ext uri="{FF2B5EF4-FFF2-40B4-BE49-F238E27FC236}">
+                <a16:creationId xmlns:a16="http://schemas.microsoft.com/office/drawing/2014/main" id="{D9466F19-5D57-2D45-9AF2-755A50322381}"/>
+              </a:ext>
+            </a:extLst>
+          </p:cNvPr>
           <p:cNvSpPr/>
           <p:nvPr/>
         </p:nvSpPr>
         <p:spPr>
           <a:xfrm>
-            <a:off x="1401912" y="4374807"/>
-            <a:ext cx="1686170" cy="572837"/>
+            <a:off x="2063579" y="4530157"/>
+            <a:ext cx="1532883" cy="473419"/>
           </a:xfrm>
           <a:prstGeom prst="roundRect">
             <a:avLst>
@@ -29189,7 +29218,7 @@
               <a:buNone/>
             </a:pPr>
             <a:r>
-              <a:rPr lang="en-US" sz="1200">
+              <a:rPr lang="en-US" sz="1050" dirty="0">
                 <a:solidFill>
                   <a:srgbClr val="C55A11"/>
                 </a:solidFill>
@@ -29200,7 +29229,7 @@
               </a:rPr>
               <a:t>Dockerfile.j2</a:t>
             </a:r>
-            <a:endParaRPr sz="1200">
+            <a:endParaRPr sz="1050" dirty="0">
               <a:solidFill>
                 <a:schemeClr val="dk1"/>
               </a:solidFill>
@@ -29221,7 +29250,7 @@
               <a:buNone/>
             </a:pPr>
             <a:r>
-              <a:rPr lang="en-US" sz="1200">
+              <a:rPr lang="en-US" sz="1050" dirty="0">
                 <a:solidFill>
                   <a:schemeClr val="dk1"/>
                 </a:solidFill>
@@ -29230,9 +29259,21 @@
                 <a:cs typeface="Calibri"/>
                 <a:sym typeface="Calibri"/>
               </a:rPr>
-              <a:t>FROM debian:buster</a:t>
+              <a:t>FROM </a:t>
             </a:r>
-            <a:endParaRPr sz="1200">
+            <a:r>
+              <a:rPr lang="en-US" sz="1050" dirty="0" err="1">
+                <a:solidFill>
+                  <a:schemeClr val="dk1"/>
+                </a:solidFill>
+                <a:latin typeface="Calibri"/>
+                <a:ea typeface="Calibri"/>
+                <a:cs typeface="Calibri"/>
+                <a:sym typeface="Calibri"/>
+              </a:rPr>
+              <a:t>debian:buster</a:t>
+            </a:r>
+            <a:endParaRPr sz="1050" dirty="0">
               <a:solidFill>
                 <a:schemeClr val="dk1"/>
               </a:solidFill>
@@ -29246,14 +29287,20 @@
       </p:sp>
       <p:sp>
         <p:nvSpPr>
-          <p:cNvPr id="199" name="Google Shape;199;p3"/>
+          <p:cNvPr id="71" name="Google Shape;199;p3">
+            <a:extLst>
+              <a:ext uri="{FF2B5EF4-FFF2-40B4-BE49-F238E27FC236}">
+                <a16:creationId xmlns:a16="http://schemas.microsoft.com/office/drawing/2014/main" id="{23C95C52-BC16-F34A-879F-583D2D834CBA}"/>
+              </a:ext>
+            </a:extLst>
+          </p:cNvPr>
           <p:cNvSpPr/>
           <p:nvPr/>
         </p:nvSpPr>
         <p:spPr>
           <a:xfrm>
-            <a:off x="3425910" y="4391391"/>
-            <a:ext cx="2019515" cy="443428"/>
+            <a:off x="4283548" y="4490813"/>
+            <a:ext cx="1130992" cy="366469"/>
           </a:xfrm>
           <a:prstGeom prst="roundRect">
             <a:avLst>
@@ -29312,7 +29359,7 @@
           <a:lstStyle/>
           <a:p>
             <a:r>
-              <a:rPr lang="en-US" sz="1200" dirty="0">
+              <a:rPr lang="en-US" sz="1050" dirty="0">
                 <a:solidFill>
                   <a:srgbClr val="C55A11"/>
                 </a:solidFill>
@@ -29323,7 +29370,7 @@
               <a:t>J2 Dockerfile.j2 &gt; </a:t>
             </a:r>
             <a:r>
-              <a:rPr lang="en-US" sz="1200" dirty="0" err="1">
+              <a:rPr lang="en-US" sz="1050" dirty="0" err="1">
                 <a:solidFill>
                   <a:srgbClr val="C55A11"/>
                 </a:solidFill>
@@ -29333,7 +29380,7 @@
               </a:rPr>
               <a:t>Dockerfile</a:t>
             </a:r>
-            <a:endParaRPr sz="1200" dirty="0">
+            <a:endParaRPr sz="1050" dirty="0">
               <a:solidFill>
                 <a:srgbClr val="C55A11"/>
               </a:solidFill>
@@ -29346,14 +29393,20 @@
       </p:sp>
       <p:sp>
         <p:nvSpPr>
-          <p:cNvPr id="200" name="Google Shape;200;p3"/>
+          <p:cNvPr id="72" name="Google Shape;200;p3">
+            <a:extLst>
+              <a:ext uri="{FF2B5EF4-FFF2-40B4-BE49-F238E27FC236}">
+                <a16:creationId xmlns:a16="http://schemas.microsoft.com/office/drawing/2014/main" id="{7CF68114-5E0F-4A43-8704-6F9F7FA44966}"/>
+              </a:ext>
+            </a:extLst>
+          </p:cNvPr>
           <p:cNvSpPr/>
           <p:nvPr/>
         </p:nvSpPr>
         <p:spPr>
           <a:xfrm>
-            <a:off x="5656401" y="4305395"/>
-            <a:ext cx="2953205" cy="558944"/>
+            <a:off x="5816303" y="4405716"/>
+            <a:ext cx="2812307" cy="461937"/>
           </a:xfrm>
           <a:prstGeom prst="roundRect">
             <a:avLst>
@@ -29421,7 +29474,7 @@
               <a:buNone/>
             </a:pPr>
             <a:r>
-              <a:rPr lang="en-US" sz="1200" dirty="0" err="1">
+              <a:rPr lang="en-US" sz="1050" dirty="0" err="1">
                 <a:solidFill>
                   <a:srgbClr val="C55A11"/>
                 </a:solidFill>
@@ -29432,7 +29485,7 @@
               </a:rPr>
               <a:t>Dockerfile</a:t>
             </a:r>
-            <a:endParaRPr sz="1200" dirty="0">
+            <a:endParaRPr sz="1050" dirty="0">
               <a:solidFill>
                 <a:srgbClr val="C55A11"/>
               </a:solidFill>
@@ -29453,7 +29506,7 @@
               <a:buNone/>
             </a:pPr>
             <a:r>
-              <a:rPr lang="en-US" sz="1200" dirty="0">
+              <a:rPr lang="en-US" sz="1050" dirty="0">
                 <a:solidFill>
                   <a:schemeClr val="dk1"/>
                 </a:solidFill>
@@ -29464,7 +29517,7 @@
               </a:rPr>
               <a:t>FROM debian:buster@sha256:7e889d5323</a:t>
             </a:r>
-            <a:endParaRPr sz="1200" dirty="0">
+            <a:endParaRPr sz="1050" dirty="0">
               <a:solidFill>
                 <a:schemeClr val="dk1"/>
               </a:solidFill>
@@ -29478,14 +29531,20 @@
       </p:sp>
       <p:sp>
         <p:nvSpPr>
-          <p:cNvPr id="201" name="Google Shape;201;p3"/>
+          <p:cNvPr id="73" name="Google Shape;201;p3">
+            <a:extLst>
+              <a:ext uri="{FF2B5EF4-FFF2-40B4-BE49-F238E27FC236}">
+                <a16:creationId xmlns:a16="http://schemas.microsoft.com/office/drawing/2014/main" id="{4076E4F6-7193-E848-A149-0A16FA841A8B}"/>
+              </a:ext>
+            </a:extLst>
+          </p:cNvPr>
           <p:cNvSpPr/>
           <p:nvPr/>
         </p:nvSpPr>
         <p:spPr>
           <a:xfrm>
-            <a:off x="8992747" y="4407397"/>
-            <a:ext cx="2684453" cy="558944"/>
+            <a:off x="9518139" y="4586872"/>
+            <a:ext cx="2274452" cy="419943"/>
           </a:xfrm>
           <a:prstGeom prst="roundRect">
             <a:avLst>
@@ -29553,7 +29612,7 @@
               <a:buNone/>
             </a:pPr>
             <a:r>
-              <a:rPr lang="en-US" sz="1200" dirty="0">
+              <a:rPr lang="en-US" sz="1050" dirty="0">
                 <a:solidFill>
                   <a:srgbClr val="C55A11"/>
                 </a:solidFill>
@@ -29565,7 +29624,7 @@
               <a:t>/</a:t>
             </a:r>
             <a:r>
-              <a:rPr lang="en-US" sz="1200" dirty="0" err="1">
+              <a:rPr lang="en-US" sz="1050" dirty="0" err="1">
                 <a:solidFill>
                   <a:srgbClr val="C55A11"/>
                 </a:solidFill>
@@ -29577,7 +29636,7 @@
               <a:t>etc</a:t>
             </a:r>
             <a:r>
-              <a:rPr lang="en-US" sz="1200" dirty="0">
+              <a:rPr lang="en-US" sz="1050" dirty="0">
                 <a:solidFill>
                   <a:srgbClr val="C55A11"/>
                 </a:solidFill>
@@ -29588,7 +29647,7 @@
               </a:rPr>
               <a:t>/version-docker</a:t>
             </a:r>
-            <a:endParaRPr sz="1200" dirty="0"/>
+            <a:endParaRPr sz="1050" dirty="0"/>
           </a:p>
           <a:p>
             <a:pPr marL="0" marR="0" lvl="0" indent="0" algn="l" rtl="0">
@@ -29601,7 +29660,7 @@
               <a:buNone/>
             </a:pPr>
             <a:r>
-              <a:rPr lang="en-US" sz="1200" dirty="0" err="1">
+              <a:rPr lang="en-US" sz="1050" dirty="0" err="1">
                 <a:solidFill>
                   <a:schemeClr val="dk1"/>
                 </a:solidFill>
@@ -29613,7 +29672,7 @@
               <a:t>debian:buster</a:t>
             </a:r>
             <a:r>
-              <a:rPr lang="en-US" sz="1200" dirty="0">
+              <a:rPr lang="en-US" sz="1050" dirty="0">
                 <a:solidFill>
                   <a:schemeClr val="dk1"/>
                 </a:solidFill>
@@ -29622,9 +29681,9 @@
                 <a:cs typeface="Calibri"/>
                 <a:sym typeface="Calibri"/>
               </a:rPr>
-              <a:t>==sha256:7e88e89d5323</a:t>
+              <a:t>==sha256:7e889d5323</a:t>
             </a:r>
-            <a:endParaRPr sz="1200" dirty="0">
+            <a:endParaRPr sz="1050" dirty="0">
               <a:solidFill>
                 <a:schemeClr val="dk1"/>
               </a:solidFill>
@@ -29638,14 +29697,20 @@
       </p:sp>
       <p:sp>
         <p:nvSpPr>
-          <p:cNvPr id="202" name="Google Shape;202;p3"/>
+          <p:cNvPr id="74" name="Google Shape;202;p3">
+            <a:extLst>
+              <a:ext uri="{FF2B5EF4-FFF2-40B4-BE49-F238E27FC236}">
+                <a16:creationId xmlns:a16="http://schemas.microsoft.com/office/drawing/2014/main" id="{B1852878-5498-6A45-9431-B4261A2B49CB}"/>
+              </a:ext>
+            </a:extLst>
+          </p:cNvPr>
           <p:cNvSpPr/>
           <p:nvPr/>
         </p:nvSpPr>
         <p:spPr>
           <a:xfrm>
-            <a:off x="1392397" y="5009599"/>
-            <a:ext cx="1795816" cy="572837"/>
+            <a:off x="2054929" y="5164949"/>
+            <a:ext cx="1632560" cy="473419"/>
           </a:xfrm>
           <a:prstGeom prst="roundRect">
             <a:avLst>
@@ -29713,7 +29778,7 @@
               <a:buNone/>
             </a:pPr>
             <a:r>
-              <a:rPr lang="en-US" sz="1200">
+              <a:rPr lang="en-US" sz="1050">
                 <a:solidFill>
                   <a:schemeClr val="dk1"/>
                 </a:solidFill>
@@ -29724,7 +29789,7 @@
               </a:rPr>
               <a:t>Makefile </a:t>
             </a:r>
-            <a:endParaRPr sz="1200"/>
+            <a:endParaRPr sz="1050"/>
           </a:p>
           <a:p>
             <a:pPr marL="0" marR="0" lvl="0" indent="0" algn="l" rtl="0">
@@ -29737,7 +29802,7 @@
               <a:buNone/>
             </a:pPr>
             <a:r>
-              <a:rPr lang="en-US" sz="1200">
+              <a:rPr lang="en-US" sz="1050">
                 <a:solidFill>
                   <a:schemeClr val="dk1"/>
                 </a:solidFill>
@@ -29748,20 +29813,26 @@
               </a:rPr>
               <a:t>git clone http://url/repo</a:t>
             </a:r>
-            <a:endParaRPr sz="1200"/>
+            <a:endParaRPr sz="1050"/>
           </a:p>
         </p:txBody>
       </p:sp>
       <p:sp>
         <p:nvSpPr>
-          <p:cNvPr id="203" name="Google Shape;203;p3"/>
+          <p:cNvPr id="75" name="Google Shape;203;p3">
+            <a:extLst>
+              <a:ext uri="{FF2B5EF4-FFF2-40B4-BE49-F238E27FC236}">
+                <a16:creationId xmlns:a16="http://schemas.microsoft.com/office/drawing/2014/main" id="{7AA69372-4B13-E74D-B706-BE89008D157B}"/>
+              </a:ext>
+            </a:extLst>
+          </p:cNvPr>
           <p:cNvSpPr/>
           <p:nvPr/>
         </p:nvSpPr>
         <p:spPr>
           <a:xfrm>
-            <a:off x="4600959" y="4980956"/>
-            <a:ext cx="2571847" cy="630121"/>
+            <a:off x="6060346" y="5025790"/>
+            <a:ext cx="1932267" cy="572837"/>
           </a:xfrm>
           <a:prstGeom prst="roundRect">
             <a:avLst>
@@ -29829,7 +29900,7 @@
               <a:buNone/>
             </a:pPr>
             <a:r>
-              <a:rPr lang="en-US" sz="1200">
+              <a:rPr lang="en-US" sz="1050">
                 <a:solidFill>
                   <a:schemeClr val="dk1"/>
                 </a:solidFill>
@@ -29840,7 +29911,7 @@
               </a:rPr>
               <a:t>Makefile </a:t>
             </a:r>
-            <a:endParaRPr sz="1200"/>
+            <a:endParaRPr sz="1050"/>
           </a:p>
           <a:p>
             <a:pPr marL="0" marR="0" lvl="0" indent="0" algn="l" rtl="0">
@@ -29853,7 +29924,7 @@
               <a:buNone/>
             </a:pPr>
             <a:r>
-              <a:rPr lang="en-US" sz="1200">
+              <a:rPr lang="en-US" sz="1050">
                 <a:solidFill>
                   <a:schemeClr val="dk1"/>
                 </a:solidFill>
@@ -29865,7 +29936,7 @@
               <a:t>git clone </a:t>
             </a:r>
             <a:r>
-              <a:rPr lang="en-US" sz="1200" u="sng">
+              <a:rPr lang="en-US" sz="1050" u="sng">
                 <a:solidFill>
                   <a:schemeClr val="dk1"/>
                 </a:solidFill>
@@ -29873,7 +29944,7 @@
                 <a:ea typeface="Calibri"/>
                 <a:cs typeface="Calibri"/>
                 <a:sym typeface="Calibri"/>
-                <a:hlinkClick r:id="rId6">
+                <a:hlinkClick r:id="rId5">
                   <a:extLst>
                     <a:ext uri="{A12FA001-AC4F-418D-AE19-62706E023703}">
                       <ahyp:hlinkClr xmlns:ahyp="http://schemas.microsoft.com/office/drawing/2018/hyperlinkcolor" val="tx"/>
@@ -29883,7 +29954,7 @@
               </a:rPr>
               <a:t>http://url/repo</a:t>
             </a:r>
-            <a:endParaRPr sz="1200">
+            <a:endParaRPr sz="1050">
               <a:solidFill>
                 <a:schemeClr val="dk1"/>
               </a:solidFill>
@@ -29904,7 +29975,7 @@
               <a:buNone/>
             </a:pPr>
             <a:r>
-              <a:rPr lang="en-US" sz="1200">
+              <a:rPr lang="en-US" sz="1050">
                 <a:solidFill>
                   <a:schemeClr val="dk1"/>
                 </a:solidFill>
@@ -29915,7 +29986,7 @@
               </a:rPr>
               <a:t>git checkout e88e89d532</a:t>
             </a:r>
-            <a:endParaRPr sz="1200">
+            <a:endParaRPr sz="1050">
               <a:solidFill>
                 <a:schemeClr val="dk1"/>
               </a:solidFill>
@@ -29929,18 +30000,24 @@
       </p:sp>
       <p:cxnSp>
         <p:nvCxnSpPr>
-          <p:cNvPr id="204" name="Google Shape;204;p3"/>
+          <p:cNvPr id="76" name="Google Shape;204;p3">
+            <a:extLst>
+              <a:ext uri="{FF2B5EF4-FFF2-40B4-BE49-F238E27FC236}">
+                <a16:creationId xmlns:a16="http://schemas.microsoft.com/office/drawing/2014/main" id="{36519C6C-7473-5E43-B0E2-4B57D225F76E}"/>
+              </a:ext>
+            </a:extLst>
+          </p:cNvPr>
           <p:cNvCxnSpPr>
             <a:cxnSpLocks/>
-            <a:stCxn id="202" idx="3"/>
-            <a:endCxn id="203" idx="1"/>
+            <a:stCxn id="74" idx="3"/>
+            <a:endCxn id="75" idx="1"/>
           </p:cNvCxnSpPr>
           <p:nvPr/>
         </p:nvCxnSpPr>
         <p:spPr>
           <a:xfrm flipV="1">
-            <a:off x="3188213" y="5296017"/>
-            <a:ext cx="1412746" cy="1"/>
+            <a:off x="3687489" y="5312209"/>
+            <a:ext cx="2372857" cy="89450"/>
           </a:xfrm>
           <a:prstGeom prst="bentConnector3">
             <a:avLst>
@@ -29964,17 +30041,24 @@
       </p:cxnSp>
       <p:cxnSp>
         <p:nvCxnSpPr>
-          <p:cNvPr id="205" name="Google Shape;205;p3"/>
+          <p:cNvPr id="77" name="Google Shape;205;p3">
+            <a:extLst>
+              <a:ext uri="{FF2B5EF4-FFF2-40B4-BE49-F238E27FC236}">
+                <a16:creationId xmlns:a16="http://schemas.microsoft.com/office/drawing/2014/main" id="{0EC2F466-F861-9F45-A4CA-17DCC477DF7B}"/>
+              </a:ext>
+            </a:extLst>
+          </p:cNvPr>
           <p:cNvCxnSpPr>
-            <a:stCxn id="195" idx="3"/>
-            <a:endCxn id="202" idx="1"/>
+            <a:cxnSpLocks/>
+            <a:stCxn id="67" idx="3"/>
+            <a:endCxn id="74" idx="1"/>
           </p:cNvCxnSpPr>
           <p:nvPr/>
         </p:nvCxnSpPr>
         <p:spPr>
-          <a:xfrm flipV="1">
-            <a:off x="1093607" y="5296018"/>
-            <a:ext cx="298790" cy="1"/>
+          <a:xfrm>
+            <a:off x="1184708" y="5296018"/>
+            <a:ext cx="870221" cy="105641"/>
           </a:xfrm>
           <a:prstGeom prst="bentConnector3">
             <a:avLst>
@@ -29998,17 +30082,24 @@
       </p:cxnSp>
       <p:cxnSp>
         <p:nvCxnSpPr>
-          <p:cNvPr id="206" name="Google Shape;206;p3"/>
+          <p:cNvPr id="78" name="Google Shape;206;p3">
+            <a:extLst>
+              <a:ext uri="{FF2B5EF4-FFF2-40B4-BE49-F238E27FC236}">
+                <a16:creationId xmlns:a16="http://schemas.microsoft.com/office/drawing/2014/main" id="{365C54C4-E246-2641-BD01-FA9305F24A7B}"/>
+              </a:ext>
+            </a:extLst>
+          </p:cNvPr>
           <p:cNvCxnSpPr>
-            <a:stCxn id="196" idx="3"/>
-            <a:endCxn id="198" idx="1"/>
+            <a:cxnSpLocks/>
+            <a:stCxn id="68" idx="3"/>
+            <a:endCxn id="70" idx="1"/>
           </p:cNvCxnSpPr>
           <p:nvPr/>
         </p:nvCxnSpPr>
         <p:spPr>
           <a:xfrm>
-            <a:off x="1058395" y="4527974"/>
-            <a:ext cx="343517" cy="133252"/>
+            <a:off x="1156128" y="4527973"/>
+            <a:ext cx="907451" cy="238894"/>
           </a:xfrm>
           <a:prstGeom prst="bentConnector3">
             <a:avLst>
@@ -30032,18 +30123,24 @@
       </p:cxnSp>
       <p:cxnSp>
         <p:nvCxnSpPr>
-          <p:cNvPr id="207" name="Google Shape;207;p3"/>
+          <p:cNvPr id="79" name="Google Shape;207;p3">
+            <a:extLst>
+              <a:ext uri="{FF2B5EF4-FFF2-40B4-BE49-F238E27FC236}">
+                <a16:creationId xmlns:a16="http://schemas.microsoft.com/office/drawing/2014/main" id="{79A4AAB8-1DDA-864C-8B48-C77A2F87894D}"/>
+              </a:ext>
+            </a:extLst>
+          </p:cNvPr>
           <p:cNvCxnSpPr>
             <a:cxnSpLocks/>
-            <a:stCxn id="198" idx="3"/>
-            <a:endCxn id="199" idx="1"/>
+            <a:stCxn id="70" idx="3"/>
+            <a:endCxn id="71" idx="1"/>
           </p:cNvCxnSpPr>
           <p:nvPr/>
         </p:nvCxnSpPr>
         <p:spPr>
           <a:xfrm flipV="1">
-            <a:off x="3088082" y="4613105"/>
-            <a:ext cx="337828" cy="48121"/>
+            <a:off x="3596462" y="4674048"/>
+            <a:ext cx="687086" cy="92819"/>
           </a:xfrm>
           <a:prstGeom prst="bentConnector3">
             <a:avLst>
@@ -30067,18 +30164,24 @@
       </p:cxnSp>
       <p:cxnSp>
         <p:nvCxnSpPr>
-          <p:cNvPr id="208" name="Google Shape;208;p3"/>
+          <p:cNvPr id="80" name="Google Shape;208;p3">
+            <a:extLst>
+              <a:ext uri="{FF2B5EF4-FFF2-40B4-BE49-F238E27FC236}">
+                <a16:creationId xmlns:a16="http://schemas.microsoft.com/office/drawing/2014/main" id="{E6B39DE1-1AEF-8F4C-B419-2F70197040A8}"/>
+              </a:ext>
+            </a:extLst>
+          </p:cNvPr>
           <p:cNvCxnSpPr>
             <a:cxnSpLocks/>
-            <a:stCxn id="199" idx="3"/>
-            <a:endCxn id="200" idx="1"/>
+            <a:stCxn id="71" idx="3"/>
+            <a:endCxn id="72" idx="1"/>
           </p:cNvCxnSpPr>
           <p:nvPr/>
         </p:nvCxnSpPr>
         <p:spPr>
           <a:xfrm flipV="1">
-            <a:off x="5445425" y="4584867"/>
-            <a:ext cx="210976" cy="28238"/>
+            <a:off x="5414540" y="4636685"/>
+            <a:ext cx="401763" cy="37363"/>
           </a:xfrm>
           <a:prstGeom prst="bentConnector3">
             <a:avLst>
@@ -30102,21 +30205,28 @@
       </p:cxnSp>
       <p:cxnSp>
         <p:nvCxnSpPr>
-          <p:cNvPr id="209" name="Google Shape;209;p3"/>
+          <p:cNvPr id="81" name="Google Shape;209;p3">
+            <a:extLst>
+              <a:ext uri="{FF2B5EF4-FFF2-40B4-BE49-F238E27FC236}">
+                <a16:creationId xmlns:a16="http://schemas.microsoft.com/office/drawing/2014/main" id="{1903AC36-812E-2440-A1E3-7669961E858D}"/>
+              </a:ext>
+            </a:extLst>
+          </p:cNvPr>
           <p:cNvCxnSpPr>
-            <a:stCxn id="199" idx="0"/>
-            <a:endCxn id="201" idx="0"/>
+            <a:cxnSpLocks/>
+            <a:stCxn id="71" idx="0"/>
+            <a:endCxn id="73" idx="0"/>
           </p:cNvCxnSpPr>
           <p:nvPr/>
         </p:nvCxnSpPr>
         <p:spPr>
           <a:xfrm rot="16200000" flipH="1">
-            <a:off x="7377318" y="1449741"/>
-            <a:ext cx="16006" cy="5899306"/>
+            <a:off x="7704174" y="1635682"/>
+            <a:ext cx="96059" cy="5806321"/>
           </a:xfrm>
           <a:prstGeom prst="bentConnector3">
             <a:avLst>
-              <a:gd name="adj1" fmla="val -1428214"/>
+              <a:gd name="adj1" fmla="val -237979"/>
             </a:avLst>
           </a:prstGeom>
           <a:noFill/>
@@ -30136,14 +30246,20 @@
       </p:cxnSp>
       <p:sp>
         <p:nvSpPr>
-          <p:cNvPr id="210" name="Google Shape;210;p3"/>
+          <p:cNvPr id="82" name="Google Shape;210;p3">
+            <a:extLst>
+              <a:ext uri="{FF2B5EF4-FFF2-40B4-BE49-F238E27FC236}">
+                <a16:creationId xmlns:a16="http://schemas.microsoft.com/office/drawing/2014/main" id="{B0A7B628-4464-CF49-ACB0-B9239CA9CEF6}"/>
+              </a:ext>
+            </a:extLst>
+          </p:cNvPr>
           <p:cNvSpPr/>
           <p:nvPr/>
         </p:nvSpPr>
         <p:spPr>
           <a:xfrm>
-            <a:off x="8964799" y="5054512"/>
-            <a:ext cx="2684453" cy="558944"/>
+            <a:off x="9582764" y="5218425"/>
+            <a:ext cx="2140958" cy="419943"/>
           </a:xfrm>
           <a:prstGeom prst="roundRect">
             <a:avLst>
@@ -30211,7 +30327,7 @@
               <a:buNone/>
             </a:pPr>
             <a:r>
-              <a:rPr lang="en-US" sz="1200" dirty="0">
+              <a:rPr lang="en-US" sz="1050" dirty="0">
                 <a:solidFill>
                   <a:srgbClr val="C55A11"/>
                 </a:solidFill>
@@ -30223,7 +30339,7 @@
               <a:t>/</a:t>
             </a:r>
             <a:r>
-              <a:rPr lang="en-US" sz="1200" dirty="0" err="1">
+              <a:rPr lang="en-US" sz="1050" dirty="0" err="1">
                 <a:solidFill>
                   <a:srgbClr val="C55A11"/>
                 </a:solidFill>
@@ -30235,7 +30351,7 @@
               <a:t>etc</a:t>
             </a:r>
             <a:r>
-              <a:rPr lang="en-US" sz="1200" dirty="0">
+              <a:rPr lang="en-US" sz="1050" dirty="0">
                 <a:solidFill>
                   <a:srgbClr val="C55A11"/>
                 </a:solidFill>
@@ -30246,7 +30362,7 @@
               </a:rPr>
               <a:t>/version-git</a:t>
             </a:r>
-            <a:endParaRPr sz="1200" dirty="0"/>
+            <a:endParaRPr sz="1050" dirty="0"/>
           </a:p>
           <a:p>
             <a:pPr marL="0" marR="0" lvl="0" indent="0" algn="l" rtl="0">
@@ -30259,7 +30375,7 @@
               <a:buNone/>
             </a:pPr>
             <a:r>
-              <a:rPr lang="en-US" sz="1200" dirty="0">
+              <a:rPr lang="en-US" sz="1050" dirty="0">
                 <a:solidFill>
                   <a:schemeClr val="dk1"/>
                 </a:solidFill>
@@ -30271,7 +30387,7 @@
               <a:t>http://</a:t>
             </a:r>
             <a:r>
-              <a:rPr lang="en-US" sz="1200" dirty="0" err="1">
+              <a:rPr lang="en-US" sz="1050" dirty="0" err="1">
                 <a:solidFill>
                   <a:schemeClr val="dk1"/>
                 </a:solidFill>
@@ -30283,7 +30399,7 @@
               <a:t>url</a:t>
             </a:r>
             <a:r>
-              <a:rPr lang="en-US" sz="1200" dirty="0">
+              <a:rPr lang="en-US" sz="1050" dirty="0">
                 <a:solidFill>
                   <a:schemeClr val="dk1"/>
                 </a:solidFill>
@@ -30294,7 +30410,7 @@
               </a:rPr>
               <a:t>/repo==7e88e89d5323</a:t>
             </a:r>
-            <a:endParaRPr sz="1200" dirty="0">
+            <a:endParaRPr sz="1050" dirty="0">
               <a:solidFill>
                 <a:schemeClr val="dk1"/>
               </a:solidFill>
@@ -30308,17 +30424,24 @@
       </p:sp>
       <p:cxnSp>
         <p:nvCxnSpPr>
-          <p:cNvPr id="211" name="Google Shape;211;p3"/>
+          <p:cNvPr id="83" name="Google Shape;211;p3">
+            <a:extLst>
+              <a:ext uri="{FF2B5EF4-FFF2-40B4-BE49-F238E27FC236}">
+                <a16:creationId xmlns:a16="http://schemas.microsoft.com/office/drawing/2014/main" id="{9E8A4E7D-C40A-4040-8986-0A1F043C14CB}"/>
+              </a:ext>
+            </a:extLst>
+          </p:cNvPr>
           <p:cNvCxnSpPr>
-            <a:stCxn id="184" idx="3"/>
-            <a:endCxn id="178" idx="1"/>
+            <a:cxnSpLocks/>
+            <a:stCxn id="56" idx="3"/>
+            <a:endCxn id="50" idx="1"/>
           </p:cNvCxnSpPr>
           <p:nvPr/>
         </p:nvCxnSpPr>
         <p:spPr>
-          <a:xfrm flipV="1">
-            <a:off x="4267387" y="2497516"/>
-            <a:ext cx="384634" cy="68889"/>
+          <a:xfrm>
+            <a:off x="4180674" y="2419797"/>
+            <a:ext cx="822008" cy="93911"/>
           </a:xfrm>
           <a:prstGeom prst="bentConnector3">
             <a:avLst>
@@ -30342,17 +30465,24 @@
       </p:cxnSp>
       <p:cxnSp>
         <p:nvCxnSpPr>
-          <p:cNvPr id="212" name="Google Shape;212;p3"/>
+          <p:cNvPr id="84" name="Google Shape;212;p3">
+            <a:extLst>
+              <a:ext uri="{FF2B5EF4-FFF2-40B4-BE49-F238E27FC236}">
+                <a16:creationId xmlns:a16="http://schemas.microsoft.com/office/drawing/2014/main" id="{1C1DAF27-A75C-754F-ADF0-803AB82B8F7D}"/>
+              </a:ext>
+            </a:extLst>
+          </p:cNvPr>
           <p:cNvCxnSpPr>
-            <a:stCxn id="203" idx="3"/>
-            <a:endCxn id="210" idx="1"/>
+            <a:cxnSpLocks/>
+            <a:stCxn id="75" idx="3"/>
+            <a:endCxn id="82" idx="1"/>
           </p:cNvCxnSpPr>
           <p:nvPr/>
         </p:nvCxnSpPr>
         <p:spPr>
           <a:xfrm>
-            <a:off x="7172806" y="5296017"/>
-            <a:ext cx="1791993" cy="37967"/>
+            <a:off x="7992613" y="5312209"/>
+            <a:ext cx="1590151" cy="116188"/>
           </a:xfrm>
           <a:prstGeom prst="bentConnector3">
             <a:avLst>
@@ -30376,10 +30506,10 @@
       </p:cxnSp>
       <p:sp>
         <p:nvSpPr>
-          <p:cNvPr id="5" name="TextBox 4">
+          <p:cNvPr id="85" name="TextBox 84">
             <a:extLst>
               <a:ext uri="{FF2B5EF4-FFF2-40B4-BE49-F238E27FC236}">
-                <a16:creationId xmlns:a16="http://schemas.microsoft.com/office/drawing/2014/main" id="{0B30B41A-1515-4044-BC47-D864478BEA41}"/>
+                <a16:creationId xmlns:a16="http://schemas.microsoft.com/office/drawing/2014/main" id="{1B9E59EB-746A-CD44-9635-582CD4D56AD0}"/>
               </a:ext>
             </a:extLst>
           </p:cNvPr>
@@ -30388,8 +30518,8 @@
         </p:nvSpPr>
         <p:spPr>
           <a:xfrm>
-            <a:off x="2717231" y="453139"/>
-            <a:ext cx="203204" cy="304699"/>
+            <a:off x="4188400" y="479685"/>
+            <a:ext cx="184731" cy="253916"/>
           </a:xfrm>
           <a:prstGeom prst="rect">
             <a:avLst/>
@@ -30402,16 +30532,16 @@
           </a:bodyPr>
           <a:lstStyle/>
           <a:p>
-            <a:endParaRPr lang="en-US" sz="1200" dirty="0"/>
+            <a:endParaRPr lang="en-US" sz="1050" dirty="0"/>
           </a:p>
         </p:txBody>
       </p:sp>
       <p:sp>
         <p:nvSpPr>
-          <p:cNvPr id="56" name="Google Shape;195;p3">
+          <p:cNvPr id="86" name="Google Shape;195;p3">
             <a:extLst>
               <a:ext uri="{FF2B5EF4-FFF2-40B4-BE49-F238E27FC236}">
-                <a16:creationId xmlns:a16="http://schemas.microsoft.com/office/drawing/2014/main" id="{79AB8429-F50A-0347-8835-FE0E5A4CED21}"/>
+                <a16:creationId xmlns:a16="http://schemas.microsoft.com/office/drawing/2014/main" id="{D28C1FCB-6B42-E14B-90E5-C53A0B9E4EFC}"/>
               </a:ext>
             </a:extLst>
           </p:cNvPr>
@@ -30420,8 +30550,8 @@
         </p:nvSpPr>
         <p:spPr>
           <a:xfrm>
-            <a:off x="95260" y="5726101"/>
-            <a:ext cx="1023332" cy="418985"/>
+            <a:off x="161376" y="5762459"/>
+            <a:ext cx="1023332" cy="346268"/>
           </a:xfrm>
           <a:prstGeom prst="roundRect">
             <a:avLst>
@@ -30489,7 +30619,7 @@
               <a:buNone/>
             </a:pPr>
             <a:r>
-              <a:rPr lang="en-US" sz="1200" dirty="0">
+              <a:rPr lang="en-US" sz="1050" dirty="0">
                 <a:solidFill>
                   <a:schemeClr val="dk1"/>
                 </a:solidFill>
@@ -30500,16 +30630,16 @@
               </a:rPr>
               <a:t>go</a:t>
             </a:r>
-            <a:endParaRPr sz="1200" dirty="0"/>
+            <a:endParaRPr sz="1050" dirty="0"/>
           </a:p>
         </p:txBody>
       </p:sp>
       <p:sp>
         <p:nvSpPr>
-          <p:cNvPr id="57" name="Google Shape;202;p3">
+          <p:cNvPr id="87" name="Google Shape;202;p3">
             <a:extLst>
               <a:ext uri="{FF2B5EF4-FFF2-40B4-BE49-F238E27FC236}">
-                <a16:creationId xmlns:a16="http://schemas.microsoft.com/office/drawing/2014/main" id="{6243829F-8944-8C49-BF7C-4755BBE2B9BD}"/>
+                <a16:creationId xmlns:a16="http://schemas.microsoft.com/office/drawing/2014/main" id="{CF7DE621-102E-2840-B087-F890232A0FB2}"/>
               </a:ext>
             </a:extLst>
           </p:cNvPr>
@@ -30518,8 +30648,8 @@
         </p:nvSpPr>
         <p:spPr>
           <a:xfrm>
-            <a:off x="1417382" y="5649174"/>
-            <a:ext cx="1795816" cy="572837"/>
+            <a:off x="2054929" y="5804524"/>
+            <a:ext cx="1632560" cy="473419"/>
           </a:xfrm>
           <a:prstGeom prst="roundRect">
             <a:avLst>
@@ -30587,7 +30717,7 @@
               <a:buNone/>
             </a:pPr>
             <a:r>
-              <a:rPr lang="en-US" sz="1200" dirty="0" err="1">
+              <a:rPr lang="en-US" sz="1050" dirty="0" err="1">
                 <a:solidFill>
                   <a:schemeClr val="dk1"/>
                 </a:solidFill>
@@ -30599,7 +30729,7 @@
               <a:t>Makefile</a:t>
             </a:r>
             <a:r>
-              <a:rPr lang="en-US" sz="1200" dirty="0">
+              <a:rPr lang="en-US" sz="1050" dirty="0">
                 <a:solidFill>
                   <a:schemeClr val="dk1"/>
                 </a:solidFill>
@@ -30610,7 +30740,7 @@
               </a:rPr>
               <a:t> </a:t>
             </a:r>
-            <a:endParaRPr sz="1200" dirty="0"/>
+            <a:endParaRPr sz="1050" dirty="0"/>
           </a:p>
           <a:p>
             <a:pPr marL="0" marR="0" lvl="0" indent="0" algn="l" rtl="0">
@@ -30623,7 +30753,7 @@
               <a:buNone/>
             </a:pPr>
             <a:r>
-              <a:rPr lang="en-US" sz="1200" dirty="0">
+              <a:rPr lang="en-US" sz="1050" dirty="0">
                 <a:solidFill>
                   <a:schemeClr val="dk1"/>
                 </a:solidFill>
@@ -30634,7 +30764,7 @@
               <a:t>go </a:t>
             </a:r>
             <a:r>
-              <a:rPr lang="en-US" sz="1200" dirty="0" err="1">
+              <a:rPr lang="en-US" sz="1050" dirty="0" err="1">
                 <a:solidFill>
                   <a:schemeClr val="dk1"/>
                 </a:solidFill>
@@ -30644,16 +30774,16 @@
               </a:rPr>
               <a:t>mod.go</a:t>
             </a:r>
-            <a:endParaRPr sz="1200" dirty="0"/>
+            <a:endParaRPr sz="1050" dirty="0"/>
           </a:p>
         </p:txBody>
       </p:sp>
       <p:sp>
         <p:nvSpPr>
-          <p:cNvPr id="58" name="Google Shape;203;p3">
+          <p:cNvPr id="88" name="Google Shape;203;p3">
             <a:extLst>
               <a:ext uri="{FF2B5EF4-FFF2-40B4-BE49-F238E27FC236}">
-                <a16:creationId xmlns:a16="http://schemas.microsoft.com/office/drawing/2014/main" id="{1EC0C577-3D34-6F41-B7BF-6E804F3CD5E7}"/>
+                <a16:creationId xmlns:a16="http://schemas.microsoft.com/office/drawing/2014/main" id="{93F2137E-B97F-0D47-9BB2-FEEBB4ADB002}"/>
               </a:ext>
             </a:extLst>
           </p:cNvPr>
@@ -30662,8 +30792,8 @@
         </p:nvSpPr>
         <p:spPr>
           <a:xfrm>
-            <a:off x="4625944" y="5620531"/>
-            <a:ext cx="2571847" cy="630121"/>
+            <a:off x="6085331" y="5707579"/>
+            <a:ext cx="1932267" cy="473419"/>
           </a:xfrm>
           <a:prstGeom prst="roundRect">
             <a:avLst>
@@ -30731,7 +30861,7 @@
               <a:buNone/>
             </a:pPr>
             <a:r>
-              <a:rPr lang="en-US" sz="1200" dirty="0" err="1">
+              <a:rPr lang="en-US" sz="1050" dirty="0" err="1">
                 <a:solidFill>
                   <a:srgbClr val="C55A11"/>
                 </a:solidFill>
@@ -30742,7 +30872,7 @@
               <a:t>mod.go</a:t>
             </a:r>
             <a:r>
-              <a:rPr lang="en-US" sz="1200" dirty="0">
+              <a:rPr lang="en-US" sz="1050" dirty="0">
                 <a:solidFill>
                   <a:srgbClr val="C55A11"/>
                 </a:solidFill>
@@ -30752,7 +30882,7 @@
               </a:rPr>
               <a:t> </a:t>
             </a:r>
-            <a:endParaRPr sz="1200" dirty="0">
+            <a:endParaRPr sz="1050" dirty="0">
               <a:solidFill>
                 <a:srgbClr val="C55A11"/>
               </a:solidFill>
@@ -30763,18 +30893,18 @@
           <a:p>
             <a:pPr lvl="0"/>
             <a:r>
-              <a:rPr lang="en-IN" sz="1200" dirty="0"/>
+              <a:rPr lang="en-IN" sz="1050" dirty="0"/>
               <a:t>module </a:t>
             </a:r>
             <a:r>
-              <a:rPr lang="en-IN" sz="1200" dirty="0" err="1"/>
+              <a:rPr lang="en-IN" sz="1050" dirty="0" err="1"/>
               <a:t>example.com</a:t>
             </a:r>
             <a:r>
-              <a:rPr lang="en-IN" sz="1200" dirty="0"/>
+              <a:rPr lang="en-IN" sz="1050" dirty="0"/>
               <a:t>/json</a:t>
             </a:r>
-            <a:endParaRPr sz="1200" dirty="0">
+            <a:endParaRPr sz="1050" dirty="0">
               <a:solidFill>
                 <a:schemeClr val="dk1"/>
               </a:solidFill>
@@ -30788,10 +30918,10 @@
       </p:sp>
       <p:sp>
         <p:nvSpPr>
-          <p:cNvPr id="59" name="Google Shape;210;p3">
+          <p:cNvPr id="89" name="Google Shape;210;p3">
             <a:extLst>
               <a:ext uri="{FF2B5EF4-FFF2-40B4-BE49-F238E27FC236}">
-                <a16:creationId xmlns:a16="http://schemas.microsoft.com/office/drawing/2014/main" id="{A6B1DA77-D691-AB49-9E11-CD8A17AEE292}"/>
+                <a16:creationId xmlns:a16="http://schemas.microsoft.com/office/drawing/2014/main" id="{233DF4E5-2880-5F42-82CC-D617D414F243}"/>
               </a:ext>
             </a:extLst>
           </p:cNvPr>
@@ -30800,8 +30930,8 @@
         </p:nvSpPr>
         <p:spPr>
           <a:xfrm>
-            <a:off x="8989784" y="5694087"/>
-            <a:ext cx="2684453" cy="558944"/>
+            <a:off x="9582764" y="5810425"/>
+            <a:ext cx="2140958" cy="419943"/>
           </a:xfrm>
           <a:prstGeom prst="roundRect">
             <a:avLst>
@@ -30869,7 +30999,7 @@
               <a:buNone/>
             </a:pPr>
             <a:r>
-              <a:rPr lang="en-US" sz="1200" dirty="0">
+              <a:rPr lang="en-US" sz="1050" dirty="0">
                 <a:solidFill>
                   <a:srgbClr val="C55A11"/>
                 </a:solidFill>
@@ -30881,7 +31011,7 @@
               <a:t>/</a:t>
             </a:r>
             <a:r>
-              <a:rPr lang="en-US" sz="1200" dirty="0" err="1">
+              <a:rPr lang="en-US" sz="1050" dirty="0" err="1">
                 <a:solidFill>
                   <a:srgbClr val="C55A11"/>
                 </a:solidFill>
@@ -30893,7 +31023,7 @@
               <a:t>etc</a:t>
             </a:r>
             <a:r>
-              <a:rPr lang="en-US" sz="1200" dirty="0">
+              <a:rPr lang="en-US" sz="1050" dirty="0">
                 <a:solidFill>
                   <a:srgbClr val="C55A11"/>
                 </a:solidFill>
@@ -30904,7 +31034,7 @@
               </a:rPr>
               <a:t>/version-go</a:t>
             </a:r>
-            <a:endParaRPr sz="1200" dirty="0"/>
+            <a:endParaRPr sz="1050" dirty="0"/>
           </a:p>
           <a:p>
             <a:pPr marL="0" marR="0" lvl="0" indent="0" algn="l" rtl="0">
@@ -30917,7 +31047,7 @@
               <a:buNone/>
             </a:pPr>
             <a:r>
-              <a:rPr lang="en-US" sz="1200" dirty="0" err="1">
+              <a:rPr lang="en-US" sz="1050" dirty="0" err="1">
                 <a:solidFill>
                   <a:schemeClr val="dk1"/>
                 </a:solidFill>
@@ -30929,7 +31059,7 @@
               <a:t>mod.go</a:t>
             </a:r>
             <a:r>
-              <a:rPr lang="en-US" sz="1200" dirty="0">
+              <a:rPr lang="en-US" sz="1050" dirty="0">
                 <a:solidFill>
                   <a:schemeClr val="dk1"/>
                 </a:solidFill>
@@ -30940,7 +31070,7 @@
               </a:rPr>
               <a:t>==7e88e89d5323</a:t>
             </a:r>
-            <a:endParaRPr sz="1200" dirty="0">
+            <a:endParaRPr sz="1050" dirty="0">
               <a:solidFill>
                 <a:schemeClr val="dk1"/>
               </a:solidFill>
@@ -30954,24 +31084,24 @@
       </p:sp>
       <p:cxnSp>
         <p:nvCxnSpPr>
-          <p:cNvPr id="60" name="Google Shape;204;p3">
+          <p:cNvPr id="90" name="Google Shape;204;p3">
             <a:extLst>
               <a:ext uri="{FF2B5EF4-FFF2-40B4-BE49-F238E27FC236}">
-                <a16:creationId xmlns:a16="http://schemas.microsoft.com/office/drawing/2014/main" id="{0C8BB3E5-522D-6E49-ACAF-9000663C53B5}"/>
+                <a16:creationId xmlns:a16="http://schemas.microsoft.com/office/drawing/2014/main" id="{DB92BB06-2678-104D-9B8C-73A4E01C9C31}"/>
               </a:ext>
             </a:extLst>
           </p:cNvPr>
           <p:cNvCxnSpPr>
             <a:cxnSpLocks/>
-            <a:stCxn id="57" idx="3"/>
-            <a:endCxn id="58" idx="1"/>
+            <a:stCxn id="87" idx="3"/>
+            <a:endCxn id="88" idx="1"/>
           </p:cNvCxnSpPr>
           <p:nvPr/>
         </p:nvCxnSpPr>
         <p:spPr>
           <a:xfrm flipV="1">
-            <a:off x="3213198" y="5935592"/>
-            <a:ext cx="1412746" cy="1"/>
+            <a:off x="3687489" y="5944289"/>
+            <a:ext cx="2397842" cy="96945"/>
           </a:xfrm>
           <a:prstGeom prst="bentConnector3">
             <a:avLst>
@@ -30995,24 +31125,65 @@
       </p:cxnSp>
       <p:cxnSp>
         <p:nvCxnSpPr>
-          <p:cNvPr id="63" name="Google Shape;212;p3">
+          <p:cNvPr id="91" name="Google Shape;212;p3">
             <a:extLst>
               <a:ext uri="{FF2B5EF4-FFF2-40B4-BE49-F238E27FC236}">
-                <a16:creationId xmlns:a16="http://schemas.microsoft.com/office/drawing/2014/main" id="{0D231DB3-6E94-3E4A-8AAC-5BDE4C417BA9}"/>
+                <a16:creationId xmlns:a16="http://schemas.microsoft.com/office/drawing/2014/main" id="{116DF5C9-DDB6-3545-A8E9-E97E76DC0866}"/>
               </a:ext>
             </a:extLst>
           </p:cNvPr>
           <p:cNvCxnSpPr>
             <a:cxnSpLocks/>
-            <a:stCxn id="58" idx="3"/>
-            <a:endCxn id="59" idx="1"/>
+            <a:stCxn id="88" idx="3"/>
+            <a:endCxn id="89" idx="1"/>
           </p:cNvCxnSpPr>
           <p:nvPr/>
         </p:nvCxnSpPr>
         <p:spPr>
           <a:xfrm>
-            <a:off x="7197791" y="5935592"/>
-            <a:ext cx="1791993" cy="37967"/>
+            <a:off x="8017598" y="5944289"/>
+            <a:ext cx="1565166" cy="76108"/>
+          </a:xfrm>
+          <a:prstGeom prst="bentConnector3">
+            <a:avLst>
+              <a:gd name="adj1" fmla="val 50000"/>
+            </a:avLst>
+          </a:prstGeom>
+          <a:noFill/>
+          <a:ln w="12700" cap="flat" cmpd="sng">
+            <a:solidFill>
+              <a:schemeClr val="bg2">
+                <a:lumMod val="40000"/>
+                <a:lumOff val="60000"/>
+              </a:schemeClr>
+            </a:solidFill>
+            <a:prstDash val="solid"/>
+            <a:miter lim="800000"/>
+            <a:headEnd type="triangle" w="med" len="med"/>
+            <a:tailEnd type="triangle" w="med" len="med"/>
+          </a:ln>
+        </p:spPr>
+      </p:cxnSp>
+      <p:cxnSp>
+        <p:nvCxnSpPr>
+          <p:cNvPr id="147" name="Google Shape;205;p3">
+            <a:extLst>
+              <a:ext uri="{FF2B5EF4-FFF2-40B4-BE49-F238E27FC236}">
+                <a16:creationId xmlns:a16="http://schemas.microsoft.com/office/drawing/2014/main" id="{6E5305D7-D14D-2343-AE4D-C028A4B9E524}"/>
+              </a:ext>
+            </a:extLst>
+          </p:cNvPr>
+          <p:cNvCxnSpPr>
+            <a:cxnSpLocks/>
+            <a:stCxn id="86" idx="3"/>
+            <a:endCxn id="87" idx="1"/>
+          </p:cNvCxnSpPr>
+          <p:nvPr/>
+        </p:nvCxnSpPr>
+        <p:spPr>
+          <a:xfrm>
+            <a:off x="1184708" y="5935593"/>
+            <a:ext cx="870221" cy="105641"/>
           </a:xfrm>
           <a:prstGeom prst="bentConnector3">
             <a:avLst>
@@ -31036,10 +31207,10 @@
       </p:cxnSp>
       <p:sp>
         <p:nvSpPr>
-          <p:cNvPr id="50" name="TextBox 49">
+          <p:cNvPr id="94" name="TextBox 93">
             <a:extLst>
               <a:ext uri="{FF2B5EF4-FFF2-40B4-BE49-F238E27FC236}">
-                <a16:creationId xmlns:a16="http://schemas.microsoft.com/office/drawing/2014/main" id="{12DBA17A-6132-9348-94A0-17F5F151AE90}"/>
+                <a16:creationId xmlns:a16="http://schemas.microsoft.com/office/drawing/2014/main" id="{6C140056-AE27-9F48-AA75-5D9FD7B30DA3}"/>
               </a:ext>
             </a:extLst>
           </p:cNvPr>
@@ -31048,8 +31219,8 @@
         </p:nvSpPr>
         <p:spPr>
           <a:xfrm>
-            <a:off x="4655098" y="6422167"/>
-            <a:ext cx="2212258" cy="307777"/>
+            <a:off x="5407103" y="6499581"/>
+            <a:ext cx="2212258" cy="304800"/>
           </a:xfrm>
           <a:prstGeom prst="rect">
             <a:avLst/>
@@ -31068,56 +31239,15 @@
                   <a:srgbClr val="C00000"/>
                 </a:solidFill>
               </a:rPr>
-              <a:t>Package Versioning</a:t>
+              <a:t>Version Build</a:t>
             </a:r>
           </a:p>
         </p:txBody>
       </p:sp>
-      <p:cxnSp>
-        <p:nvCxnSpPr>
-          <p:cNvPr id="51" name="Google Shape;205;p3">
-            <a:extLst>
-              <a:ext uri="{FF2B5EF4-FFF2-40B4-BE49-F238E27FC236}">
-                <a16:creationId xmlns:a16="http://schemas.microsoft.com/office/drawing/2014/main" id="{37DAB6FF-FC35-E744-B742-AE99CDB7AA07}"/>
-              </a:ext>
-            </a:extLst>
-          </p:cNvPr>
-          <p:cNvCxnSpPr>
-            <a:cxnSpLocks/>
-            <a:stCxn id="56" idx="3"/>
-            <a:endCxn id="57" idx="1"/>
-          </p:cNvCxnSpPr>
-          <p:nvPr/>
-        </p:nvCxnSpPr>
-        <p:spPr>
-          <a:xfrm flipV="1">
-            <a:off x="1118592" y="5935593"/>
-            <a:ext cx="298790" cy="1"/>
-          </a:xfrm>
-          <a:prstGeom prst="bentConnector3">
-            <a:avLst>
-              <a:gd name="adj1" fmla="val 50000"/>
-            </a:avLst>
-          </a:prstGeom>
-          <a:noFill/>
-          <a:ln w="12700" cap="flat" cmpd="sng">
-            <a:solidFill>
-              <a:schemeClr val="bg2">
-                <a:lumMod val="40000"/>
-                <a:lumOff val="60000"/>
-              </a:schemeClr>
-            </a:solidFill>
-            <a:prstDash val="solid"/>
-            <a:miter lim="800000"/>
-            <a:headEnd type="triangle" w="med" len="med"/>
-            <a:tailEnd type="triangle" w="med" len="med"/>
-          </a:ln>
-        </p:spPr>
-      </p:cxnSp>
     </p:spTree>
     <p:extLst>
       <p:ext uri="{BB962C8B-B14F-4D97-AF65-F5344CB8AC3E}">
-        <p14:creationId xmlns:p14="http://schemas.microsoft.com/office/powerpoint/2010/main" val="2671261744"/>
+        <p14:creationId xmlns:p14="http://schemas.microsoft.com/office/powerpoint/2010/main" val="732367896"/>
       </p:ext>
     </p:extLst>
   </p:cSld>
@@ -35771,7 +35901,7 @@
                 <a:cs typeface="Calibri"/>
                 <a:sym typeface="Calibri"/>
               </a:rPr>
-              <a:t>FROM debian:buster@sha2567e88e89d5323</a:t>
+              <a:t>FROM debian:buster@sha256:7e88d5323</a:t>
             </a:r>
             <a:endParaRPr sz="1050" dirty="0">
               <a:solidFill>
@@ -35800,7 +35930,7 @@
         <p:spPr>
           <a:xfrm>
             <a:off x="9929047" y="4476898"/>
-            <a:ext cx="2016869" cy="419943"/>
+            <a:ext cx="2192437" cy="419943"/>
           </a:xfrm>
           <a:prstGeom prst="roundRect">
             <a:avLst>
@@ -35868,7 +35998,7 @@
               <a:buNone/>
             </a:pPr>
             <a:r>
-              <a:rPr lang="en-US" sz="1050">
+              <a:rPr lang="en-US" sz="1050" dirty="0">
                 <a:solidFill>
                   <a:srgbClr val="C55A11"/>
                 </a:solidFill>
@@ -35877,9 +36007,33 @@
                 <a:cs typeface="Calibri"/>
                 <a:sym typeface="Calibri"/>
               </a:rPr>
-              <a:t>/etc/version-docker</a:t>
+              <a:t>/</a:t>
             </a:r>
-            <a:endParaRPr sz="1050"/>
+            <a:r>
+              <a:rPr lang="en-US" sz="1050" dirty="0" err="1">
+                <a:solidFill>
+                  <a:srgbClr val="C55A11"/>
+                </a:solidFill>
+                <a:latin typeface="Calibri"/>
+                <a:ea typeface="Calibri"/>
+                <a:cs typeface="Calibri"/>
+                <a:sym typeface="Calibri"/>
+              </a:rPr>
+              <a:t>etc</a:t>
+            </a:r>
+            <a:r>
+              <a:rPr lang="en-US" sz="1050" dirty="0">
+                <a:solidFill>
+                  <a:srgbClr val="C55A11"/>
+                </a:solidFill>
+                <a:latin typeface="Calibri"/>
+                <a:ea typeface="Calibri"/>
+                <a:cs typeface="Calibri"/>
+                <a:sym typeface="Calibri"/>
+              </a:rPr>
+              <a:t>/version-docker</a:t>
+            </a:r>
+            <a:endParaRPr sz="1050" dirty="0"/>
           </a:p>
           <a:p>
             <a:pPr marL="0" marR="0" lvl="0" indent="0" algn="l" rtl="0">
@@ -35892,7 +36046,7 @@
               <a:buNone/>
             </a:pPr>
             <a:r>
-              <a:rPr lang="en-US" sz="1050">
+              <a:rPr lang="en-US" sz="1050" dirty="0" err="1">
                 <a:solidFill>
                   <a:schemeClr val="dk1"/>
                 </a:solidFill>
@@ -35901,9 +36055,21 @@
                 <a:cs typeface="Calibri"/>
                 <a:sym typeface="Calibri"/>
               </a:rPr>
-              <a:t>debian:buster==7e88e89d5323</a:t>
+              <a:t>debian:buster</a:t>
             </a:r>
-            <a:endParaRPr sz="1050">
+            <a:r>
+              <a:rPr lang="en-US" sz="1050" dirty="0">
+                <a:solidFill>
+                  <a:schemeClr val="dk1"/>
+                </a:solidFill>
+                <a:latin typeface="Calibri"/>
+                <a:ea typeface="Calibri"/>
+                <a:cs typeface="Calibri"/>
+                <a:sym typeface="Calibri"/>
+              </a:rPr>
+              <a:t>==sha256:7e88d5323</a:t>
+            </a:r>
+            <a:endParaRPr sz="1050" dirty="0">
               <a:solidFill>
                 <a:schemeClr val="dk1"/>
               </a:solidFill>
@@ -36439,8 +36605,8 @@
         </p:nvCxnSpPr>
         <p:spPr>
           <a:xfrm rot="16200000" flipH="1">
-            <a:off x="8604522" y="2143939"/>
-            <a:ext cx="72243" cy="4593675"/>
+            <a:off x="8648414" y="2100047"/>
+            <a:ext cx="72243" cy="4681459"/>
           </a:xfrm>
           <a:prstGeom prst="bentConnector3">
             <a:avLst>
@@ -36545,7 +36711,7 @@
               <a:buNone/>
             </a:pPr>
             <a:r>
-              <a:rPr lang="en-US" sz="1050">
+              <a:rPr lang="en-US" sz="1050" dirty="0">
                 <a:solidFill>
                   <a:srgbClr val="C55A11"/>
                 </a:solidFill>
@@ -36554,9 +36720,33 @@
                 <a:cs typeface="Calibri"/>
                 <a:sym typeface="Calibri"/>
               </a:rPr>
-              <a:t>/etc/version-git</a:t>
+              <a:t>/</a:t>
             </a:r>
-            <a:endParaRPr sz="1050"/>
+            <a:r>
+              <a:rPr lang="en-US" sz="1050" dirty="0" err="1">
+                <a:solidFill>
+                  <a:srgbClr val="C55A11"/>
+                </a:solidFill>
+                <a:latin typeface="Calibri"/>
+                <a:ea typeface="Calibri"/>
+                <a:cs typeface="Calibri"/>
+                <a:sym typeface="Calibri"/>
+              </a:rPr>
+              <a:t>etc</a:t>
+            </a:r>
+            <a:r>
+              <a:rPr lang="en-US" sz="1050" dirty="0">
+                <a:solidFill>
+                  <a:srgbClr val="C55A11"/>
+                </a:solidFill>
+                <a:latin typeface="Calibri"/>
+                <a:ea typeface="Calibri"/>
+                <a:cs typeface="Calibri"/>
+                <a:sym typeface="Calibri"/>
+              </a:rPr>
+              <a:t>/version-git</a:t>
+            </a:r>
+            <a:endParaRPr sz="1050" dirty="0"/>
           </a:p>
           <a:p>
             <a:pPr marL="0" marR="0" lvl="0" indent="0" algn="l" rtl="0">
@@ -36569,7 +36759,7 @@
               <a:buNone/>
             </a:pPr>
             <a:r>
-              <a:rPr lang="en-US" sz="1050">
+              <a:rPr lang="en-US" sz="1050" dirty="0">
                 <a:solidFill>
                   <a:schemeClr val="dk1"/>
                 </a:solidFill>
@@ -36578,9 +36768,33 @@
                 <a:cs typeface="Calibri"/>
                 <a:sym typeface="Calibri"/>
               </a:rPr>
-              <a:t>http://utl/repo==7e88e89d5323</a:t>
+              <a:t>http://</a:t>
             </a:r>
-            <a:endParaRPr sz="1050">
+            <a:r>
+              <a:rPr lang="en-US" sz="1050" dirty="0" err="1">
+                <a:solidFill>
+                  <a:schemeClr val="dk1"/>
+                </a:solidFill>
+                <a:latin typeface="Calibri"/>
+                <a:ea typeface="Calibri"/>
+                <a:cs typeface="Calibri"/>
+                <a:sym typeface="Calibri"/>
+              </a:rPr>
+              <a:t>url</a:t>
+            </a:r>
+            <a:r>
+              <a:rPr lang="en-US" sz="1050" dirty="0">
+                <a:solidFill>
+                  <a:schemeClr val="dk1"/>
+                </a:solidFill>
+                <a:latin typeface="Calibri"/>
+                <a:ea typeface="Calibri"/>
+                <a:cs typeface="Calibri"/>
+                <a:sym typeface="Calibri"/>
+              </a:rPr>
+              <a:t>/repo==7e88e89d5323</a:t>
+            </a:r>
+            <a:endParaRPr sz="1050" dirty="0">
               <a:solidFill>
                 <a:schemeClr val="dk1"/>
               </a:solidFill>
